--- a/assets/images/Euler-Axis-Vector-Mapping/figs.pptx
+++ b/assets/images/Euler-Axis-Vector-Mapping/figs.pptx
@@ -10,6 +10,11 @@
     <p:sldId id="698" r:id="rId4"/>
     <p:sldId id="699" r:id="rId5"/>
     <p:sldId id="700" r:id="rId6"/>
+    <p:sldId id="702" r:id="rId7"/>
+    <p:sldId id="704" r:id="rId8"/>
+    <p:sldId id="705" r:id="rId9"/>
+    <p:sldId id="706" r:id="rId10"/>
+    <p:sldId id="703" r:id="rId11"/>
   </p:sldIdLst>
   <p:sldSz cx="12192000" cy="6858000"/>
   <p:notesSz cx="6858000" cy="9144000"/>
@@ -108,6 +113,11 @@
       </a:defRPr>
     </a:lvl9pPr>
   </p:defaultTextStyle>
+  <p:extLst>
+    <p:ext uri="{EFAFB233-063F-42B5-8137-9DF3F51BA10A}">
+      <p15:sldGuideLst xmlns:p15="http://schemas.microsoft.com/office/powerpoint/2012/main"/>
+    </p:ext>
+  </p:extLst>
 </p:presentation>
 </file>
 
@@ -260,7 +270,7 @@
           <a:p>
             <a:fld id="{2F57A6A9-2CCE-4BD5-BCF1-1E47B35D4B7C}" type="datetimeFigureOut">
               <a:rPr lang="en-IE" smtClean="0"/>
-              <a:t>22/03/2021</a:t>
+              <a:t>24/03/2021</a:t>
             </a:fld>
             <a:endParaRPr lang="en-IE"/>
           </a:p>
@@ -460,7 +470,7 @@
           <a:p>
             <a:fld id="{2F57A6A9-2CCE-4BD5-BCF1-1E47B35D4B7C}" type="datetimeFigureOut">
               <a:rPr lang="en-IE" smtClean="0"/>
-              <a:t>22/03/2021</a:t>
+              <a:t>24/03/2021</a:t>
             </a:fld>
             <a:endParaRPr lang="en-IE"/>
           </a:p>
@@ -670,7 +680,7 @@
           <a:p>
             <a:fld id="{2F57A6A9-2CCE-4BD5-BCF1-1E47B35D4B7C}" type="datetimeFigureOut">
               <a:rPr lang="en-IE" smtClean="0"/>
-              <a:t>22/03/2021</a:t>
+              <a:t>24/03/2021</a:t>
             </a:fld>
             <a:endParaRPr lang="en-IE"/>
           </a:p>
@@ -870,7 +880,7 @@
           <a:p>
             <a:fld id="{2F57A6A9-2CCE-4BD5-BCF1-1E47B35D4B7C}" type="datetimeFigureOut">
               <a:rPr lang="en-IE" smtClean="0"/>
-              <a:t>22/03/2021</a:t>
+              <a:t>24/03/2021</a:t>
             </a:fld>
             <a:endParaRPr lang="en-IE"/>
           </a:p>
@@ -1146,7 +1156,7 @@
           <a:p>
             <a:fld id="{2F57A6A9-2CCE-4BD5-BCF1-1E47B35D4B7C}" type="datetimeFigureOut">
               <a:rPr lang="en-IE" smtClean="0"/>
-              <a:t>22/03/2021</a:t>
+              <a:t>24/03/2021</a:t>
             </a:fld>
             <a:endParaRPr lang="en-IE"/>
           </a:p>
@@ -1414,7 +1424,7 @@
           <a:p>
             <a:fld id="{2F57A6A9-2CCE-4BD5-BCF1-1E47B35D4B7C}" type="datetimeFigureOut">
               <a:rPr lang="en-IE" smtClean="0"/>
-              <a:t>22/03/2021</a:t>
+              <a:t>24/03/2021</a:t>
             </a:fld>
             <a:endParaRPr lang="en-IE"/>
           </a:p>
@@ -1829,7 +1839,7 @@
           <a:p>
             <a:fld id="{2F57A6A9-2CCE-4BD5-BCF1-1E47B35D4B7C}" type="datetimeFigureOut">
               <a:rPr lang="en-IE" smtClean="0"/>
-              <a:t>22/03/2021</a:t>
+              <a:t>24/03/2021</a:t>
             </a:fld>
             <a:endParaRPr lang="en-IE"/>
           </a:p>
@@ -1971,7 +1981,7 @@
           <a:p>
             <a:fld id="{2F57A6A9-2CCE-4BD5-BCF1-1E47B35D4B7C}" type="datetimeFigureOut">
               <a:rPr lang="en-IE" smtClean="0"/>
-              <a:t>22/03/2021</a:t>
+              <a:t>24/03/2021</a:t>
             </a:fld>
             <a:endParaRPr lang="en-IE"/>
           </a:p>
@@ -2084,7 +2094,7 @@
           <a:p>
             <a:fld id="{2F57A6A9-2CCE-4BD5-BCF1-1E47B35D4B7C}" type="datetimeFigureOut">
               <a:rPr lang="en-IE" smtClean="0"/>
-              <a:t>22/03/2021</a:t>
+              <a:t>24/03/2021</a:t>
             </a:fld>
             <a:endParaRPr lang="en-IE"/>
           </a:p>
@@ -2397,7 +2407,7 @@
           <a:p>
             <a:fld id="{2F57A6A9-2CCE-4BD5-BCF1-1E47B35D4B7C}" type="datetimeFigureOut">
               <a:rPr lang="en-IE" smtClean="0"/>
-              <a:t>22/03/2021</a:t>
+              <a:t>24/03/2021</a:t>
             </a:fld>
             <a:endParaRPr lang="en-IE"/>
           </a:p>
@@ -2686,7 +2696,7 @@
           <a:p>
             <a:fld id="{2F57A6A9-2CCE-4BD5-BCF1-1E47B35D4B7C}" type="datetimeFigureOut">
               <a:rPr lang="en-IE" smtClean="0"/>
-              <a:t>22/03/2021</a:t>
+              <a:t>24/03/2021</a:t>
             </a:fld>
             <a:endParaRPr lang="en-IE"/>
           </a:p>
@@ -2929,7 +2939,7 @@
           <a:p>
             <a:fld id="{2F57A6A9-2CCE-4BD5-BCF1-1E47B35D4B7C}" type="datetimeFigureOut">
               <a:rPr lang="en-IE" smtClean="0"/>
-              <a:t>22/03/2021</a:t>
+              <a:t>24/03/2021</a:t>
             </a:fld>
             <a:endParaRPr lang="en-IE"/>
           </a:p>
@@ -3654,8 +3664,8 @@
                   </p:sp>
                 </mc:Fallback>
               </mc:AlternateContent>
-              <mc:AlternateContent xmlns:mc="http://schemas.openxmlformats.org/markup-compatibility/2006">
-                <mc:Choice xmlns:a14="http://schemas.microsoft.com/office/drawing/2010/main" Requires="a14">
+              <mc:AlternateContent xmlns:mc="http://schemas.openxmlformats.org/markup-compatibility/2006" xmlns:a14="http://schemas.microsoft.com/office/drawing/2010/main">
+                <mc:Choice Requires="a14">
                   <p:sp>
                     <p:nvSpPr>
                       <p:cNvPr id="13" name="TextBox 12">
@@ -3705,7 +3715,7 @@
                     </p:txBody>
                   </p:sp>
                 </mc:Choice>
-                <mc:Fallback>
+                <mc:Fallback xmlns="">
                   <p:sp>
                     <p:nvSpPr>
                       <p:cNvPr id="13" name="TextBox 12">
@@ -3750,8 +3760,8 @@
                   </p:sp>
                 </mc:Fallback>
               </mc:AlternateContent>
-              <mc:AlternateContent xmlns:mc="http://schemas.openxmlformats.org/markup-compatibility/2006">
-                <mc:Choice xmlns:a14="http://schemas.microsoft.com/office/drawing/2010/main" Requires="a14">
+              <mc:AlternateContent xmlns:mc="http://schemas.openxmlformats.org/markup-compatibility/2006" xmlns:a14="http://schemas.microsoft.com/office/drawing/2010/main">
+                <mc:Choice Requires="a14">
                   <p:sp>
                     <p:nvSpPr>
                       <p:cNvPr id="14" name="TextBox 13">
@@ -3801,7 +3811,7 @@
                     </p:txBody>
                   </p:sp>
                 </mc:Choice>
-                <mc:Fallback>
+                <mc:Fallback xmlns="">
                   <p:sp>
                     <p:nvSpPr>
                       <p:cNvPr id="14" name="TextBox 13">
@@ -3847,8 +3857,8 @@
                 </mc:Fallback>
               </mc:AlternateContent>
             </p:grpSp>
-            <mc:AlternateContent xmlns:mc="http://schemas.openxmlformats.org/markup-compatibility/2006">
-              <mc:Choice xmlns:a14="http://schemas.microsoft.com/office/drawing/2010/main" Requires="a14">
+            <mc:AlternateContent xmlns:mc="http://schemas.openxmlformats.org/markup-compatibility/2006" xmlns:a14="http://schemas.microsoft.com/office/drawing/2010/main">
+              <mc:Choice Requires="a14">
                 <p:sp>
                   <p:nvSpPr>
                     <p:cNvPr id="25" name="TextBox 24">
@@ -3925,7 +3935,7 @@
                   </p:txBody>
                 </p:sp>
               </mc:Choice>
-              <mc:Fallback>
+              <mc:Fallback xmlns="">
                 <p:sp>
                   <p:nvSpPr>
                     <p:cNvPr id="25" name="TextBox 24">
@@ -4022,8 +4032,8 @@
             </p:txBody>
           </p:sp>
         </p:grpSp>
-        <mc:AlternateContent xmlns:mc="http://schemas.openxmlformats.org/markup-compatibility/2006">
-          <mc:Choice xmlns:a14="http://schemas.microsoft.com/office/drawing/2010/main" Requires="a14">
+        <mc:AlternateContent xmlns:mc="http://schemas.openxmlformats.org/markup-compatibility/2006" xmlns:a14="http://schemas.microsoft.com/office/drawing/2010/main">
+          <mc:Choice Requires="a14">
             <p:sp>
               <p:nvSpPr>
                 <p:cNvPr id="31" name="TextBox 30">
@@ -4218,13 +4228,11 @@
                   </a:endParaRPr>
                 </a:p>
                 <a:p>
-                  <a:pPr/>
                   <a:endParaRPr lang="en-GB" sz="1800" b="0" i="1" dirty="0">
                     <a:latin typeface="Cambria Math" panose="02040503050406030204" pitchFamily="18" charset="0"/>
                   </a:endParaRPr>
                 </a:p>
                 <a:p>
-                  <a:pPr/>
                   <a:r>
                     <a:rPr lang="en-GB" dirty="0">
                       <a:latin typeface="Arial" panose="020B0604020202020204" pitchFamily="34" charset="0"/>
@@ -4233,7 +4241,6 @@
                   </a:r>
                 </a:p>
                 <a:p>
-                  <a:pPr/>
                   <a:endParaRPr lang="en-GB" i="1" dirty="0">
                     <a:solidFill>
                       <a:schemeClr val="tx1"/>
@@ -4242,7 +4249,6 @@
                   </a:endParaRPr>
                 </a:p>
                 <a:p>
-                  <a:pPr/>
                   <a14:m>
                     <m:oMath xmlns:m="http://schemas.openxmlformats.org/officeDocument/2006/math">
                       <m:sSup>
@@ -4733,7 +4739,7 @@
               </p:txBody>
             </p:sp>
           </mc:Choice>
-          <mc:Fallback>
+          <mc:Fallback xmlns="">
             <p:sp>
               <p:nvSpPr>
                 <p:cNvPr id="31" name="TextBox 30">
@@ -4783,6 +4789,2277 @@
     <p:extLst>
       <p:ext uri="{BB962C8B-B14F-4D97-AF65-F5344CB8AC3E}">
         <p14:creationId xmlns:p14="http://schemas.microsoft.com/office/powerpoint/2010/main" val="2913752020"/>
+      </p:ext>
+    </p:extLst>
+  </p:cSld>
+  <p:clrMapOvr>
+    <a:masterClrMapping/>
+  </p:clrMapOvr>
+</p:sld>
+</file>
+
+<file path=ppt/slides/slide10.xml><?xml version="1.0" encoding="utf-8"?>
+<p:sld xmlns:a="http://schemas.openxmlformats.org/drawingml/2006/main" xmlns:r="http://schemas.openxmlformats.org/officeDocument/2006/relationships" xmlns:p="http://schemas.openxmlformats.org/presentationml/2006/main">
+  <p:cSld>
+    <p:spTree>
+      <p:nvGrpSpPr>
+        <p:cNvPr id="1" name=""/>
+        <p:cNvGrpSpPr/>
+        <p:nvPr/>
+      </p:nvGrpSpPr>
+      <p:grpSpPr>
+        <a:xfrm>
+          <a:off x="0" y="0"/>
+          <a:ext cx="0" cy="0"/>
+          <a:chOff x="0" y="0"/>
+          <a:chExt cx="0" cy="0"/>
+        </a:xfrm>
+      </p:grpSpPr>
+      <p:sp>
+        <p:nvSpPr>
+          <p:cNvPr id="32" name="Rectangle 31">
+            <a:extLst>
+              <a:ext uri="{FF2B5EF4-FFF2-40B4-BE49-F238E27FC236}">
+                <a16:creationId xmlns:a16="http://schemas.microsoft.com/office/drawing/2014/main" id="{1AA1ED43-FE0D-43E0-B559-B06F83EE4FAD}"/>
+              </a:ext>
+            </a:extLst>
+          </p:cNvPr>
+          <p:cNvSpPr/>
+          <p:nvPr/>
+        </p:nvSpPr>
+        <p:spPr>
+          <a:xfrm>
+            <a:off x="928914" y="420915"/>
+            <a:ext cx="9646870" cy="1030514"/>
+          </a:xfrm>
+          <a:prstGeom prst="rect">
+            <a:avLst/>
+          </a:prstGeom>
+          <a:noFill/>
+          <a:ln>
+            <a:noFill/>
+          </a:ln>
+        </p:spPr>
+        <p:style>
+          <a:lnRef idx="2">
+            <a:schemeClr val="accent1">
+              <a:shade val="50000"/>
+            </a:schemeClr>
+          </a:lnRef>
+          <a:fillRef idx="1">
+            <a:schemeClr val="accent1"/>
+          </a:fillRef>
+          <a:effectRef idx="0">
+            <a:schemeClr val="accent1"/>
+          </a:effectRef>
+          <a:fontRef idx="minor">
+            <a:schemeClr val="lt1"/>
+          </a:fontRef>
+        </p:style>
+        <p:txBody>
+          <a:bodyPr rtlCol="0" anchor="t" anchorCtr="0"/>
+          <a:lstStyle/>
+          <a:p>
+            <a:endParaRPr lang="en-IE" dirty="0">
+              <a:solidFill>
+                <a:schemeClr val="tx1"/>
+              </a:solidFill>
+            </a:endParaRPr>
+          </a:p>
+        </p:txBody>
+      </p:sp>
+      <mc:AlternateContent xmlns:mc="http://schemas.openxmlformats.org/markup-compatibility/2006">
+        <mc:Choice xmlns:a14="http://schemas.microsoft.com/office/drawing/2010/main" Requires="a14">
+          <p:sp>
+            <p:nvSpPr>
+              <p:cNvPr id="56" name="TextBox 55">
+                <a:extLst>
+                  <a:ext uri="{FF2B5EF4-FFF2-40B4-BE49-F238E27FC236}">
+                    <a16:creationId xmlns:a16="http://schemas.microsoft.com/office/drawing/2014/main" id="{B42778CA-6679-4274-B851-3E47600D3E12}"/>
+                  </a:ext>
+                </a:extLst>
+              </p:cNvPr>
+              <p:cNvSpPr txBox="1"/>
+              <p:nvPr/>
+            </p:nvSpPr>
+            <p:spPr>
+              <a:xfrm>
+                <a:off x="928914" y="522070"/>
+                <a:ext cx="9646870" cy="886012"/>
+              </a:xfrm>
+              <a:prstGeom prst="rect">
+                <a:avLst/>
+              </a:prstGeom>
+              <a:noFill/>
+            </p:spPr>
+            <p:txBody>
+              <a:bodyPr wrap="square">
+                <a:spAutoFit/>
+              </a:bodyPr>
+              <a:lstStyle/>
+              <a:p>
+                <a:pPr/>
+                <a14:m>
+                  <m:oMathPara xmlns:m="http://schemas.openxmlformats.org/officeDocument/2006/math">
+                    <m:oMathParaPr>
+                      <m:jc m:val="centerGroup"/>
+                    </m:oMathParaPr>
+                    <m:oMath xmlns:m="http://schemas.openxmlformats.org/officeDocument/2006/math">
+                      <m:sSup>
+                        <m:sSupPr>
+                          <m:ctrlPr>
+                            <a:rPr lang="en-GB" sz="1400" i="1" smtClean="0">
+                              <a:latin typeface="Cambria Math" panose="02040503050406030204" pitchFamily="18" charset="0"/>
+                            </a:rPr>
+                          </m:ctrlPr>
+                        </m:sSupPr>
+                        <m:e>
+                          <m:d>
+                            <m:dPr>
+                              <m:begChr m:val="["/>
+                              <m:endChr m:val="]"/>
+                              <m:ctrlPr>
+                                <a:rPr lang="en-GB" sz="1400" i="1" smtClean="0">
+                                  <a:latin typeface="Cambria Math" panose="02040503050406030204" pitchFamily="18" charset="0"/>
+                                </a:rPr>
+                              </m:ctrlPr>
+                            </m:dPr>
+                            <m:e>
+                              <m:sSup>
+                                <m:sSupPr>
+                                  <m:ctrlPr>
+                                    <a:rPr lang="en-GB" sz="1400" i="1">
+                                      <a:latin typeface="Cambria Math" panose="02040503050406030204" pitchFamily="18" charset="0"/>
+                                    </a:rPr>
+                                  </m:ctrlPr>
+                                </m:sSupPr>
+                                <m:e>
+                                  <m:r>
+                                    <a:rPr lang="en-GB" sz="1400" i="1">
+                                      <a:latin typeface="Cambria Math" panose="02040503050406030204" pitchFamily="18" charset="0"/>
+                                    </a:rPr>
+                                    <m:t>𝐴</m:t>
+                                  </m:r>
+                                </m:e>
+                                <m:sup>
+                                  <m:acc>
+                                    <m:accPr>
+                                      <m:chr m:val="̂"/>
+                                      <m:ctrlPr>
+                                        <a:rPr lang="en-GB" sz="1400" i="1">
+                                          <a:latin typeface="Cambria Math" panose="02040503050406030204" pitchFamily="18" charset="0"/>
+                                        </a:rPr>
+                                      </m:ctrlPr>
+                                    </m:accPr>
+                                    <m:e>
+                                      <m:r>
+                                        <a:rPr lang="en-GB" sz="1400" i="1">
+                                          <a:latin typeface="Cambria Math" panose="02040503050406030204" pitchFamily="18" charset="0"/>
+                                        </a:rPr>
+                                        <m:t>𝑎</m:t>
+                                      </m:r>
+                                    </m:e>
+                                  </m:acc>
+                                  <m:r>
+                                    <a:rPr lang="en-GB" sz="1400" i="1">
+                                      <a:latin typeface="Cambria Math" panose="02040503050406030204" pitchFamily="18" charset="0"/>
+                                      <a:ea typeface="Cambria Math" panose="02040503050406030204" pitchFamily="18" charset="0"/>
+                                    </a:rPr>
+                                    <m:t>→</m:t>
+                                  </m:r>
+                                  <m:acc>
+                                    <m:accPr>
+                                      <m:chr m:val="̂"/>
+                                      <m:ctrlPr>
+                                        <a:rPr lang="en-GB" sz="1400" i="1">
+                                          <a:latin typeface="Cambria Math" panose="02040503050406030204" pitchFamily="18" charset="0"/>
+                                        </a:rPr>
+                                      </m:ctrlPr>
+                                    </m:accPr>
+                                    <m:e>
+                                      <m:r>
+                                        <a:rPr lang="en-GB" sz="1400" i="1">
+                                          <a:latin typeface="Cambria Math" panose="02040503050406030204" pitchFamily="18" charset="0"/>
+                                        </a:rPr>
+                                        <m:t>𝑏</m:t>
+                                      </m:r>
+                                    </m:e>
+                                  </m:acc>
+                                </m:sup>
+                              </m:sSup>
+                            </m:e>
+                          </m:d>
+                        </m:e>
+                        <m:sup>
+                          <m:r>
+                            <a:rPr lang="en-GB" sz="1400" b="0" i="1" smtClean="0">
+                              <a:latin typeface="Cambria Math" panose="02040503050406030204" pitchFamily="18" charset="0"/>
+                            </a:rPr>
+                            <m:t>𝐸𝐴𝑆</m:t>
+                          </m:r>
+                        </m:sup>
+                      </m:sSup>
+                      <m:r>
+                        <a:rPr lang="en-GB" sz="1400" i="1">
+                          <a:latin typeface="Cambria Math" panose="02040503050406030204" pitchFamily="18" charset="0"/>
+                        </a:rPr>
+                        <m:t>=</m:t>
+                      </m:r>
+                      <m:d>
+                        <m:dPr>
+                          <m:begChr m:val="["/>
+                          <m:endChr m:val="]"/>
+                          <m:ctrlPr>
+                            <a:rPr lang="en-GB" sz="1400" i="1">
+                              <a:latin typeface="Cambria Math" panose="02040503050406030204" pitchFamily="18" charset="0"/>
+                            </a:rPr>
+                          </m:ctrlPr>
+                        </m:dPr>
+                        <m:e>
+                          <m:m>
+                            <m:mPr>
+                              <m:mcs>
+                                <m:mc>
+                                  <m:mcPr>
+                                    <m:count m:val="3"/>
+                                    <m:mcJc m:val="center"/>
+                                  </m:mcPr>
+                                </m:mc>
+                              </m:mcs>
+                              <m:ctrlPr>
+                                <a:rPr lang="en-GB" sz="1400" i="1">
+                                  <a:latin typeface="Cambria Math" panose="02040503050406030204" pitchFamily="18" charset="0"/>
+                                </a:rPr>
+                              </m:ctrlPr>
+                            </m:mPr>
+                            <m:mr>
+                              <m:e>
+                                <m:sSubSup>
+                                  <m:sSubSupPr>
+                                    <m:ctrlPr>
+                                      <a:rPr lang="en-GB" sz="1400" i="1">
+                                        <a:latin typeface="Cambria Math" panose="02040503050406030204" pitchFamily="18" charset="0"/>
+                                      </a:rPr>
+                                    </m:ctrlPr>
+                                  </m:sSubSupPr>
+                                  <m:e>
+                                    <m:r>
+                                      <a:rPr lang="en-GB" sz="1400" b="0" i="1" smtClean="0">
+                                        <a:latin typeface="Cambria Math" panose="02040503050406030204" pitchFamily="18" charset="0"/>
+                                      </a:rPr>
+                                      <m:t>𝑛</m:t>
+                                    </m:r>
+                                  </m:e>
+                                  <m:sub>
+                                    <m:r>
+                                      <a:rPr lang="en-GB" sz="1400" i="1">
+                                        <a:latin typeface="Cambria Math" panose="02040503050406030204" pitchFamily="18" charset="0"/>
+                                        <a:ea typeface="Cambria Math" panose="02040503050406030204" pitchFamily="18" charset="0"/>
+                                      </a:rPr>
+                                      <m:t>𝛼</m:t>
+                                    </m:r>
+                                    <m:r>
+                                      <a:rPr lang="en-GB" sz="1400" b="0" i="1" smtClean="0">
+                                        <a:latin typeface="Cambria Math" panose="02040503050406030204" pitchFamily="18" charset="0"/>
+                                        <a:ea typeface="Cambria Math" panose="02040503050406030204" pitchFamily="18" charset="0"/>
+                                      </a:rPr>
+                                      <m:t>,</m:t>
+                                    </m:r>
+                                    <m:r>
+                                      <a:rPr lang="en-GB" sz="1400" i="1">
+                                        <a:latin typeface="Cambria Math" panose="02040503050406030204" pitchFamily="18" charset="0"/>
+                                      </a:rPr>
+                                      <m:t>1</m:t>
+                                    </m:r>
+                                  </m:sub>
+                                  <m:sup>
+                                    <m:r>
+                                      <a:rPr lang="en-GB" sz="1400" i="1">
+                                        <a:latin typeface="Cambria Math" panose="02040503050406030204" pitchFamily="18" charset="0"/>
+                                      </a:rPr>
+                                      <m:t>2</m:t>
+                                    </m:r>
+                                  </m:sup>
+                                </m:sSubSup>
+                                <m:r>
+                                  <m:rPr>
+                                    <m:brk m:alnAt="7"/>
+                                  </m:rPr>
+                                  <a:rPr lang="en-GB" sz="1400" i="1">
+                                    <a:latin typeface="Cambria Math" panose="02040503050406030204" pitchFamily="18" charset="0"/>
+                                  </a:rPr>
+                                  <m:t>+</m:t>
+                                </m:r>
+                                <m:r>
+                                  <a:rPr lang="en-GB" sz="1400" i="1">
+                                    <a:latin typeface="Cambria Math" panose="02040503050406030204" pitchFamily="18" charset="0"/>
+                                  </a:rPr>
+                                  <m:t>(</m:t>
+                                </m:r>
+                                <m:sSubSup>
+                                  <m:sSubSupPr>
+                                    <m:ctrlPr>
+                                      <a:rPr lang="en-GB" sz="1400" i="1">
+                                        <a:latin typeface="Cambria Math" panose="02040503050406030204" pitchFamily="18" charset="0"/>
+                                      </a:rPr>
+                                    </m:ctrlPr>
+                                  </m:sSubSupPr>
+                                  <m:e>
+                                    <m:r>
+                                      <a:rPr lang="en-GB" sz="1400" i="1">
+                                        <a:latin typeface="Cambria Math" panose="02040503050406030204" pitchFamily="18" charset="0"/>
+                                      </a:rPr>
+                                      <m:t>𝑛</m:t>
+                                    </m:r>
+                                  </m:e>
+                                  <m:sub>
+                                    <m:r>
+                                      <a:rPr lang="en-GB" sz="1400" i="1">
+                                        <a:latin typeface="Cambria Math" panose="02040503050406030204" pitchFamily="18" charset="0"/>
+                                        <a:ea typeface="Cambria Math" panose="02040503050406030204" pitchFamily="18" charset="0"/>
+                                      </a:rPr>
+                                      <m:t>𝛼</m:t>
+                                    </m:r>
+                                    <m:r>
+                                      <a:rPr lang="en-GB" sz="1400" b="0" i="1" smtClean="0">
+                                        <a:latin typeface="Cambria Math" panose="02040503050406030204" pitchFamily="18" charset="0"/>
+                                        <a:ea typeface="Cambria Math" panose="02040503050406030204" pitchFamily="18" charset="0"/>
+                                      </a:rPr>
+                                      <m:t>,</m:t>
+                                    </m:r>
+                                    <m:r>
+                                      <a:rPr lang="en-GB" sz="1400" i="1">
+                                        <a:latin typeface="Cambria Math" panose="02040503050406030204" pitchFamily="18" charset="0"/>
+                                      </a:rPr>
+                                      <m:t>2</m:t>
+                                    </m:r>
+                                  </m:sub>
+                                  <m:sup>
+                                    <m:r>
+                                      <a:rPr lang="en-GB" sz="1400" i="1">
+                                        <a:latin typeface="Cambria Math" panose="02040503050406030204" pitchFamily="18" charset="0"/>
+                                      </a:rPr>
+                                      <m:t>2</m:t>
+                                    </m:r>
+                                  </m:sup>
+                                </m:sSubSup>
+                                <m:r>
+                                  <a:rPr lang="en-GB" sz="1400" i="1">
+                                    <a:latin typeface="Cambria Math" panose="02040503050406030204" pitchFamily="18" charset="0"/>
+                                  </a:rPr>
+                                  <m:t>+</m:t>
+                                </m:r>
+                                <m:sSubSup>
+                                  <m:sSubSupPr>
+                                    <m:ctrlPr>
+                                      <a:rPr lang="en-GB" sz="1400" i="1">
+                                        <a:latin typeface="Cambria Math" panose="02040503050406030204" pitchFamily="18" charset="0"/>
+                                      </a:rPr>
+                                    </m:ctrlPr>
+                                  </m:sSubSupPr>
+                                  <m:e>
+                                    <m:r>
+                                      <a:rPr lang="en-GB" sz="1400" i="1">
+                                        <a:latin typeface="Cambria Math" panose="02040503050406030204" pitchFamily="18" charset="0"/>
+                                      </a:rPr>
+                                      <m:t>𝑛</m:t>
+                                    </m:r>
+                                  </m:e>
+                                  <m:sub>
+                                    <m:r>
+                                      <a:rPr lang="en-GB" sz="1400" i="1">
+                                        <a:latin typeface="Cambria Math" panose="02040503050406030204" pitchFamily="18" charset="0"/>
+                                        <a:ea typeface="Cambria Math" panose="02040503050406030204" pitchFamily="18" charset="0"/>
+                                      </a:rPr>
+                                      <m:t>𝛼</m:t>
+                                    </m:r>
+                                    <m:r>
+                                      <a:rPr lang="en-GB" sz="1400" b="0" i="1" smtClean="0">
+                                        <a:latin typeface="Cambria Math" panose="02040503050406030204" pitchFamily="18" charset="0"/>
+                                        <a:ea typeface="Cambria Math" panose="02040503050406030204" pitchFamily="18" charset="0"/>
+                                      </a:rPr>
+                                      <m:t>,</m:t>
+                                    </m:r>
+                                    <m:r>
+                                      <a:rPr lang="en-GB" sz="1400" i="1">
+                                        <a:latin typeface="Cambria Math" panose="02040503050406030204" pitchFamily="18" charset="0"/>
+                                      </a:rPr>
+                                      <m:t>3</m:t>
+                                    </m:r>
+                                  </m:sub>
+                                  <m:sup>
+                                    <m:r>
+                                      <a:rPr lang="en-GB" sz="1400" i="1">
+                                        <a:latin typeface="Cambria Math" panose="02040503050406030204" pitchFamily="18" charset="0"/>
+                                      </a:rPr>
+                                      <m:t>2</m:t>
+                                    </m:r>
+                                  </m:sup>
+                                </m:sSubSup>
+                                <m:r>
+                                  <m:rPr>
+                                    <m:brk m:alnAt="7"/>
+                                  </m:rPr>
+                                  <a:rPr lang="en-GB" sz="1400" i="1">
+                                    <a:latin typeface="Cambria Math" panose="02040503050406030204" pitchFamily="18" charset="0"/>
+                                  </a:rPr>
+                                  <m:t>)</m:t>
+                                </m:r>
+                                <m:r>
+                                  <m:rPr>
+                                    <m:sty m:val="p"/>
+                                  </m:rPr>
+                                  <a:rPr lang="en-GB" sz="1400" dirty="0">
+                                    <a:latin typeface="Cambria Math" panose="02040503050406030204" pitchFamily="18" charset="0"/>
+                                    <a:ea typeface="Cambria Math" panose="02040503050406030204" pitchFamily="18" charset="0"/>
+                                  </a:rPr>
+                                  <m:t>cos</m:t>
+                                </m:r>
+                                <m:sSub>
+                                  <m:sSubPr>
+                                    <m:ctrlPr>
+                                      <a:rPr lang="en-GB" sz="1400" i="1">
+                                        <a:latin typeface="Cambria Math" panose="02040503050406030204" pitchFamily="18" charset="0"/>
+                                      </a:rPr>
+                                    </m:ctrlPr>
+                                  </m:sSubPr>
+                                  <m:e>
+                                    <m:r>
+                                      <a:rPr lang="en-GB" sz="1400" i="1">
+                                        <a:latin typeface="Cambria Math" panose="02040503050406030204" pitchFamily="18" charset="0"/>
+                                        <a:ea typeface="Cambria Math" panose="02040503050406030204" pitchFamily="18" charset="0"/>
+                                      </a:rPr>
+                                      <m:t>𝜃</m:t>
+                                    </m:r>
+                                  </m:e>
+                                  <m:sub>
+                                    <m:r>
+                                      <a:rPr lang="en-GB" sz="1400" i="1">
+                                        <a:latin typeface="Cambria Math" panose="02040503050406030204" pitchFamily="18" charset="0"/>
+                                        <a:ea typeface="Cambria Math" panose="02040503050406030204" pitchFamily="18" charset="0"/>
+                                      </a:rPr>
+                                      <m:t>𝛼</m:t>
+                                    </m:r>
+                                  </m:sub>
+                                </m:sSub>
+                              </m:e>
+                              <m:e>
+                                <m:sSub>
+                                  <m:sSubPr>
+                                    <m:ctrlPr>
+                                      <a:rPr lang="en-GB" sz="1400" i="1">
+                                        <a:latin typeface="Cambria Math" panose="02040503050406030204" pitchFamily="18" charset="0"/>
+                                      </a:rPr>
+                                    </m:ctrlPr>
+                                  </m:sSubPr>
+                                  <m:e>
+                                    <m:r>
+                                      <a:rPr lang="en-GB" sz="1400" i="1">
+                                        <a:latin typeface="Cambria Math" panose="02040503050406030204" pitchFamily="18" charset="0"/>
+                                      </a:rPr>
+                                      <m:t>𝑛</m:t>
+                                    </m:r>
+                                  </m:e>
+                                  <m:sub>
+                                    <m:r>
+                                      <a:rPr lang="en-GB" sz="1400" i="1">
+                                        <a:latin typeface="Cambria Math" panose="02040503050406030204" pitchFamily="18" charset="0"/>
+                                        <a:ea typeface="Cambria Math" panose="02040503050406030204" pitchFamily="18" charset="0"/>
+                                      </a:rPr>
+                                      <m:t>𝛼</m:t>
+                                    </m:r>
+                                    <m:r>
+                                      <a:rPr lang="en-GB" sz="1400" b="0" i="1" smtClean="0">
+                                        <a:latin typeface="Cambria Math" panose="02040503050406030204" pitchFamily="18" charset="0"/>
+                                        <a:ea typeface="Cambria Math" panose="02040503050406030204" pitchFamily="18" charset="0"/>
+                                      </a:rPr>
+                                      <m:t>,</m:t>
+                                    </m:r>
+                                    <m:r>
+                                      <a:rPr lang="en-GB" sz="1400" i="1">
+                                        <a:latin typeface="Cambria Math" panose="02040503050406030204" pitchFamily="18" charset="0"/>
+                                      </a:rPr>
+                                      <m:t>1</m:t>
+                                    </m:r>
+                                  </m:sub>
+                                </m:sSub>
+                                <m:sSub>
+                                  <m:sSubPr>
+                                    <m:ctrlPr>
+                                      <a:rPr lang="en-GB" sz="1400" i="1">
+                                        <a:latin typeface="Cambria Math" panose="02040503050406030204" pitchFamily="18" charset="0"/>
+                                      </a:rPr>
+                                    </m:ctrlPr>
+                                  </m:sSubPr>
+                                  <m:e>
+                                    <m:r>
+                                      <a:rPr lang="en-GB" sz="1400" i="1">
+                                        <a:latin typeface="Cambria Math" panose="02040503050406030204" pitchFamily="18" charset="0"/>
+                                      </a:rPr>
+                                      <m:t>𝑛</m:t>
+                                    </m:r>
+                                  </m:e>
+                                  <m:sub>
+                                    <m:r>
+                                      <a:rPr lang="en-GB" sz="1400" i="1">
+                                        <a:latin typeface="Cambria Math" panose="02040503050406030204" pitchFamily="18" charset="0"/>
+                                        <a:ea typeface="Cambria Math" panose="02040503050406030204" pitchFamily="18" charset="0"/>
+                                      </a:rPr>
+                                      <m:t>𝛼</m:t>
+                                    </m:r>
+                                    <m:r>
+                                      <a:rPr lang="en-GB" sz="1400" b="0" i="1" smtClean="0">
+                                        <a:latin typeface="Cambria Math" panose="02040503050406030204" pitchFamily="18" charset="0"/>
+                                        <a:ea typeface="Cambria Math" panose="02040503050406030204" pitchFamily="18" charset="0"/>
+                                      </a:rPr>
+                                      <m:t>,</m:t>
+                                    </m:r>
+                                    <m:r>
+                                      <a:rPr lang="en-GB" sz="1400" i="1">
+                                        <a:latin typeface="Cambria Math" panose="02040503050406030204" pitchFamily="18" charset="0"/>
+                                      </a:rPr>
+                                      <m:t>2</m:t>
+                                    </m:r>
+                                  </m:sub>
+                                </m:sSub>
+                                <m:d>
+                                  <m:dPr>
+                                    <m:ctrlPr>
+                                      <a:rPr lang="en-GB" sz="1400" i="1">
+                                        <a:latin typeface="Cambria Math" panose="02040503050406030204" pitchFamily="18" charset="0"/>
+                                      </a:rPr>
+                                    </m:ctrlPr>
+                                  </m:dPr>
+                                  <m:e>
+                                    <m:r>
+                                      <a:rPr lang="en-GB" sz="1400" i="1">
+                                        <a:latin typeface="Cambria Math" panose="02040503050406030204" pitchFamily="18" charset="0"/>
+                                      </a:rPr>
+                                      <m:t>1</m:t>
+                                    </m:r>
+                                    <m:r>
+                                      <a:rPr lang="en-GB" sz="1400" i="1">
+                                        <a:latin typeface="Cambria Math" panose="02040503050406030204" pitchFamily="18" charset="0"/>
+                                      </a:rPr>
+                                      <m:t>−</m:t>
+                                    </m:r>
+                                    <m:r>
+                                      <m:rPr>
+                                        <m:sty m:val="p"/>
+                                      </m:rPr>
+                                      <a:rPr lang="en-GB" sz="1400" dirty="0">
+                                        <a:latin typeface="Cambria Math" panose="02040503050406030204" pitchFamily="18" charset="0"/>
+                                        <a:ea typeface="Cambria Math" panose="02040503050406030204" pitchFamily="18" charset="0"/>
+                                      </a:rPr>
+                                      <m:t>cos</m:t>
+                                    </m:r>
+                                    <m:sSub>
+                                      <m:sSubPr>
+                                        <m:ctrlPr>
+                                          <a:rPr lang="en-GB" sz="1400" i="1">
+                                            <a:latin typeface="Cambria Math" panose="02040503050406030204" pitchFamily="18" charset="0"/>
+                                          </a:rPr>
+                                        </m:ctrlPr>
+                                      </m:sSubPr>
+                                      <m:e>
+                                        <m:r>
+                                          <a:rPr lang="en-GB" sz="1400" i="1">
+                                            <a:latin typeface="Cambria Math" panose="02040503050406030204" pitchFamily="18" charset="0"/>
+                                            <a:ea typeface="Cambria Math" panose="02040503050406030204" pitchFamily="18" charset="0"/>
+                                          </a:rPr>
+                                          <m:t>𝜃</m:t>
+                                        </m:r>
+                                      </m:e>
+                                      <m:sub>
+                                        <m:r>
+                                          <a:rPr lang="en-GB" sz="1400" i="1">
+                                            <a:latin typeface="Cambria Math" panose="02040503050406030204" pitchFamily="18" charset="0"/>
+                                            <a:ea typeface="Cambria Math" panose="02040503050406030204" pitchFamily="18" charset="0"/>
+                                          </a:rPr>
+                                          <m:t>𝛼</m:t>
+                                        </m:r>
+                                      </m:sub>
+                                    </m:sSub>
+                                  </m:e>
+                                </m:d>
+                                <m:r>
+                                  <a:rPr lang="en-GB" sz="1400" i="1">
+                                    <a:latin typeface="Cambria Math" panose="02040503050406030204" pitchFamily="18" charset="0"/>
+                                  </a:rPr>
+                                  <m:t>−</m:t>
+                                </m:r>
+                                <m:sSub>
+                                  <m:sSubPr>
+                                    <m:ctrlPr>
+                                      <a:rPr lang="en-GB" sz="1400" i="1">
+                                        <a:latin typeface="Cambria Math" panose="02040503050406030204" pitchFamily="18" charset="0"/>
+                                      </a:rPr>
+                                    </m:ctrlPr>
+                                  </m:sSubPr>
+                                  <m:e>
+                                    <m:r>
+                                      <a:rPr lang="en-GB" sz="1400" i="1">
+                                        <a:latin typeface="Cambria Math" panose="02040503050406030204" pitchFamily="18" charset="0"/>
+                                      </a:rPr>
+                                      <m:t>𝑛</m:t>
+                                    </m:r>
+                                  </m:e>
+                                  <m:sub>
+                                    <m:r>
+                                      <a:rPr lang="en-GB" sz="1400" i="1">
+                                        <a:latin typeface="Cambria Math" panose="02040503050406030204" pitchFamily="18" charset="0"/>
+                                        <a:ea typeface="Cambria Math" panose="02040503050406030204" pitchFamily="18" charset="0"/>
+                                      </a:rPr>
+                                      <m:t>𝛼</m:t>
+                                    </m:r>
+                                    <m:r>
+                                      <a:rPr lang="en-GB" sz="1400" b="0" i="1" smtClean="0">
+                                        <a:latin typeface="Cambria Math" panose="02040503050406030204" pitchFamily="18" charset="0"/>
+                                        <a:ea typeface="Cambria Math" panose="02040503050406030204" pitchFamily="18" charset="0"/>
+                                      </a:rPr>
+                                      <m:t>,</m:t>
+                                    </m:r>
+                                    <m:r>
+                                      <a:rPr lang="en-GB" sz="1400" i="1">
+                                        <a:latin typeface="Cambria Math" panose="02040503050406030204" pitchFamily="18" charset="0"/>
+                                      </a:rPr>
+                                      <m:t>3</m:t>
+                                    </m:r>
+                                  </m:sub>
+                                </m:sSub>
+                                <m:r>
+                                  <m:rPr>
+                                    <m:sty m:val="p"/>
+                                  </m:rPr>
+                                  <a:rPr lang="en-GB" sz="1400">
+                                    <a:latin typeface="Cambria Math" panose="02040503050406030204" pitchFamily="18" charset="0"/>
+                                    <a:ea typeface="Cambria Math" panose="02040503050406030204" pitchFamily="18" charset="0"/>
+                                  </a:rPr>
+                                  <m:t>sin</m:t>
+                                </m:r>
+                                <m:sSub>
+                                  <m:sSubPr>
+                                    <m:ctrlPr>
+                                      <a:rPr lang="en-GB" sz="1400" i="1">
+                                        <a:latin typeface="Cambria Math" panose="02040503050406030204" pitchFamily="18" charset="0"/>
+                                      </a:rPr>
+                                    </m:ctrlPr>
+                                  </m:sSubPr>
+                                  <m:e>
+                                    <m:r>
+                                      <a:rPr lang="en-GB" sz="1400" i="1">
+                                        <a:latin typeface="Cambria Math" panose="02040503050406030204" pitchFamily="18" charset="0"/>
+                                        <a:ea typeface="Cambria Math" panose="02040503050406030204" pitchFamily="18" charset="0"/>
+                                      </a:rPr>
+                                      <m:t>𝜃</m:t>
+                                    </m:r>
+                                  </m:e>
+                                  <m:sub>
+                                    <m:r>
+                                      <a:rPr lang="en-GB" sz="1400" i="1">
+                                        <a:latin typeface="Cambria Math" panose="02040503050406030204" pitchFamily="18" charset="0"/>
+                                        <a:ea typeface="Cambria Math" panose="02040503050406030204" pitchFamily="18" charset="0"/>
+                                      </a:rPr>
+                                      <m:t>𝛼</m:t>
+                                    </m:r>
+                                  </m:sub>
+                                </m:sSub>
+                              </m:e>
+                              <m:e>
+                                <m:sSub>
+                                  <m:sSubPr>
+                                    <m:ctrlPr>
+                                      <a:rPr lang="en-GB" sz="1400" i="1">
+                                        <a:latin typeface="Cambria Math" panose="02040503050406030204" pitchFamily="18" charset="0"/>
+                                      </a:rPr>
+                                    </m:ctrlPr>
+                                  </m:sSubPr>
+                                  <m:e>
+                                    <m:r>
+                                      <a:rPr lang="en-GB" sz="1400" i="1">
+                                        <a:latin typeface="Cambria Math" panose="02040503050406030204" pitchFamily="18" charset="0"/>
+                                      </a:rPr>
+                                      <m:t>𝑛</m:t>
+                                    </m:r>
+                                  </m:e>
+                                  <m:sub>
+                                    <m:r>
+                                      <a:rPr lang="en-GB" sz="1400" i="1">
+                                        <a:latin typeface="Cambria Math" panose="02040503050406030204" pitchFamily="18" charset="0"/>
+                                        <a:ea typeface="Cambria Math" panose="02040503050406030204" pitchFamily="18" charset="0"/>
+                                      </a:rPr>
+                                      <m:t>𝛼</m:t>
+                                    </m:r>
+                                    <m:r>
+                                      <a:rPr lang="en-GB" sz="1400" b="0" i="1" smtClean="0">
+                                        <a:latin typeface="Cambria Math" panose="02040503050406030204" pitchFamily="18" charset="0"/>
+                                        <a:ea typeface="Cambria Math" panose="02040503050406030204" pitchFamily="18" charset="0"/>
+                                      </a:rPr>
+                                      <m:t>,</m:t>
+                                    </m:r>
+                                    <m:r>
+                                      <a:rPr lang="en-GB" sz="1400" i="1">
+                                        <a:latin typeface="Cambria Math" panose="02040503050406030204" pitchFamily="18" charset="0"/>
+                                      </a:rPr>
+                                      <m:t>1</m:t>
+                                    </m:r>
+                                  </m:sub>
+                                </m:sSub>
+                                <m:sSub>
+                                  <m:sSubPr>
+                                    <m:ctrlPr>
+                                      <a:rPr lang="en-GB" sz="1400" i="1">
+                                        <a:latin typeface="Cambria Math" panose="02040503050406030204" pitchFamily="18" charset="0"/>
+                                      </a:rPr>
+                                    </m:ctrlPr>
+                                  </m:sSubPr>
+                                  <m:e>
+                                    <m:r>
+                                      <a:rPr lang="en-GB" sz="1400" i="1">
+                                        <a:latin typeface="Cambria Math" panose="02040503050406030204" pitchFamily="18" charset="0"/>
+                                      </a:rPr>
+                                      <m:t>𝑛</m:t>
+                                    </m:r>
+                                  </m:e>
+                                  <m:sub>
+                                    <m:r>
+                                      <a:rPr lang="en-GB" sz="1400" i="1">
+                                        <a:latin typeface="Cambria Math" panose="02040503050406030204" pitchFamily="18" charset="0"/>
+                                        <a:ea typeface="Cambria Math" panose="02040503050406030204" pitchFamily="18" charset="0"/>
+                                      </a:rPr>
+                                      <m:t>𝛼</m:t>
+                                    </m:r>
+                                    <m:r>
+                                      <a:rPr lang="en-GB" sz="1400" b="0" i="1" smtClean="0">
+                                        <a:latin typeface="Cambria Math" panose="02040503050406030204" pitchFamily="18" charset="0"/>
+                                        <a:ea typeface="Cambria Math" panose="02040503050406030204" pitchFamily="18" charset="0"/>
+                                      </a:rPr>
+                                      <m:t>,</m:t>
+                                    </m:r>
+                                    <m:r>
+                                      <a:rPr lang="en-GB" sz="1400" i="1">
+                                        <a:latin typeface="Cambria Math" panose="02040503050406030204" pitchFamily="18" charset="0"/>
+                                      </a:rPr>
+                                      <m:t>3</m:t>
+                                    </m:r>
+                                  </m:sub>
+                                </m:sSub>
+                                <m:d>
+                                  <m:dPr>
+                                    <m:ctrlPr>
+                                      <a:rPr lang="en-GB" sz="1400" i="1">
+                                        <a:latin typeface="Cambria Math" panose="02040503050406030204" pitchFamily="18" charset="0"/>
+                                      </a:rPr>
+                                    </m:ctrlPr>
+                                  </m:dPr>
+                                  <m:e>
+                                    <m:r>
+                                      <a:rPr lang="en-GB" sz="1400" i="1">
+                                        <a:latin typeface="Cambria Math" panose="02040503050406030204" pitchFamily="18" charset="0"/>
+                                      </a:rPr>
+                                      <m:t>1</m:t>
+                                    </m:r>
+                                    <m:r>
+                                      <a:rPr lang="en-GB" sz="1400" i="1">
+                                        <a:latin typeface="Cambria Math" panose="02040503050406030204" pitchFamily="18" charset="0"/>
+                                      </a:rPr>
+                                      <m:t>−</m:t>
+                                    </m:r>
+                                    <m:r>
+                                      <m:rPr>
+                                        <m:sty m:val="p"/>
+                                      </m:rPr>
+                                      <a:rPr lang="en-GB" sz="1400" dirty="0">
+                                        <a:latin typeface="Cambria Math" panose="02040503050406030204" pitchFamily="18" charset="0"/>
+                                        <a:ea typeface="Cambria Math" panose="02040503050406030204" pitchFamily="18" charset="0"/>
+                                      </a:rPr>
+                                      <m:t>cos</m:t>
+                                    </m:r>
+                                    <m:sSub>
+                                      <m:sSubPr>
+                                        <m:ctrlPr>
+                                          <a:rPr lang="en-GB" sz="1400" i="1">
+                                            <a:latin typeface="Cambria Math" panose="02040503050406030204" pitchFamily="18" charset="0"/>
+                                          </a:rPr>
+                                        </m:ctrlPr>
+                                      </m:sSubPr>
+                                      <m:e>
+                                        <m:r>
+                                          <a:rPr lang="en-GB" sz="1400" i="1">
+                                            <a:latin typeface="Cambria Math" panose="02040503050406030204" pitchFamily="18" charset="0"/>
+                                            <a:ea typeface="Cambria Math" panose="02040503050406030204" pitchFamily="18" charset="0"/>
+                                          </a:rPr>
+                                          <m:t>𝜃</m:t>
+                                        </m:r>
+                                      </m:e>
+                                      <m:sub>
+                                        <m:r>
+                                          <a:rPr lang="en-GB" sz="1400" i="1">
+                                            <a:latin typeface="Cambria Math" panose="02040503050406030204" pitchFamily="18" charset="0"/>
+                                            <a:ea typeface="Cambria Math" panose="02040503050406030204" pitchFamily="18" charset="0"/>
+                                          </a:rPr>
+                                          <m:t>𝛼</m:t>
+                                        </m:r>
+                                      </m:sub>
+                                    </m:sSub>
+                                  </m:e>
+                                </m:d>
+                                <m:r>
+                                  <a:rPr lang="en-GB" sz="1400" i="1">
+                                    <a:latin typeface="Cambria Math" panose="02040503050406030204" pitchFamily="18" charset="0"/>
+                                  </a:rPr>
+                                  <m:t>+</m:t>
+                                </m:r>
+                                <m:sSub>
+                                  <m:sSubPr>
+                                    <m:ctrlPr>
+                                      <a:rPr lang="en-GB" sz="1400" i="1">
+                                        <a:latin typeface="Cambria Math" panose="02040503050406030204" pitchFamily="18" charset="0"/>
+                                      </a:rPr>
+                                    </m:ctrlPr>
+                                  </m:sSubPr>
+                                  <m:e>
+                                    <m:r>
+                                      <a:rPr lang="en-GB" sz="1400" i="1">
+                                        <a:latin typeface="Cambria Math" panose="02040503050406030204" pitchFamily="18" charset="0"/>
+                                      </a:rPr>
+                                      <m:t>𝑛</m:t>
+                                    </m:r>
+                                  </m:e>
+                                  <m:sub>
+                                    <m:r>
+                                      <a:rPr lang="en-GB" sz="1400" i="1">
+                                        <a:latin typeface="Cambria Math" panose="02040503050406030204" pitchFamily="18" charset="0"/>
+                                        <a:ea typeface="Cambria Math" panose="02040503050406030204" pitchFamily="18" charset="0"/>
+                                      </a:rPr>
+                                      <m:t>𝛼</m:t>
+                                    </m:r>
+                                    <m:r>
+                                      <a:rPr lang="en-GB" sz="1400" b="0" i="1" smtClean="0">
+                                        <a:latin typeface="Cambria Math" panose="02040503050406030204" pitchFamily="18" charset="0"/>
+                                        <a:ea typeface="Cambria Math" panose="02040503050406030204" pitchFamily="18" charset="0"/>
+                                      </a:rPr>
+                                      <m:t>,</m:t>
+                                    </m:r>
+                                    <m:r>
+                                      <a:rPr lang="en-GB" sz="1400" i="1">
+                                        <a:latin typeface="Cambria Math" panose="02040503050406030204" pitchFamily="18" charset="0"/>
+                                      </a:rPr>
+                                      <m:t>2</m:t>
+                                    </m:r>
+                                  </m:sub>
+                                </m:sSub>
+                                <m:r>
+                                  <m:rPr>
+                                    <m:sty m:val="p"/>
+                                  </m:rPr>
+                                  <a:rPr lang="en-GB" sz="1400">
+                                    <a:latin typeface="Cambria Math" panose="02040503050406030204" pitchFamily="18" charset="0"/>
+                                    <a:ea typeface="Cambria Math" panose="02040503050406030204" pitchFamily="18" charset="0"/>
+                                  </a:rPr>
+                                  <m:t>sin</m:t>
+                                </m:r>
+                                <m:sSub>
+                                  <m:sSubPr>
+                                    <m:ctrlPr>
+                                      <a:rPr lang="en-GB" sz="1400" i="1">
+                                        <a:latin typeface="Cambria Math" panose="02040503050406030204" pitchFamily="18" charset="0"/>
+                                      </a:rPr>
+                                    </m:ctrlPr>
+                                  </m:sSubPr>
+                                  <m:e>
+                                    <m:r>
+                                      <a:rPr lang="en-GB" sz="1400" i="1">
+                                        <a:latin typeface="Cambria Math" panose="02040503050406030204" pitchFamily="18" charset="0"/>
+                                        <a:ea typeface="Cambria Math" panose="02040503050406030204" pitchFamily="18" charset="0"/>
+                                      </a:rPr>
+                                      <m:t>𝜃</m:t>
+                                    </m:r>
+                                  </m:e>
+                                  <m:sub>
+                                    <m:r>
+                                      <a:rPr lang="en-GB" sz="1400" i="1">
+                                        <a:latin typeface="Cambria Math" panose="02040503050406030204" pitchFamily="18" charset="0"/>
+                                        <a:ea typeface="Cambria Math" panose="02040503050406030204" pitchFamily="18" charset="0"/>
+                                      </a:rPr>
+                                      <m:t>𝛼</m:t>
+                                    </m:r>
+                                  </m:sub>
+                                </m:sSub>
+                              </m:e>
+                            </m:mr>
+                            <m:mr>
+                              <m:e>
+                                <m:sSub>
+                                  <m:sSubPr>
+                                    <m:ctrlPr>
+                                      <a:rPr lang="en-GB" sz="1400" i="1">
+                                        <a:latin typeface="Cambria Math" panose="02040503050406030204" pitchFamily="18" charset="0"/>
+                                      </a:rPr>
+                                    </m:ctrlPr>
+                                  </m:sSubPr>
+                                  <m:e>
+                                    <m:r>
+                                      <a:rPr lang="en-GB" sz="1400" i="1">
+                                        <a:latin typeface="Cambria Math" panose="02040503050406030204" pitchFamily="18" charset="0"/>
+                                      </a:rPr>
+                                      <m:t>𝑛</m:t>
+                                    </m:r>
+                                  </m:e>
+                                  <m:sub>
+                                    <m:r>
+                                      <a:rPr lang="en-GB" sz="1400" i="1">
+                                        <a:latin typeface="Cambria Math" panose="02040503050406030204" pitchFamily="18" charset="0"/>
+                                        <a:ea typeface="Cambria Math" panose="02040503050406030204" pitchFamily="18" charset="0"/>
+                                      </a:rPr>
+                                      <m:t>𝛼</m:t>
+                                    </m:r>
+                                    <m:r>
+                                      <a:rPr lang="en-GB" sz="1400" b="0" i="1" smtClean="0">
+                                        <a:latin typeface="Cambria Math" panose="02040503050406030204" pitchFamily="18" charset="0"/>
+                                        <a:ea typeface="Cambria Math" panose="02040503050406030204" pitchFamily="18" charset="0"/>
+                                      </a:rPr>
+                                      <m:t>,</m:t>
+                                    </m:r>
+                                    <m:r>
+                                      <a:rPr lang="en-GB" sz="1400" i="1">
+                                        <a:latin typeface="Cambria Math" panose="02040503050406030204" pitchFamily="18" charset="0"/>
+                                      </a:rPr>
+                                      <m:t>1</m:t>
+                                    </m:r>
+                                  </m:sub>
+                                </m:sSub>
+                                <m:sSub>
+                                  <m:sSubPr>
+                                    <m:ctrlPr>
+                                      <a:rPr lang="en-GB" sz="1400" i="1">
+                                        <a:latin typeface="Cambria Math" panose="02040503050406030204" pitchFamily="18" charset="0"/>
+                                      </a:rPr>
+                                    </m:ctrlPr>
+                                  </m:sSubPr>
+                                  <m:e>
+                                    <m:r>
+                                      <a:rPr lang="en-GB" sz="1400" i="1">
+                                        <a:latin typeface="Cambria Math" panose="02040503050406030204" pitchFamily="18" charset="0"/>
+                                      </a:rPr>
+                                      <m:t>𝑛</m:t>
+                                    </m:r>
+                                  </m:e>
+                                  <m:sub>
+                                    <m:r>
+                                      <a:rPr lang="en-GB" sz="1400" i="1">
+                                        <a:latin typeface="Cambria Math" panose="02040503050406030204" pitchFamily="18" charset="0"/>
+                                        <a:ea typeface="Cambria Math" panose="02040503050406030204" pitchFamily="18" charset="0"/>
+                                      </a:rPr>
+                                      <m:t>𝛼</m:t>
+                                    </m:r>
+                                    <m:r>
+                                      <a:rPr lang="en-GB" sz="1400" b="0" i="1" smtClean="0">
+                                        <a:latin typeface="Cambria Math" panose="02040503050406030204" pitchFamily="18" charset="0"/>
+                                        <a:ea typeface="Cambria Math" panose="02040503050406030204" pitchFamily="18" charset="0"/>
+                                      </a:rPr>
+                                      <m:t>,</m:t>
+                                    </m:r>
+                                    <m:r>
+                                      <a:rPr lang="en-GB" sz="1400" i="1">
+                                        <a:latin typeface="Cambria Math" panose="02040503050406030204" pitchFamily="18" charset="0"/>
+                                      </a:rPr>
+                                      <m:t>2</m:t>
+                                    </m:r>
+                                  </m:sub>
+                                </m:sSub>
+                                <m:d>
+                                  <m:dPr>
+                                    <m:ctrlPr>
+                                      <a:rPr lang="en-GB" sz="1400" i="1">
+                                        <a:latin typeface="Cambria Math" panose="02040503050406030204" pitchFamily="18" charset="0"/>
+                                      </a:rPr>
+                                    </m:ctrlPr>
+                                  </m:dPr>
+                                  <m:e>
+                                    <m:r>
+                                      <a:rPr lang="en-GB" sz="1400" i="1">
+                                        <a:latin typeface="Cambria Math" panose="02040503050406030204" pitchFamily="18" charset="0"/>
+                                      </a:rPr>
+                                      <m:t>1</m:t>
+                                    </m:r>
+                                    <m:r>
+                                      <a:rPr lang="en-GB" sz="1400" i="1">
+                                        <a:latin typeface="Cambria Math" panose="02040503050406030204" pitchFamily="18" charset="0"/>
+                                      </a:rPr>
+                                      <m:t>−</m:t>
+                                    </m:r>
+                                    <m:r>
+                                      <m:rPr>
+                                        <m:sty m:val="p"/>
+                                      </m:rPr>
+                                      <a:rPr lang="en-GB" sz="1400" dirty="0">
+                                        <a:latin typeface="Cambria Math" panose="02040503050406030204" pitchFamily="18" charset="0"/>
+                                        <a:ea typeface="Cambria Math" panose="02040503050406030204" pitchFamily="18" charset="0"/>
+                                      </a:rPr>
+                                      <m:t>cos</m:t>
+                                    </m:r>
+                                    <m:sSub>
+                                      <m:sSubPr>
+                                        <m:ctrlPr>
+                                          <a:rPr lang="en-GB" sz="1400" i="1">
+                                            <a:latin typeface="Cambria Math" panose="02040503050406030204" pitchFamily="18" charset="0"/>
+                                          </a:rPr>
+                                        </m:ctrlPr>
+                                      </m:sSubPr>
+                                      <m:e>
+                                        <m:r>
+                                          <a:rPr lang="en-GB" sz="1400" i="1">
+                                            <a:latin typeface="Cambria Math" panose="02040503050406030204" pitchFamily="18" charset="0"/>
+                                            <a:ea typeface="Cambria Math" panose="02040503050406030204" pitchFamily="18" charset="0"/>
+                                          </a:rPr>
+                                          <m:t>𝜃</m:t>
+                                        </m:r>
+                                      </m:e>
+                                      <m:sub>
+                                        <m:r>
+                                          <a:rPr lang="en-GB" sz="1400" i="1">
+                                            <a:latin typeface="Cambria Math" panose="02040503050406030204" pitchFamily="18" charset="0"/>
+                                            <a:ea typeface="Cambria Math" panose="02040503050406030204" pitchFamily="18" charset="0"/>
+                                          </a:rPr>
+                                          <m:t>𝛼</m:t>
+                                        </m:r>
+                                      </m:sub>
+                                    </m:sSub>
+                                  </m:e>
+                                </m:d>
+                                <m:r>
+                                  <a:rPr lang="en-GB" sz="1400" i="1">
+                                    <a:latin typeface="Cambria Math" panose="02040503050406030204" pitchFamily="18" charset="0"/>
+                                  </a:rPr>
+                                  <m:t>+</m:t>
+                                </m:r>
+                                <m:sSub>
+                                  <m:sSubPr>
+                                    <m:ctrlPr>
+                                      <a:rPr lang="en-GB" sz="1400" i="1">
+                                        <a:latin typeface="Cambria Math" panose="02040503050406030204" pitchFamily="18" charset="0"/>
+                                      </a:rPr>
+                                    </m:ctrlPr>
+                                  </m:sSubPr>
+                                  <m:e>
+                                    <m:r>
+                                      <a:rPr lang="en-GB" sz="1400" i="1">
+                                        <a:latin typeface="Cambria Math" panose="02040503050406030204" pitchFamily="18" charset="0"/>
+                                      </a:rPr>
+                                      <m:t>𝑛</m:t>
+                                    </m:r>
+                                  </m:e>
+                                  <m:sub>
+                                    <m:r>
+                                      <a:rPr lang="en-GB" sz="1400" i="1">
+                                        <a:latin typeface="Cambria Math" panose="02040503050406030204" pitchFamily="18" charset="0"/>
+                                        <a:ea typeface="Cambria Math" panose="02040503050406030204" pitchFamily="18" charset="0"/>
+                                      </a:rPr>
+                                      <m:t>𝛼</m:t>
+                                    </m:r>
+                                    <m:r>
+                                      <a:rPr lang="en-GB" sz="1400" b="0" i="1" smtClean="0">
+                                        <a:latin typeface="Cambria Math" panose="02040503050406030204" pitchFamily="18" charset="0"/>
+                                        <a:ea typeface="Cambria Math" panose="02040503050406030204" pitchFamily="18" charset="0"/>
+                                      </a:rPr>
+                                      <m:t>,</m:t>
+                                    </m:r>
+                                    <m:r>
+                                      <a:rPr lang="en-GB" sz="1400" i="1">
+                                        <a:latin typeface="Cambria Math" panose="02040503050406030204" pitchFamily="18" charset="0"/>
+                                      </a:rPr>
+                                      <m:t>3</m:t>
+                                    </m:r>
+                                  </m:sub>
+                                </m:sSub>
+                                <m:r>
+                                  <m:rPr>
+                                    <m:sty m:val="p"/>
+                                  </m:rPr>
+                                  <a:rPr lang="en-GB" sz="1400">
+                                    <a:latin typeface="Cambria Math" panose="02040503050406030204" pitchFamily="18" charset="0"/>
+                                    <a:ea typeface="Cambria Math" panose="02040503050406030204" pitchFamily="18" charset="0"/>
+                                  </a:rPr>
+                                  <m:t>sin</m:t>
+                                </m:r>
+                                <m:sSub>
+                                  <m:sSubPr>
+                                    <m:ctrlPr>
+                                      <a:rPr lang="en-GB" sz="1400" i="1">
+                                        <a:latin typeface="Cambria Math" panose="02040503050406030204" pitchFamily="18" charset="0"/>
+                                      </a:rPr>
+                                    </m:ctrlPr>
+                                  </m:sSubPr>
+                                  <m:e>
+                                    <m:r>
+                                      <a:rPr lang="en-GB" sz="1400" i="1">
+                                        <a:latin typeface="Cambria Math" panose="02040503050406030204" pitchFamily="18" charset="0"/>
+                                        <a:ea typeface="Cambria Math" panose="02040503050406030204" pitchFamily="18" charset="0"/>
+                                      </a:rPr>
+                                      <m:t>𝜃</m:t>
+                                    </m:r>
+                                  </m:e>
+                                  <m:sub>
+                                    <m:r>
+                                      <a:rPr lang="en-GB" sz="1400" i="1">
+                                        <a:latin typeface="Cambria Math" panose="02040503050406030204" pitchFamily="18" charset="0"/>
+                                        <a:ea typeface="Cambria Math" panose="02040503050406030204" pitchFamily="18" charset="0"/>
+                                      </a:rPr>
+                                      <m:t>𝛼</m:t>
+                                    </m:r>
+                                  </m:sub>
+                                </m:sSub>
+                              </m:e>
+                              <m:e>
+                                <m:sSubSup>
+                                  <m:sSubSupPr>
+                                    <m:ctrlPr>
+                                      <a:rPr lang="en-GB" sz="1400" i="1">
+                                        <a:latin typeface="Cambria Math" panose="02040503050406030204" pitchFamily="18" charset="0"/>
+                                      </a:rPr>
+                                    </m:ctrlPr>
+                                  </m:sSubSupPr>
+                                  <m:e>
+                                    <m:r>
+                                      <a:rPr lang="en-GB" sz="1400" i="1">
+                                        <a:latin typeface="Cambria Math" panose="02040503050406030204" pitchFamily="18" charset="0"/>
+                                      </a:rPr>
+                                      <m:t>𝑛</m:t>
+                                    </m:r>
+                                  </m:e>
+                                  <m:sub>
+                                    <m:r>
+                                      <a:rPr lang="en-GB" sz="1400" i="1">
+                                        <a:latin typeface="Cambria Math" panose="02040503050406030204" pitchFamily="18" charset="0"/>
+                                        <a:ea typeface="Cambria Math" panose="02040503050406030204" pitchFamily="18" charset="0"/>
+                                      </a:rPr>
+                                      <m:t>𝛼</m:t>
+                                    </m:r>
+                                    <m:r>
+                                      <a:rPr lang="en-GB" sz="1400" b="0" i="1" smtClean="0">
+                                        <a:latin typeface="Cambria Math" panose="02040503050406030204" pitchFamily="18" charset="0"/>
+                                        <a:ea typeface="Cambria Math" panose="02040503050406030204" pitchFamily="18" charset="0"/>
+                                      </a:rPr>
+                                      <m:t>,</m:t>
+                                    </m:r>
+                                    <m:r>
+                                      <a:rPr lang="en-GB" sz="1400" i="1">
+                                        <a:latin typeface="Cambria Math" panose="02040503050406030204" pitchFamily="18" charset="0"/>
+                                      </a:rPr>
+                                      <m:t>2</m:t>
+                                    </m:r>
+                                  </m:sub>
+                                  <m:sup>
+                                    <m:r>
+                                      <a:rPr lang="en-GB" sz="1400" i="1">
+                                        <a:latin typeface="Cambria Math" panose="02040503050406030204" pitchFamily="18" charset="0"/>
+                                      </a:rPr>
+                                      <m:t>2</m:t>
+                                    </m:r>
+                                  </m:sup>
+                                </m:sSubSup>
+                                <m:r>
+                                  <m:rPr>
+                                    <m:brk m:alnAt="7"/>
+                                  </m:rPr>
+                                  <a:rPr lang="en-GB" sz="1400" i="1">
+                                    <a:latin typeface="Cambria Math" panose="02040503050406030204" pitchFamily="18" charset="0"/>
+                                  </a:rPr>
+                                  <m:t>+</m:t>
+                                </m:r>
+                                <m:r>
+                                  <a:rPr lang="en-GB" sz="1400" i="1">
+                                    <a:latin typeface="Cambria Math" panose="02040503050406030204" pitchFamily="18" charset="0"/>
+                                  </a:rPr>
+                                  <m:t>(</m:t>
+                                </m:r>
+                                <m:sSubSup>
+                                  <m:sSubSupPr>
+                                    <m:ctrlPr>
+                                      <a:rPr lang="en-GB" sz="1400" i="1">
+                                        <a:latin typeface="Cambria Math" panose="02040503050406030204" pitchFamily="18" charset="0"/>
+                                      </a:rPr>
+                                    </m:ctrlPr>
+                                  </m:sSubSupPr>
+                                  <m:e>
+                                    <m:r>
+                                      <a:rPr lang="en-GB" sz="1400" i="1">
+                                        <a:latin typeface="Cambria Math" panose="02040503050406030204" pitchFamily="18" charset="0"/>
+                                      </a:rPr>
+                                      <m:t>𝑛</m:t>
+                                    </m:r>
+                                  </m:e>
+                                  <m:sub>
+                                    <m:r>
+                                      <a:rPr lang="en-GB" sz="1400" i="1">
+                                        <a:latin typeface="Cambria Math" panose="02040503050406030204" pitchFamily="18" charset="0"/>
+                                        <a:ea typeface="Cambria Math" panose="02040503050406030204" pitchFamily="18" charset="0"/>
+                                      </a:rPr>
+                                      <m:t>𝛼</m:t>
+                                    </m:r>
+                                    <m:r>
+                                      <a:rPr lang="en-GB" sz="1400" b="0" i="1" smtClean="0">
+                                        <a:latin typeface="Cambria Math" panose="02040503050406030204" pitchFamily="18" charset="0"/>
+                                        <a:ea typeface="Cambria Math" panose="02040503050406030204" pitchFamily="18" charset="0"/>
+                                      </a:rPr>
+                                      <m:t>,</m:t>
+                                    </m:r>
+                                    <m:r>
+                                      <a:rPr lang="en-GB" sz="1400" i="1">
+                                        <a:latin typeface="Cambria Math" panose="02040503050406030204" pitchFamily="18" charset="0"/>
+                                      </a:rPr>
+                                      <m:t>1</m:t>
+                                    </m:r>
+                                  </m:sub>
+                                  <m:sup>
+                                    <m:r>
+                                      <a:rPr lang="en-GB" sz="1400" i="1">
+                                        <a:latin typeface="Cambria Math" panose="02040503050406030204" pitchFamily="18" charset="0"/>
+                                      </a:rPr>
+                                      <m:t>2</m:t>
+                                    </m:r>
+                                  </m:sup>
+                                </m:sSubSup>
+                                <m:r>
+                                  <a:rPr lang="en-GB" sz="1400" i="1">
+                                    <a:latin typeface="Cambria Math" panose="02040503050406030204" pitchFamily="18" charset="0"/>
+                                  </a:rPr>
+                                  <m:t>+</m:t>
+                                </m:r>
+                                <m:sSubSup>
+                                  <m:sSubSupPr>
+                                    <m:ctrlPr>
+                                      <a:rPr lang="en-GB" sz="1400" i="1">
+                                        <a:latin typeface="Cambria Math" panose="02040503050406030204" pitchFamily="18" charset="0"/>
+                                      </a:rPr>
+                                    </m:ctrlPr>
+                                  </m:sSubSupPr>
+                                  <m:e>
+                                    <m:r>
+                                      <a:rPr lang="en-GB" sz="1400" i="1">
+                                        <a:latin typeface="Cambria Math" panose="02040503050406030204" pitchFamily="18" charset="0"/>
+                                      </a:rPr>
+                                      <m:t>𝑛</m:t>
+                                    </m:r>
+                                  </m:e>
+                                  <m:sub>
+                                    <m:r>
+                                      <a:rPr lang="en-GB" sz="1400" i="1">
+                                        <a:latin typeface="Cambria Math" panose="02040503050406030204" pitchFamily="18" charset="0"/>
+                                        <a:ea typeface="Cambria Math" panose="02040503050406030204" pitchFamily="18" charset="0"/>
+                                      </a:rPr>
+                                      <m:t>𝛼</m:t>
+                                    </m:r>
+                                    <m:r>
+                                      <a:rPr lang="en-GB" sz="1400" b="0" i="1" smtClean="0">
+                                        <a:latin typeface="Cambria Math" panose="02040503050406030204" pitchFamily="18" charset="0"/>
+                                        <a:ea typeface="Cambria Math" panose="02040503050406030204" pitchFamily="18" charset="0"/>
+                                      </a:rPr>
+                                      <m:t>,</m:t>
+                                    </m:r>
+                                    <m:r>
+                                      <a:rPr lang="en-GB" sz="1400" i="1">
+                                        <a:latin typeface="Cambria Math" panose="02040503050406030204" pitchFamily="18" charset="0"/>
+                                      </a:rPr>
+                                      <m:t>3</m:t>
+                                    </m:r>
+                                  </m:sub>
+                                  <m:sup>
+                                    <m:r>
+                                      <a:rPr lang="en-GB" sz="1400" i="1">
+                                        <a:latin typeface="Cambria Math" panose="02040503050406030204" pitchFamily="18" charset="0"/>
+                                      </a:rPr>
+                                      <m:t>2</m:t>
+                                    </m:r>
+                                  </m:sup>
+                                </m:sSubSup>
+                                <m:r>
+                                  <m:rPr>
+                                    <m:brk m:alnAt="7"/>
+                                  </m:rPr>
+                                  <a:rPr lang="en-GB" sz="1400" i="1">
+                                    <a:latin typeface="Cambria Math" panose="02040503050406030204" pitchFamily="18" charset="0"/>
+                                  </a:rPr>
+                                  <m:t>)</m:t>
+                                </m:r>
+                                <m:r>
+                                  <m:rPr>
+                                    <m:sty m:val="p"/>
+                                  </m:rPr>
+                                  <a:rPr lang="en-GB" sz="1400" dirty="0">
+                                    <a:latin typeface="Cambria Math" panose="02040503050406030204" pitchFamily="18" charset="0"/>
+                                    <a:ea typeface="Cambria Math" panose="02040503050406030204" pitchFamily="18" charset="0"/>
+                                  </a:rPr>
+                                  <m:t>cos</m:t>
+                                </m:r>
+                                <m:sSub>
+                                  <m:sSubPr>
+                                    <m:ctrlPr>
+                                      <a:rPr lang="en-GB" sz="1400" i="1">
+                                        <a:latin typeface="Cambria Math" panose="02040503050406030204" pitchFamily="18" charset="0"/>
+                                      </a:rPr>
+                                    </m:ctrlPr>
+                                  </m:sSubPr>
+                                  <m:e>
+                                    <m:r>
+                                      <a:rPr lang="en-GB" sz="1400" i="1">
+                                        <a:latin typeface="Cambria Math" panose="02040503050406030204" pitchFamily="18" charset="0"/>
+                                        <a:ea typeface="Cambria Math" panose="02040503050406030204" pitchFamily="18" charset="0"/>
+                                      </a:rPr>
+                                      <m:t>𝜃</m:t>
+                                    </m:r>
+                                  </m:e>
+                                  <m:sub>
+                                    <m:r>
+                                      <a:rPr lang="en-GB" sz="1400" i="1">
+                                        <a:latin typeface="Cambria Math" panose="02040503050406030204" pitchFamily="18" charset="0"/>
+                                        <a:ea typeface="Cambria Math" panose="02040503050406030204" pitchFamily="18" charset="0"/>
+                                      </a:rPr>
+                                      <m:t>𝛼</m:t>
+                                    </m:r>
+                                  </m:sub>
+                                </m:sSub>
+                              </m:e>
+                              <m:e>
+                                <m:sSub>
+                                  <m:sSubPr>
+                                    <m:ctrlPr>
+                                      <a:rPr lang="en-GB" sz="1400" i="1">
+                                        <a:latin typeface="Cambria Math" panose="02040503050406030204" pitchFamily="18" charset="0"/>
+                                      </a:rPr>
+                                    </m:ctrlPr>
+                                  </m:sSubPr>
+                                  <m:e>
+                                    <m:r>
+                                      <a:rPr lang="en-GB" sz="1400" i="1">
+                                        <a:latin typeface="Cambria Math" panose="02040503050406030204" pitchFamily="18" charset="0"/>
+                                      </a:rPr>
+                                      <m:t>𝑛</m:t>
+                                    </m:r>
+                                  </m:e>
+                                  <m:sub>
+                                    <m:r>
+                                      <a:rPr lang="en-GB" sz="1400" i="1">
+                                        <a:latin typeface="Cambria Math" panose="02040503050406030204" pitchFamily="18" charset="0"/>
+                                        <a:ea typeface="Cambria Math" panose="02040503050406030204" pitchFamily="18" charset="0"/>
+                                      </a:rPr>
+                                      <m:t>𝛼</m:t>
+                                    </m:r>
+                                    <m:r>
+                                      <a:rPr lang="en-GB" sz="1400" b="0" i="1" smtClean="0">
+                                        <a:latin typeface="Cambria Math" panose="02040503050406030204" pitchFamily="18" charset="0"/>
+                                        <a:ea typeface="Cambria Math" panose="02040503050406030204" pitchFamily="18" charset="0"/>
+                                      </a:rPr>
+                                      <m:t>,</m:t>
+                                    </m:r>
+                                    <m:r>
+                                      <a:rPr lang="en-GB" sz="1400" b="0" i="1" smtClean="0">
+                                        <a:latin typeface="Cambria Math" panose="02040503050406030204" pitchFamily="18" charset="0"/>
+                                      </a:rPr>
+                                      <m:t>2</m:t>
+                                    </m:r>
+                                  </m:sub>
+                                </m:sSub>
+                                <m:sSub>
+                                  <m:sSubPr>
+                                    <m:ctrlPr>
+                                      <a:rPr lang="en-GB" sz="1400" i="1">
+                                        <a:latin typeface="Cambria Math" panose="02040503050406030204" pitchFamily="18" charset="0"/>
+                                      </a:rPr>
+                                    </m:ctrlPr>
+                                  </m:sSubPr>
+                                  <m:e>
+                                    <m:r>
+                                      <a:rPr lang="en-GB" sz="1400" i="1">
+                                        <a:latin typeface="Cambria Math" panose="02040503050406030204" pitchFamily="18" charset="0"/>
+                                      </a:rPr>
+                                      <m:t>𝑛</m:t>
+                                    </m:r>
+                                  </m:e>
+                                  <m:sub>
+                                    <m:r>
+                                      <a:rPr lang="en-GB" sz="1400" i="1">
+                                        <a:latin typeface="Cambria Math" panose="02040503050406030204" pitchFamily="18" charset="0"/>
+                                        <a:ea typeface="Cambria Math" panose="02040503050406030204" pitchFamily="18" charset="0"/>
+                                      </a:rPr>
+                                      <m:t>𝛼</m:t>
+                                    </m:r>
+                                    <m:r>
+                                      <a:rPr lang="en-GB" sz="1400" b="0" i="1" smtClean="0">
+                                        <a:latin typeface="Cambria Math" panose="02040503050406030204" pitchFamily="18" charset="0"/>
+                                        <a:ea typeface="Cambria Math" panose="02040503050406030204" pitchFamily="18" charset="0"/>
+                                      </a:rPr>
+                                      <m:t>,</m:t>
+                                    </m:r>
+                                    <m:r>
+                                      <a:rPr lang="en-GB" sz="1400" i="1">
+                                        <a:latin typeface="Cambria Math" panose="02040503050406030204" pitchFamily="18" charset="0"/>
+                                      </a:rPr>
+                                      <m:t>3</m:t>
+                                    </m:r>
+                                  </m:sub>
+                                </m:sSub>
+                                <m:d>
+                                  <m:dPr>
+                                    <m:ctrlPr>
+                                      <a:rPr lang="en-GB" sz="1400" i="1">
+                                        <a:latin typeface="Cambria Math" panose="02040503050406030204" pitchFamily="18" charset="0"/>
+                                      </a:rPr>
+                                    </m:ctrlPr>
+                                  </m:dPr>
+                                  <m:e>
+                                    <m:r>
+                                      <a:rPr lang="en-GB" sz="1400" i="1">
+                                        <a:latin typeface="Cambria Math" panose="02040503050406030204" pitchFamily="18" charset="0"/>
+                                      </a:rPr>
+                                      <m:t>1</m:t>
+                                    </m:r>
+                                    <m:r>
+                                      <a:rPr lang="en-GB" sz="1400" i="1">
+                                        <a:latin typeface="Cambria Math" panose="02040503050406030204" pitchFamily="18" charset="0"/>
+                                      </a:rPr>
+                                      <m:t>−</m:t>
+                                    </m:r>
+                                    <m:r>
+                                      <m:rPr>
+                                        <m:sty m:val="p"/>
+                                      </m:rPr>
+                                      <a:rPr lang="en-GB" sz="1400" dirty="0">
+                                        <a:latin typeface="Cambria Math" panose="02040503050406030204" pitchFamily="18" charset="0"/>
+                                        <a:ea typeface="Cambria Math" panose="02040503050406030204" pitchFamily="18" charset="0"/>
+                                      </a:rPr>
+                                      <m:t>cos</m:t>
+                                    </m:r>
+                                    <m:sSub>
+                                      <m:sSubPr>
+                                        <m:ctrlPr>
+                                          <a:rPr lang="en-GB" sz="1400" i="1">
+                                            <a:latin typeface="Cambria Math" panose="02040503050406030204" pitchFamily="18" charset="0"/>
+                                          </a:rPr>
+                                        </m:ctrlPr>
+                                      </m:sSubPr>
+                                      <m:e>
+                                        <m:r>
+                                          <a:rPr lang="en-GB" sz="1400" i="1">
+                                            <a:latin typeface="Cambria Math" panose="02040503050406030204" pitchFamily="18" charset="0"/>
+                                            <a:ea typeface="Cambria Math" panose="02040503050406030204" pitchFamily="18" charset="0"/>
+                                          </a:rPr>
+                                          <m:t>𝜃</m:t>
+                                        </m:r>
+                                      </m:e>
+                                      <m:sub>
+                                        <m:r>
+                                          <a:rPr lang="en-GB" sz="1400" i="1">
+                                            <a:latin typeface="Cambria Math" panose="02040503050406030204" pitchFamily="18" charset="0"/>
+                                            <a:ea typeface="Cambria Math" panose="02040503050406030204" pitchFamily="18" charset="0"/>
+                                          </a:rPr>
+                                          <m:t>𝛼</m:t>
+                                        </m:r>
+                                      </m:sub>
+                                    </m:sSub>
+                                  </m:e>
+                                </m:d>
+                                <m:r>
+                                  <a:rPr lang="en-GB" sz="1400" i="1">
+                                    <a:latin typeface="Cambria Math" panose="02040503050406030204" pitchFamily="18" charset="0"/>
+                                  </a:rPr>
+                                  <m:t>−</m:t>
+                                </m:r>
+                                <m:sSub>
+                                  <m:sSubPr>
+                                    <m:ctrlPr>
+                                      <a:rPr lang="en-GB" sz="1400" i="1">
+                                        <a:latin typeface="Cambria Math" panose="02040503050406030204" pitchFamily="18" charset="0"/>
+                                      </a:rPr>
+                                    </m:ctrlPr>
+                                  </m:sSubPr>
+                                  <m:e>
+                                    <m:r>
+                                      <a:rPr lang="en-GB" sz="1400" i="1">
+                                        <a:latin typeface="Cambria Math" panose="02040503050406030204" pitchFamily="18" charset="0"/>
+                                      </a:rPr>
+                                      <m:t>𝑛</m:t>
+                                    </m:r>
+                                  </m:e>
+                                  <m:sub>
+                                    <m:r>
+                                      <a:rPr lang="en-GB" sz="1400" i="1">
+                                        <a:latin typeface="Cambria Math" panose="02040503050406030204" pitchFamily="18" charset="0"/>
+                                        <a:ea typeface="Cambria Math" panose="02040503050406030204" pitchFamily="18" charset="0"/>
+                                      </a:rPr>
+                                      <m:t>𝛼</m:t>
+                                    </m:r>
+                                    <m:r>
+                                      <a:rPr lang="en-GB" sz="1400" b="0" i="1" smtClean="0">
+                                        <a:latin typeface="Cambria Math" panose="02040503050406030204" pitchFamily="18" charset="0"/>
+                                        <a:ea typeface="Cambria Math" panose="02040503050406030204" pitchFamily="18" charset="0"/>
+                                      </a:rPr>
+                                      <m:t>,</m:t>
+                                    </m:r>
+                                    <m:r>
+                                      <a:rPr lang="en-GB" sz="1400" i="1">
+                                        <a:latin typeface="Cambria Math" panose="02040503050406030204" pitchFamily="18" charset="0"/>
+                                      </a:rPr>
+                                      <m:t>1</m:t>
+                                    </m:r>
+                                  </m:sub>
+                                </m:sSub>
+                                <m:r>
+                                  <m:rPr>
+                                    <m:sty m:val="p"/>
+                                  </m:rPr>
+                                  <a:rPr lang="en-GB" sz="1400">
+                                    <a:latin typeface="Cambria Math" panose="02040503050406030204" pitchFamily="18" charset="0"/>
+                                    <a:ea typeface="Cambria Math" panose="02040503050406030204" pitchFamily="18" charset="0"/>
+                                  </a:rPr>
+                                  <m:t>sin</m:t>
+                                </m:r>
+                                <m:sSub>
+                                  <m:sSubPr>
+                                    <m:ctrlPr>
+                                      <a:rPr lang="en-GB" sz="1400" i="1">
+                                        <a:latin typeface="Cambria Math" panose="02040503050406030204" pitchFamily="18" charset="0"/>
+                                      </a:rPr>
+                                    </m:ctrlPr>
+                                  </m:sSubPr>
+                                  <m:e>
+                                    <m:r>
+                                      <a:rPr lang="en-GB" sz="1400" i="1">
+                                        <a:latin typeface="Cambria Math" panose="02040503050406030204" pitchFamily="18" charset="0"/>
+                                        <a:ea typeface="Cambria Math" panose="02040503050406030204" pitchFamily="18" charset="0"/>
+                                      </a:rPr>
+                                      <m:t>𝜃</m:t>
+                                    </m:r>
+                                  </m:e>
+                                  <m:sub>
+                                    <m:r>
+                                      <a:rPr lang="en-GB" sz="1400" i="1">
+                                        <a:latin typeface="Cambria Math" panose="02040503050406030204" pitchFamily="18" charset="0"/>
+                                        <a:ea typeface="Cambria Math" panose="02040503050406030204" pitchFamily="18" charset="0"/>
+                                      </a:rPr>
+                                      <m:t>𝛼</m:t>
+                                    </m:r>
+                                  </m:sub>
+                                </m:sSub>
+                              </m:e>
+                            </m:mr>
+                            <m:mr>
+                              <m:e>
+                                <m:sSub>
+                                  <m:sSubPr>
+                                    <m:ctrlPr>
+                                      <a:rPr lang="en-GB" sz="1400" i="1">
+                                        <a:latin typeface="Cambria Math" panose="02040503050406030204" pitchFamily="18" charset="0"/>
+                                      </a:rPr>
+                                    </m:ctrlPr>
+                                  </m:sSubPr>
+                                  <m:e>
+                                    <m:r>
+                                      <a:rPr lang="en-GB" sz="1400" i="1">
+                                        <a:latin typeface="Cambria Math" panose="02040503050406030204" pitchFamily="18" charset="0"/>
+                                      </a:rPr>
+                                      <m:t>𝑛</m:t>
+                                    </m:r>
+                                  </m:e>
+                                  <m:sub>
+                                    <m:r>
+                                      <a:rPr lang="en-GB" sz="1400" i="1">
+                                        <a:latin typeface="Cambria Math" panose="02040503050406030204" pitchFamily="18" charset="0"/>
+                                        <a:ea typeface="Cambria Math" panose="02040503050406030204" pitchFamily="18" charset="0"/>
+                                      </a:rPr>
+                                      <m:t>𝛼</m:t>
+                                    </m:r>
+                                    <m:r>
+                                      <a:rPr lang="en-GB" sz="1400" b="0" i="1" smtClean="0">
+                                        <a:latin typeface="Cambria Math" panose="02040503050406030204" pitchFamily="18" charset="0"/>
+                                        <a:ea typeface="Cambria Math" panose="02040503050406030204" pitchFamily="18" charset="0"/>
+                                      </a:rPr>
+                                      <m:t>,</m:t>
+                                    </m:r>
+                                    <m:r>
+                                      <a:rPr lang="en-GB" sz="1400" i="1">
+                                        <a:latin typeface="Cambria Math" panose="02040503050406030204" pitchFamily="18" charset="0"/>
+                                      </a:rPr>
+                                      <m:t>1</m:t>
+                                    </m:r>
+                                  </m:sub>
+                                </m:sSub>
+                                <m:sSub>
+                                  <m:sSubPr>
+                                    <m:ctrlPr>
+                                      <a:rPr lang="en-GB" sz="1400" i="1">
+                                        <a:latin typeface="Cambria Math" panose="02040503050406030204" pitchFamily="18" charset="0"/>
+                                      </a:rPr>
+                                    </m:ctrlPr>
+                                  </m:sSubPr>
+                                  <m:e>
+                                    <m:r>
+                                      <a:rPr lang="en-GB" sz="1400" i="1">
+                                        <a:latin typeface="Cambria Math" panose="02040503050406030204" pitchFamily="18" charset="0"/>
+                                      </a:rPr>
+                                      <m:t>𝑛</m:t>
+                                    </m:r>
+                                  </m:e>
+                                  <m:sub>
+                                    <m:r>
+                                      <a:rPr lang="en-GB" sz="1400" i="1">
+                                        <a:latin typeface="Cambria Math" panose="02040503050406030204" pitchFamily="18" charset="0"/>
+                                        <a:ea typeface="Cambria Math" panose="02040503050406030204" pitchFamily="18" charset="0"/>
+                                      </a:rPr>
+                                      <m:t>𝛼</m:t>
+                                    </m:r>
+                                    <m:r>
+                                      <a:rPr lang="en-GB" sz="1400" b="0" i="1" smtClean="0">
+                                        <a:latin typeface="Cambria Math" panose="02040503050406030204" pitchFamily="18" charset="0"/>
+                                        <a:ea typeface="Cambria Math" panose="02040503050406030204" pitchFamily="18" charset="0"/>
+                                      </a:rPr>
+                                      <m:t>,</m:t>
+                                    </m:r>
+                                    <m:r>
+                                      <a:rPr lang="en-GB" sz="1400" i="1">
+                                        <a:latin typeface="Cambria Math" panose="02040503050406030204" pitchFamily="18" charset="0"/>
+                                      </a:rPr>
+                                      <m:t>3</m:t>
+                                    </m:r>
+                                  </m:sub>
+                                </m:sSub>
+                                <m:d>
+                                  <m:dPr>
+                                    <m:ctrlPr>
+                                      <a:rPr lang="en-GB" sz="1400" i="1">
+                                        <a:latin typeface="Cambria Math" panose="02040503050406030204" pitchFamily="18" charset="0"/>
+                                      </a:rPr>
+                                    </m:ctrlPr>
+                                  </m:dPr>
+                                  <m:e>
+                                    <m:r>
+                                      <a:rPr lang="en-GB" sz="1400" i="1">
+                                        <a:latin typeface="Cambria Math" panose="02040503050406030204" pitchFamily="18" charset="0"/>
+                                      </a:rPr>
+                                      <m:t>1</m:t>
+                                    </m:r>
+                                    <m:r>
+                                      <a:rPr lang="en-GB" sz="1400" i="1">
+                                        <a:latin typeface="Cambria Math" panose="02040503050406030204" pitchFamily="18" charset="0"/>
+                                      </a:rPr>
+                                      <m:t>−</m:t>
+                                    </m:r>
+                                    <m:r>
+                                      <m:rPr>
+                                        <m:sty m:val="p"/>
+                                      </m:rPr>
+                                      <a:rPr lang="en-GB" sz="1400" dirty="0">
+                                        <a:latin typeface="Cambria Math" panose="02040503050406030204" pitchFamily="18" charset="0"/>
+                                        <a:ea typeface="Cambria Math" panose="02040503050406030204" pitchFamily="18" charset="0"/>
+                                      </a:rPr>
+                                      <m:t>cos</m:t>
+                                    </m:r>
+                                    <m:sSub>
+                                      <m:sSubPr>
+                                        <m:ctrlPr>
+                                          <a:rPr lang="en-GB" sz="1400" i="1">
+                                            <a:latin typeface="Cambria Math" panose="02040503050406030204" pitchFamily="18" charset="0"/>
+                                          </a:rPr>
+                                        </m:ctrlPr>
+                                      </m:sSubPr>
+                                      <m:e>
+                                        <m:r>
+                                          <a:rPr lang="en-GB" sz="1400" i="1">
+                                            <a:latin typeface="Cambria Math" panose="02040503050406030204" pitchFamily="18" charset="0"/>
+                                            <a:ea typeface="Cambria Math" panose="02040503050406030204" pitchFamily="18" charset="0"/>
+                                          </a:rPr>
+                                          <m:t>𝜃</m:t>
+                                        </m:r>
+                                      </m:e>
+                                      <m:sub>
+                                        <m:r>
+                                          <a:rPr lang="en-GB" sz="1400" i="1">
+                                            <a:latin typeface="Cambria Math" panose="02040503050406030204" pitchFamily="18" charset="0"/>
+                                            <a:ea typeface="Cambria Math" panose="02040503050406030204" pitchFamily="18" charset="0"/>
+                                          </a:rPr>
+                                          <m:t>𝛼</m:t>
+                                        </m:r>
+                                      </m:sub>
+                                    </m:sSub>
+                                  </m:e>
+                                </m:d>
+                                <m:r>
+                                  <a:rPr lang="en-GB" sz="1400" i="1">
+                                    <a:latin typeface="Cambria Math" panose="02040503050406030204" pitchFamily="18" charset="0"/>
+                                  </a:rPr>
+                                  <m:t>−</m:t>
+                                </m:r>
+                                <m:sSub>
+                                  <m:sSubPr>
+                                    <m:ctrlPr>
+                                      <a:rPr lang="en-GB" sz="1400" i="1">
+                                        <a:latin typeface="Cambria Math" panose="02040503050406030204" pitchFamily="18" charset="0"/>
+                                      </a:rPr>
+                                    </m:ctrlPr>
+                                  </m:sSubPr>
+                                  <m:e>
+                                    <m:r>
+                                      <a:rPr lang="en-GB" sz="1400" i="1">
+                                        <a:latin typeface="Cambria Math" panose="02040503050406030204" pitchFamily="18" charset="0"/>
+                                      </a:rPr>
+                                      <m:t>𝑛</m:t>
+                                    </m:r>
+                                  </m:e>
+                                  <m:sub>
+                                    <m:r>
+                                      <a:rPr lang="en-GB" sz="1400" i="1">
+                                        <a:latin typeface="Cambria Math" panose="02040503050406030204" pitchFamily="18" charset="0"/>
+                                        <a:ea typeface="Cambria Math" panose="02040503050406030204" pitchFamily="18" charset="0"/>
+                                      </a:rPr>
+                                      <m:t>𝛼</m:t>
+                                    </m:r>
+                                    <m:r>
+                                      <a:rPr lang="en-GB" sz="1400" b="0" i="1" smtClean="0">
+                                        <a:latin typeface="Cambria Math" panose="02040503050406030204" pitchFamily="18" charset="0"/>
+                                        <a:ea typeface="Cambria Math" panose="02040503050406030204" pitchFamily="18" charset="0"/>
+                                      </a:rPr>
+                                      <m:t>,</m:t>
+                                    </m:r>
+                                    <m:r>
+                                      <a:rPr lang="en-GB" sz="1400" i="1">
+                                        <a:latin typeface="Cambria Math" panose="02040503050406030204" pitchFamily="18" charset="0"/>
+                                      </a:rPr>
+                                      <m:t>2</m:t>
+                                    </m:r>
+                                  </m:sub>
+                                </m:sSub>
+                                <m:r>
+                                  <m:rPr>
+                                    <m:sty m:val="p"/>
+                                  </m:rPr>
+                                  <a:rPr lang="en-GB" sz="1400">
+                                    <a:latin typeface="Cambria Math" panose="02040503050406030204" pitchFamily="18" charset="0"/>
+                                    <a:ea typeface="Cambria Math" panose="02040503050406030204" pitchFamily="18" charset="0"/>
+                                  </a:rPr>
+                                  <m:t>sin</m:t>
+                                </m:r>
+                                <m:sSub>
+                                  <m:sSubPr>
+                                    <m:ctrlPr>
+                                      <a:rPr lang="en-GB" sz="1400" i="1">
+                                        <a:latin typeface="Cambria Math" panose="02040503050406030204" pitchFamily="18" charset="0"/>
+                                      </a:rPr>
+                                    </m:ctrlPr>
+                                  </m:sSubPr>
+                                  <m:e>
+                                    <m:r>
+                                      <a:rPr lang="en-GB" sz="1400" i="1">
+                                        <a:latin typeface="Cambria Math" panose="02040503050406030204" pitchFamily="18" charset="0"/>
+                                        <a:ea typeface="Cambria Math" panose="02040503050406030204" pitchFamily="18" charset="0"/>
+                                      </a:rPr>
+                                      <m:t>𝜃</m:t>
+                                    </m:r>
+                                  </m:e>
+                                  <m:sub>
+                                    <m:r>
+                                      <a:rPr lang="en-GB" sz="1400" i="1">
+                                        <a:latin typeface="Cambria Math" panose="02040503050406030204" pitchFamily="18" charset="0"/>
+                                        <a:ea typeface="Cambria Math" panose="02040503050406030204" pitchFamily="18" charset="0"/>
+                                      </a:rPr>
+                                      <m:t>𝛼</m:t>
+                                    </m:r>
+                                  </m:sub>
+                                </m:sSub>
+                              </m:e>
+                              <m:e>
+                                <m:sSub>
+                                  <m:sSubPr>
+                                    <m:ctrlPr>
+                                      <a:rPr lang="en-GB" sz="1400" i="1">
+                                        <a:latin typeface="Cambria Math" panose="02040503050406030204" pitchFamily="18" charset="0"/>
+                                      </a:rPr>
+                                    </m:ctrlPr>
+                                  </m:sSubPr>
+                                  <m:e>
+                                    <m:r>
+                                      <a:rPr lang="en-GB" sz="1400" i="1">
+                                        <a:latin typeface="Cambria Math" panose="02040503050406030204" pitchFamily="18" charset="0"/>
+                                      </a:rPr>
+                                      <m:t>𝑛</m:t>
+                                    </m:r>
+                                  </m:e>
+                                  <m:sub>
+                                    <m:r>
+                                      <a:rPr lang="en-GB" sz="1400" i="1">
+                                        <a:latin typeface="Cambria Math" panose="02040503050406030204" pitchFamily="18" charset="0"/>
+                                        <a:ea typeface="Cambria Math" panose="02040503050406030204" pitchFamily="18" charset="0"/>
+                                      </a:rPr>
+                                      <m:t>𝛼</m:t>
+                                    </m:r>
+                                    <m:r>
+                                      <a:rPr lang="en-GB" sz="1400" b="0" i="1" smtClean="0">
+                                        <a:latin typeface="Cambria Math" panose="02040503050406030204" pitchFamily="18" charset="0"/>
+                                        <a:ea typeface="Cambria Math" panose="02040503050406030204" pitchFamily="18" charset="0"/>
+                                      </a:rPr>
+                                      <m:t>,</m:t>
+                                    </m:r>
+                                    <m:r>
+                                      <a:rPr lang="en-GB" sz="1400" i="1">
+                                        <a:latin typeface="Cambria Math" panose="02040503050406030204" pitchFamily="18" charset="0"/>
+                                      </a:rPr>
+                                      <m:t>2</m:t>
+                                    </m:r>
+                                  </m:sub>
+                                </m:sSub>
+                                <m:sSub>
+                                  <m:sSubPr>
+                                    <m:ctrlPr>
+                                      <a:rPr lang="en-GB" sz="1400" i="1">
+                                        <a:latin typeface="Cambria Math" panose="02040503050406030204" pitchFamily="18" charset="0"/>
+                                      </a:rPr>
+                                    </m:ctrlPr>
+                                  </m:sSubPr>
+                                  <m:e>
+                                    <m:r>
+                                      <a:rPr lang="en-GB" sz="1400" i="1">
+                                        <a:latin typeface="Cambria Math" panose="02040503050406030204" pitchFamily="18" charset="0"/>
+                                      </a:rPr>
+                                      <m:t>𝑛</m:t>
+                                    </m:r>
+                                  </m:e>
+                                  <m:sub>
+                                    <m:r>
+                                      <a:rPr lang="en-GB" sz="1400" i="1">
+                                        <a:latin typeface="Cambria Math" panose="02040503050406030204" pitchFamily="18" charset="0"/>
+                                        <a:ea typeface="Cambria Math" panose="02040503050406030204" pitchFamily="18" charset="0"/>
+                                      </a:rPr>
+                                      <m:t>𝛼</m:t>
+                                    </m:r>
+                                    <m:r>
+                                      <a:rPr lang="en-GB" sz="1400" b="0" i="1" smtClean="0">
+                                        <a:latin typeface="Cambria Math" panose="02040503050406030204" pitchFamily="18" charset="0"/>
+                                        <a:ea typeface="Cambria Math" panose="02040503050406030204" pitchFamily="18" charset="0"/>
+                                      </a:rPr>
+                                      <m:t>,</m:t>
+                                    </m:r>
+                                    <m:r>
+                                      <a:rPr lang="en-GB" sz="1400" i="1">
+                                        <a:latin typeface="Cambria Math" panose="02040503050406030204" pitchFamily="18" charset="0"/>
+                                      </a:rPr>
+                                      <m:t>3</m:t>
+                                    </m:r>
+                                  </m:sub>
+                                </m:sSub>
+                                <m:d>
+                                  <m:dPr>
+                                    <m:ctrlPr>
+                                      <a:rPr lang="en-GB" sz="1400" i="1">
+                                        <a:latin typeface="Cambria Math" panose="02040503050406030204" pitchFamily="18" charset="0"/>
+                                      </a:rPr>
+                                    </m:ctrlPr>
+                                  </m:dPr>
+                                  <m:e>
+                                    <m:r>
+                                      <a:rPr lang="en-GB" sz="1400" i="1">
+                                        <a:latin typeface="Cambria Math" panose="02040503050406030204" pitchFamily="18" charset="0"/>
+                                      </a:rPr>
+                                      <m:t>1</m:t>
+                                    </m:r>
+                                    <m:r>
+                                      <a:rPr lang="en-GB" sz="1400" i="1">
+                                        <a:latin typeface="Cambria Math" panose="02040503050406030204" pitchFamily="18" charset="0"/>
+                                      </a:rPr>
+                                      <m:t>−</m:t>
+                                    </m:r>
+                                    <m:r>
+                                      <m:rPr>
+                                        <m:sty m:val="p"/>
+                                      </m:rPr>
+                                      <a:rPr lang="en-GB" sz="1400" dirty="0">
+                                        <a:latin typeface="Cambria Math" panose="02040503050406030204" pitchFamily="18" charset="0"/>
+                                        <a:ea typeface="Cambria Math" panose="02040503050406030204" pitchFamily="18" charset="0"/>
+                                      </a:rPr>
+                                      <m:t>cos</m:t>
+                                    </m:r>
+                                    <m:sSub>
+                                      <m:sSubPr>
+                                        <m:ctrlPr>
+                                          <a:rPr lang="en-GB" sz="1400" i="1">
+                                            <a:latin typeface="Cambria Math" panose="02040503050406030204" pitchFamily="18" charset="0"/>
+                                          </a:rPr>
+                                        </m:ctrlPr>
+                                      </m:sSubPr>
+                                      <m:e>
+                                        <m:r>
+                                          <a:rPr lang="en-GB" sz="1400" i="1">
+                                            <a:latin typeface="Cambria Math" panose="02040503050406030204" pitchFamily="18" charset="0"/>
+                                            <a:ea typeface="Cambria Math" panose="02040503050406030204" pitchFamily="18" charset="0"/>
+                                          </a:rPr>
+                                          <m:t>𝜃</m:t>
+                                        </m:r>
+                                      </m:e>
+                                      <m:sub>
+                                        <m:r>
+                                          <a:rPr lang="en-GB" sz="1400" i="1">
+                                            <a:latin typeface="Cambria Math" panose="02040503050406030204" pitchFamily="18" charset="0"/>
+                                            <a:ea typeface="Cambria Math" panose="02040503050406030204" pitchFamily="18" charset="0"/>
+                                          </a:rPr>
+                                          <m:t>𝛼</m:t>
+                                        </m:r>
+                                      </m:sub>
+                                    </m:sSub>
+                                  </m:e>
+                                </m:d>
+                                <m:r>
+                                  <a:rPr lang="en-GB" sz="1400" i="1">
+                                    <a:latin typeface="Cambria Math" panose="02040503050406030204" pitchFamily="18" charset="0"/>
+                                  </a:rPr>
+                                  <m:t>+</m:t>
+                                </m:r>
+                                <m:sSub>
+                                  <m:sSubPr>
+                                    <m:ctrlPr>
+                                      <a:rPr lang="en-GB" sz="1400" i="1">
+                                        <a:latin typeface="Cambria Math" panose="02040503050406030204" pitchFamily="18" charset="0"/>
+                                      </a:rPr>
+                                    </m:ctrlPr>
+                                  </m:sSubPr>
+                                  <m:e>
+                                    <m:r>
+                                      <a:rPr lang="en-GB" sz="1400" i="1">
+                                        <a:latin typeface="Cambria Math" panose="02040503050406030204" pitchFamily="18" charset="0"/>
+                                      </a:rPr>
+                                      <m:t>𝑛</m:t>
+                                    </m:r>
+                                  </m:e>
+                                  <m:sub>
+                                    <m:r>
+                                      <a:rPr lang="en-GB" sz="1400" i="1">
+                                        <a:latin typeface="Cambria Math" panose="02040503050406030204" pitchFamily="18" charset="0"/>
+                                        <a:ea typeface="Cambria Math" panose="02040503050406030204" pitchFamily="18" charset="0"/>
+                                      </a:rPr>
+                                      <m:t>𝛼</m:t>
+                                    </m:r>
+                                    <m:r>
+                                      <a:rPr lang="en-GB" sz="1400" b="0" i="1" smtClean="0">
+                                        <a:latin typeface="Cambria Math" panose="02040503050406030204" pitchFamily="18" charset="0"/>
+                                        <a:ea typeface="Cambria Math" panose="02040503050406030204" pitchFamily="18" charset="0"/>
+                                      </a:rPr>
+                                      <m:t>,</m:t>
+                                    </m:r>
+                                    <m:r>
+                                      <a:rPr lang="en-GB" sz="1400" i="1">
+                                        <a:latin typeface="Cambria Math" panose="02040503050406030204" pitchFamily="18" charset="0"/>
+                                      </a:rPr>
+                                      <m:t>1</m:t>
+                                    </m:r>
+                                  </m:sub>
+                                </m:sSub>
+                                <m:r>
+                                  <m:rPr>
+                                    <m:sty m:val="p"/>
+                                  </m:rPr>
+                                  <a:rPr lang="en-GB" sz="1400">
+                                    <a:latin typeface="Cambria Math" panose="02040503050406030204" pitchFamily="18" charset="0"/>
+                                    <a:ea typeface="Cambria Math" panose="02040503050406030204" pitchFamily="18" charset="0"/>
+                                  </a:rPr>
+                                  <m:t>sin</m:t>
+                                </m:r>
+                                <m:sSub>
+                                  <m:sSubPr>
+                                    <m:ctrlPr>
+                                      <a:rPr lang="en-GB" sz="1400" i="1">
+                                        <a:latin typeface="Cambria Math" panose="02040503050406030204" pitchFamily="18" charset="0"/>
+                                      </a:rPr>
+                                    </m:ctrlPr>
+                                  </m:sSubPr>
+                                  <m:e>
+                                    <m:r>
+                                      <a:rPr lang="en-GB" sz="1400" i="1">
+                                        <a:latin typeface="Cambria Math" panose="02040503050406030204" pitchFamily="18" charset="0"/>
+                                        <a:ea typeface="Cambria Math" panose="02040503050406030204" pitchFamily="18" charset="0"/>
+                                      </a:rPr>
+                                      <m:t>𝜃</m:t>
+                                    </m:r>
+                                  </m:e>
+                                  <m:sub>
+                                    <m:r>
+                                      <a:rPr lang="en-GB" sz="1400" i="1">
+                                        <a:latin typeface="Cambria Math" panose="02040503050406030204" pitchFamily="18" charset="0"/>
+                                        <a:ea typeface="Cambria Math" panose="02040503050406030204" pitchFamily="18" charset="0"/>
+                                      </a:rPr>
+                                      <m:t>𝛼</m:t>
+                                    </m:r>
+                                  </m:sub>
+                                </m:sSub>
+                              </m:e>
+                              <m:e>
+                                <m:sSubSup>
+                                  <m:sSubSupPr>
+                                    <m:ctrlPr>
+                                      <a:rPr lang="en-GB" sz="1400" i="1">
+                                        <a:latin typeface="Cambria Math" panose="02040503050406030204" pitchFamily="18" charset="0"/>
+                                      </a:rPr>
+                                    </m:ctrlPr>
+                                  </m:sSubSupPr>
+                                  <m:e>
+                                    <m:r>
+                                      <a:rPr lang="en-GB" sz="1400" i="1">
+                                        <a:latin typeface="Cambria Math" panose="02040503050406030204" pitchFamily="18" charset="0"/>
+                                      </a:rPr>
+                                      <m:t>𝑛</m:t>
+                                    </m:r>
+                                  </m:e>
+                                  <m:sub>
+                                    <m:r>
+                                      <a:rPr lang="en-GB" sz="1400" i="1">
+                                        <a:latin typeface="Cambria Math" panose="02040503050406030204" pitchFamily="18" charset="0"/>
+                                        <a:ea typeface="Cambria Math" panose="02040503050406030204" pitchFamily="18" charset="0"/>
+                                      </a:rPr>
+                                      <m:t>𝛼</m:t>
+                                    </m:r>
+                                    <m:r>
+                                      <a:rPr lang="en-GB" sz="1400" b="0" i="1" smtClean="0">
+                                        <a:latin typeface="Cambria Math" panose="02040503050406030204" pitchFamily="18" charset="0"/>
+                                        <a:ea typeface="Cambria Math" panose="02040503050406030204" pitchFamily="18" charset="0"/>
+                                      </a:rPr>
+                                      <m:t>,</m:t>
+                                    </m:r>
+                                    <m:r>
+                                      <a:rPr lang="en-GB" sz="1400" i="1">
+                                        <a:latin typeface="Cambria Math" panose="02040503050406030204" pitchFamily="18" charset="0"/>
+                                      </a:rPr>
+                                      <m:t>3</m:t>
+                                    </m:r>
+                                  </m:sub>
+                                  <m:sup>
+                                    <m:r>
+                                      <a:rPr lang="en-GB" sz="1400" i="1">
+                                        <a:latin typeface="Cambria Math" panose="02040503050406030204" pitchFamily="18" charset="0"/>
+                                      </a:rPr>
+                                      <m:t>2</m:t>
+                                    </m:r>
+                                  </m:sup>
+                                </m:sSubSup>
+                                <m:r>
+                                  <m:rPr>
+                                    <m:brk m:alnAt="7"/>
+                                  </m:rPr>
+                                  <a:rPr lang="en-GB" sz="1400" i="1">
+                                    <a:latin typeface="Cambria Math" panose="02040503050406030204" pitchFamily="18" charset="0"/>
+                                  </a:rPr>
+                                  <m:t>+</m:t>
+                                </m:r>
+                                <m:r>
+                                  <a:rPr lang="en-GB" sz="1400" i="1">
+                                    <a:latin typeface="Cambria Math" panose="02040503050406030204" pitchFamily="18" charset="0"/>
+                                  </a:rPr>
+                                  <m:t>(</m:t>
+                                </m:r>
+                                <m:sSubSup>
+                                  <m:sSubSupPr>
+                                    <m:ctrlPr>
+                                      <a:rPr lang="en-GB" sz="1400" i="1">
+                                        <a:latin typeface="Cambria Math" panose="02040503050406030204" pitchFamily="18" charset="0"/>
+                                      </a:rPr>
+                                    </m:ctrlPr>
+                                  </m:sSubSupPr>
+                                  <m:e>
+                                    <m:r>
+                                      <a:rPr lang="en-GB" sz="1400" i="1">
+                                        <a:latin typeface="Cambria Math" panose="02040503050406030204" pitchFamily="18" charset="0"/>
+                                      </a:rPr>
+                                      <m:t>𝑛</m:t>
+                                    </m:r>
+                                  </m:e>
+                                  <m:sub>
+                                    <m:r>
+                                      <a:rPr lang="en-GB" sz="1400" i="1">
+                                        <a:latin typeface="Cambria Math" panose="02040503050406030204" pitchFamily="18" charset="0"/>
+                                        <a:ea typeface="Cambria Math" panose="02040503050406030204" pitchFamily="18" charset="0"/>
+                                      </a:rPr>
+                                      <m:t>𝛼</m:t>
+                                    </m:r>
+                                    <m:r>
+                                      <a:rPr lang="en-GB" sz="1400" b="0" i="1" smtClean="0">
+                                        <a:latin typeface="Cambria Math" panose="02040503050406030204" pitchFamily="18" charset="0"/>
+                                        <a:ea typeface="Cambria Math" panose="02040503050406030204" pitchFamily="18" charset="0"/>
+                                      </a:rPr>
+                                      <m:t>,</m:t>
+                                    </m:r>
+                                    <m:r>
+                                      <a:rPr lang="en-GB" sz="1400" i="1">
+                                        <a:latin typeface="Cambria Math" panose="02040503050406030204" pitchFamily="18" charset="0"/>
+                                      </a:rPr>
+                                      <m:t>1</m:t>
+                                    </m:r>
+                                  </m:sub>
+                                  <m:sup>
+                                    <m:r>
+                                      <a:rPr lang="en-GB" sz="1400" i="1">
+                                        <a:latin typeface="Cambria Math" panose="02040503050406030204" pitchFamily="18" charset="0"/>
+                                      </a:rPr>
+                                      <m:t>2</m:t>
+                                    </m:r>
+                                  </m:sup>
+                                </m:sSubSup>
+                                <m:r>
+                                  <a:rPr lang="en-GB" sz="1400" i="1">
+                                    <a:latin typeface="Cambria Math" panose="02040503050406030204" pitchFamily="18" charset="0"/>
+                                  </a:rPr>
+                                  <m:t>+</m:t>
+                                </m:r>
+                                <m:sSubSup>
+                                  <m:sSubSupPr>
+                                    <m:ctrlPr>
+                                      <a:rPr lang="en-GB" sz="1400" i="1">
+                                        <a:latin typeface="Cambria Math" panose="02040503050406030204" pitchFamily="18" charset="0"/>
+                                      </a:rPr>
+                                    </m:ctrlPr>
+                                  </m:sSubSupPr>
+                                  <m:e>
+                                    <m:r>
+                                      <a:rPr lang="en-GB" sz="1400" i="1">
+                                        <a:latin typeface="Cambria Math" panose="02040503050406030204" pitchFamily="18" charset="0"/>
+                                      </a:rPr>
+                                      <m:t>𝑛</m:t>
+                                    </m:r>
+                                  </m:e>
+                                  <m:sub>
+                                    <m:r>
+                                      <a:rPr lang="en-GB" sz="1400" i="1">
+                                        <a:latin typeface="Cambria Math" panose="02040503050406030204" pitchFamily="18" charset="0"/>
+                                        <a:ea typeface="Cambria Math" panose="02040503050406030204" pitchFamily="18" charset="0"/>
+                                      </a:rPr>
+                                      <m:t>𝛼</m:t>
+                                    </m:r>
+                                    <m:r>
+                                      <a:rPr lang="en-GB" sz="1400" b="0" i="1" smtClean="0">
+                                        <a:latin typeface="Cambria Math" panose="02040503050406030204" pitchFamily="18" charset="0"/>
+                                        <a:ea typeface="Cambria Math" panose="02040503050406030204" pitchFamily="18" charset="0"/>
+                                      </a:rPr>
+                                      <m:t>,</m:t>
+                                    </m:r>
+                                    <m:r>
+                                      <a:rPr lang="en-GB" sz="1400" i="1">
+                                        <a:latin typeface="Cambria Math" panose="02040503050406030204" pitchFamily="18" charset="0"/>
+                                      </a:rPr>
+                                      <m:t>2</m:t>
+                                    </m:r>
+                                  </m:sub>
+                                  <m:sup>
+                                    <m:r>
+                                      <a:rPr lang="en-GB" sz="1400" i="1">
+                                        <a:latin typeface="Cambria Math" panose="02040503050406030204" pitchFamily="18" charset="0"/>
+                                      </a:rPr>
+                                      <m:t>2</m:t>
+                                    </m:r>
+                                  </m:sup>
+                                </m:sSubSup>
+                                <m:r>
+                                  <m:rPr>
+                                    <m:brk m:alnAt="7"/>
+                                  </m:rPr>
+                                  <a:rPr lang="en-GB" sz="1400" i="1">
+                                    <a:latin typeface="Cambria Math" panose="02040503050406030204" pitchFamily="18" charset="0"/>
+                                  </a:rPr>
+                                  <m:t>)</m:t>
+                                </m:r>
+                                <m:r>
+                                  <m:rPr>
+                                    <m:sty m:val="p"/>
+                                  </m:rPr>
+                                  <a:rPr lang="en-GB" sz="1400" dirty="0">
+                                    <a:latin typeface="Cambria Math" panose="02040503050406030204" pitchFamily="18" charset="0"/>
+                                    <a:ea typeface="Cambria Math" panose="02040503050406030204" pitchFamily="18" charset="0"/>
+                                  </a:rPr>
+                                  <m:t>cos</m:t>
+                                </m:r>
+                                <m:sSub>
+                                  <m:sSubPr>
+                                    <m:ctrlPr>
+                                      <a:rPr lang="en-GB" sz="1400" i="1">
+                                        <a:latin typeface="Cambria Math" panose="02040503050406030204" pitchFamily="18" charset="0"/>
+                                      </a:rPr>
+                                    </m:ctrlPr>
+                                  </m:sSubPr>
+                                  <m:e>
+                                    <m:r>
+                                      <a:rPr lang="en-GB" sz="1400" i="1">
+                                        <a:latin typeface="Cambria Math" panose="02040503050406030204" pitchFamily="18" charset="0"/>
+                                        <a:ea typeface="Cambria Math" panose="02040503050406030204" pitchFamily="18" charset="0"/>
+                                      </a:rPr>
+                                      <m:t>𝜃</m:t>
+                                    </m:r>
+                                  </m:e>
+                                  <m:sub>
+                                    <m:r>
+                                      <a:rPr lang="en-GB" sz="1400" i="1">
+                                        <a:latin typeface="Cambria Math" panose="02040503050406030204" pitchFamily="18" charset="0"/>
+                                        <a:ea typeface="Cambria Math" panose="02040503050406030204" pitchFamily="18" charset="0"/>
+                                      </a:rPr>
+                                      <m:t>𝛼</m:t>
+                                    </m:r>
+                                  </m:sub>
+                                </m:sSub>
+                              </m:e>
+                            </m:mr>
+                          </m:m>
+                        </m:e>
+                      </m:d>
+                    </m:oMath>
+                  </m:oMathPara>
+                </a14:m>
+                <a:endParaRPr lang="en-IE" sz="1400" dirty="0"/>
+              </a:p>
+            </p:txBody>
+          </p:sp>
+        </mc:Choice>
+        <mc:Fallback>
+          <p:sp>
+            <p:nvSpPr>
+              <p:cNvPr id="56" name="TextBox 55">
+                <a:extLst>
+                  <a:ext uri="{FF2B5EF4-FFF2-40B4-BE49-F238E27FC236}">
+                    <a16:creationId xmlns:a16="http://schemas.microsoft.com/office/drawing/2014/main" id="{B42778CA-6679-4274-B851-3E47600D3E12}"/>
+                  </a:ext>
+                </a:extLst>
+              </p:cNvPr>
+              <p:cNvSpPr txBox="1">
+                <a:spLocks noRot="1" noChangeAspect="1" noMove="1" noResize="1" noEditPoints="1" noAdjustHandles="1" noChangeArrowheads="1" noChangeShapeType="1" noTextEdit="1"/>
+              </p:cNvSpPr>
+              <p:nvPr/>
+            </p:nvSpPr>
+            <p:spPr>
+              <a:xfrm>
+                <a:off x="928914" y="522070"/>
+                <a:ext cx="9646870" cy="886012"/>
+              </a:xfrm>
+              <a:prstGeom prst="rect">
+                <a:avLst/>
+              </a:prstGeom>
+              <a:blipFill>
+                <a:blip r:embed="rId2"/>
+                <a:stretch>
+                  <a:fillRect/>
+                </a:stretch>
+              </a:blipFill>
+            </p:spPr>
+            <p:txBody>
+              <a:bodyPr/>
+              <a:lstStyle/>
+              <a:p>
+                <a:r>
+                  <a:rPr lang="en-IE">
+                    <a:noFill/>
+                  </a:rPr>
+                  <a:t> </a:t>
+                </a:r>
+              </a:p>
+            </p:txBody>
+          </p:sp>
+        </mc:Fallback>
+      </mc:AlternateContent>
+    </p:spTree>
+    <p:extLst>
+      <p:ext uri="{BB962C8B-B14F-4D97-AF65-F5344CB8AC3E}">
+        <p14:creationId xmlns:p14="http://schemas.microsoft.com/office/powerpoint/2010/main" val="1122473032"/>
       </p:ext>
     </p:extLst>
   </p:cSld>
@@ -5001,8 +7278,8 @@
                 </a:fontRef>
               </p:style>
             </p:cxnSp>
-            <mc:AlternateContent xmlns:mc="http://schemas.openxmlformats.org/markup-compatibility/2006">
-              <mc:Choice xmlns:a14="http://schemas.microsoft.com/office/drawing/2010/main" Requires="a14">
+            <mc:AlternateContent xmlns:mc="http://schemas.openxmlformats.org/markup-compatibility/2006" xmlns:a14="http://schemas.microsoft.com/office/drawing/2010/main">
+              <mc:Choice Requires="a14">
                 <p:sp>
                   <p:nvSpPr>
                     <p:cNvPr id="12" name="TextBox 11">
@@ -5052,7 +7329,7 @@
                   </p:txBody>
                 </p:sp>
               </mc:Choice>
-              <mc:Fallback>
+              <mc:Fallback xmlns="">
                 <p:sp>
                   <p:nvSpPr>
                     <p:cNvPr id="12" name="TextBox 11">
@@ -5097,8 +7374,8 @@
                 </p:sp>
               </mc:Fallback>
             </mc:AlternateContent>
-            <mc:AlternateContent xmlns:mc="http://schemas.openxmlformats.org/markup-compatibility/2006">
-              <mc:Choice xmlns:a14="http://schemas.microsoft.com/office/drawing/2010/main" Requires="a14">
+            <mc:AlternateContent xmlns:mc="http://schemas.openxmlformats.org/markup-compatibility/2006" xmlns:a14="http://schemas.microsoft.com/office/drawing/2010/main">
+              <mc:Choice Requires="a14">
                 <p:sp>
                   <p:nvSpPr>
                     <p:cNvPr id="13" name="TextBox 12">
@@ -5148,7 +7425,7 @@
                   </p:txBody>
                 </p:sp>
               </mc:Choice>
-              <mc:Fallback>
+              <mc:Fallback xmlns="">
                 <p:sp>
                   <p:nvSpPr>
                     <p:cNvPr id="13" name="TextBox 12">
@@ -5193,8 +7470,8 @@
                 </p:sp>
               </mc:Fallback>
             </mc:AlternateContent>
-            <mc:AlternateContent xmlns:mc="http://schemas.openxmlformats.org/markup-compatibility/2006">
-              <mc:Choice xmlns:a14="http://schemas.microsoft.com/office/drawing/2010/main" Requires="a14">
+            <mc:AlternateContent xmlns:mc="http://schemas.openxmlformats.org/markup-compatibility/2006" xmlns:a14="http://schemas.microsoft.com/office/drawing/2010/main">
+              <mc:Choice Requires="a14">
                 <p:sp>
                   <p:nvSpPr>
                     <p:cNvPr id="14" name="TextBox 13">
@@ -5244,7 +7521,7 @@
                   </p:txBody>
                 </p:sp>
               </mc:Choice>
-              <mc:Fallback>
+              <mc:Fallback xmlns="">
                 <p:sp>
                   <p:nvSpPr>
                     <p:cNvPr id="14" name="TextBox 13">
@@ -5599,8 +7876,8 @@
               </p:style>
             </p:cxnSp>
           </p:grpSp>
-          <mc:AlternateContent xmlns:mc="http://schemas.openxmlformats.org/markup-compatibility/2006">
-            <mc:Choice xmlns:a14="http://schemas.microsoft.com/office/drawing/2010/main" Requires="a14">
+          <mc:AlternateContent xmlns:mc="http://schemas.openxmlformats.org/markup-compatibility/2006" xmlns:a14="http://schemas.microsoft.com/office/drawing/2010/main">
+            <mc:Choice Requires="a14">
               <p:sp>
                 <p:nvSpPr>
                   <p:cNvPr id="23" name="TextBox 22">
@@ -5693,7 +7970,7 @@
                 </p:txBody>
               </p:sp>
             </mc:Choice>
-            <mc:Fallback>
+            <mc:Fallback xmlns="">
               <p:sp>
                 <p:nvSpPr>
                   <p:cNvPr id="23" name="TextBox 22">
@@ -5738,8 +8015,8 @@
               </p:sp>
             </mc:Fallback>
           </mc:AlternateContent>
-          <mc:AlternateContent xmlns:mc="http://schemas.openxmlformats.org/markup-compatibility/2006">
-            <mc:Choice xmlns:a14="http://schemas.microsoft.com/office/drawing/2010/main" Requires="a14">
+          <mc:AlternateContent xmlns:mc="http://schemas.openxmlformats.org/markup-compatibility/2006" xmlns:a14="http://schemas.microsoft.com/office/drawing/2010/main">
+            <mc:Choice Requires="a14">
               <p:sp>
                 <p:nvSpPr>
                   <p:cNvPr id="24" name="TextBox 23">
@@ -5819,7 +8096,7 @@
                 </p:txBody>
               </p:sp>
             </mc:Choice>
-            <mc:Fallback>
+            <mc:Fallback xmlns="">
               <p:sp>
                 <p:nvSpPr>
                   <p:cNvPr id="24" name="TextBox 23">
@@ -5864,8 +8141,8 @@
               </p:sp>
             </mc:Fallback>
           </mc:AlternateContent>
-          <mc:AlternateContent xmlns:mc="http://schemas.openxmlformats.org/markup-compatibility/2006">
-            <mc:Choice xmlns:a14="http://schemas.microsoft.com/office/drawing/2010/main" Requires="a14">
+          <mc:AlternateContent xmlns:mc="http://schemas.openxmlformats.org/markup-compatibility/2006" xmlns:a14="http://schemas.microsoft.com/office/drawing/2010/main">
+            <mc:Choice Requires="a14">
               <p:sp>
                 <p:nvSpPr>
                   <p:cNvPr id="25" name="TextBox 24">
@@ -5942,7 +8219,7 @@
                 </p:txBody>
               </p:sp>
             </mc:Choice>
-            <mc:Fallback>
+            <mc:Fallback xmlns="">
               <p:sp>
                 <p:nvSpPr>
                   <p:cNvPr id="25" name="TextBox 24">
@@ -5987,8 +8264,8 @@
               </p:sp>
             </mc:Fallback>
           </mc:AlternateContent>
-          <mc:AlternateContent xmlns:mc="http://schemas.openxmlformats.org/markup-compatibility/2006">
-            <mc:Choice xmlns:a14="http://schemas.microsoft.com/office/drawing/2010/main" Requires="a14">
+          <mc:AlternateContent xmlns:mc="http://schemas.openxmlformats.org/markup-compatibility/2006" xmlns:a14="http://schemas.microsoft.com/office/drawing/2010/main">
+            <mc:Choice Requires="a14">
               <p:sp>
                 <p:nvSpPr>
                   <p:cNvPr id="26" name="TextBox 25">
@@ -8315,7 +10592,7 @@
                 </p:txBody>
               </p:sp>
             </mc:Choice>
-            <mc:Fallback>
+            <mc:Fallback xmlns="">
               <p:sp>
                 <p:nvSpPr>
                   <p:cNvPr id="26" name="TextBox 25">
@@ -8594,8 +10871,8 @@
             </a:fontRef>
           </p:style>
         </p:cxnSp>
-        <mc:AlternateContent xmlns:mc="http://schemas.openxmlformats.org/markup-compatibility/2006">
-          <mc:Choice xmlns:a14="http://schemas.microsoft.com/office/drawing/2010/main" Requires="a14">
+        <mc:AlternateContent xmlns:mc="http://schemas.openxmlformats.org/markup-compatibility/2006" xmlns:a14="http://schemas.microsoft.com/office/drawing/2010/main">
+          <mc:Choice Requires="a14">
             <p:sp>
               <p:nvSpPr>
                 <p:cNvPr id="12" name="TextBox 11">
@@ -8645,7 +10922,7 @@
               </p:txBody>
             </p:sp>
           </mc:Choice>
-          <mc:Fallback>
+          <mc:Fallback xmlns="">
             <p:sp>
               <p:nvSpPr>
                 <p:cNvPr id="12" name="TextBox 11">
@@ -8690,8 +10967,8 @@
             </p:sp>
           </mc:Fallback>
         </mc:AlternateContent>
-        <mc:AlternateContent xmlns:mc="http://schemas.openxmlformats.org/markup-compatibility/2006">
-          <mc:Choice xmlns:a14="http://schemas.microsoft.com/office/drawing/2010/main" Requires="a14">
+        <mc:AlternateContent xmlns:mc="http://schemas.openxmlformats.org/markup-compatibility/2006" xmlns:a14="http://schemas.microsoft.com/office/drawing/2010/main">
+          <mc:Choice Requires="a14">
             <p:sp>
               <p:nvSpPr>
                 <p:cNvPr id="13" name="TextBox 12">
@@ -8741,7 +11018,7 @@
               </p:txBody>
             </p:sp>
           </mc:Choice>
-          <mc:Fallback>
+          <mc:Fallback xmlns="">
             <p:sp>
               <p:nvSpPr>
                 <p:cNvPr id="13" name="TextBox 12">
@@ -8786,8 +11063,8 @@
             </p:sp>
           </mc:Fallback>
         </mc:AlternateContent>
-        <mc:AlternateContent xmlns:mc="http://schemas.openxmlformats.org/markup-compatibility/2006">
-          <mc:Choice xmlns:a14="http://schemas.microsoft.com/office/drawing/2010/main" Requires="a14">
+        <mc:AlternateContent xmlns:mc="http://schemas.openxmlformats.org/markup-compatibility/2006" xmlns:a14="http://schemas.microsoft.com/office/drawing/2010/main">
+          <mc:Choice Requires="a14">
             <p:sp>
               <p:nvSpPr>
                 <p:cNvPr id="14" name="TextBox 13">
@@ -8837,7 +11114,7 @@
               </p:txBody>
             </p:sp>
           </mc:Choice>
-          <mc:Fallback>
+          <mc:Fallback xmlns="">
             <p:sp>
               <p:nvSpPr>
                 <p:cNvPr id="14" name="TextBox 13">
@@ -9192,8 +11469,8 @@
           </p:style>
         </p:cxnSp>
       </p:grpSp>
-      <mc:AlternateContent xmlns:mc="http://schemas.openxmlformats.org/markup-compatibility/2006">
-        <mc:Choice xmlns:a14="http://schemas.microsoft.com/office/drawing/2010/main" Requires="a14">
+      <mc:AlternateContent xmlns:mc="http://schemas.openxmlformats.org/markup-compatibility/2006" xmlns:a14="http://schemas.microsoft.com/office/drawing/2010/main">
+        <mc:Choice Requires="a14">
           <p:sp>
             <p:nvSpPr>
               <p:cNvPr id="23" name="TextBox 22">
@@ -9286,7 +11563,7 @@
             </p:txBody>
           </p:sp>
         </mc:Choice>
-        <mc:Fallback>
+        <mc:Fallback xmlns="">
           <p:sp>
             <p:nvSpPr>
               <p:cNvPr id="23" name="TextBox 22">
@@ -9331,8 +11608,8 @@
           </p:sp>
         </mc:Fallback>
       </mc:AlternateContent>
-      <mc:AlternateContent xmlns:mc="http://schemas.openxmlformats.org/markup-compatibility/2006">
-        <mc:Choice xmlns:a14="http://schemas.microsoft.com/office/drawing/2010/main" Requires="a14">
+      <mc:AlternateContent xmlns:mc="http://schemas.openxmlformats.org/markup-compatibility/2006" xmlns:a14="http://schemas.microsoft.com/office/drawing/2010/main">
+        <mc:Choice Requires="a14">
           <p:sp>
             <p:nvSpPr>
               <p:cNvPr id="24" name="TextBox 23">
@@ -9412,7 +11689,7 @@
             </p:txBody>
           </p:sp>
         </mc:Choice>
-        <mc:Fallback>
+        <mc:Fallback xmlns="">
           <p:sp>
             <p:nvSpPr>
               <p:cNvPr id="24" name="TextBox 23">
@@ -9457,8 +11734,8 @@
           </p:sp>
         </mc:Fallback>
       </mc:AlternateContent>
-      <mc:AlternateContent xmlns:mc="http://schemas.openxmlformats.org/markup-compatibility/2006">
-        <mc:Choice xmlns:a14="http://schemas.microsoft.com/office/drawing/2010/main" Requires="a14">
+      <mc:AlternateContent xmlns:mc="http://schemas.openxmlformats.org/markup-compatibility/2006" xmlns:a14="http://schemas.microsoft.com/office/drawing/2010/main">
+        <mc:Choice Requires="a14">
           <p:sp>
             <p:nvSpPr>
               <p:cNvPr id="25" name="TextBox 24">
@@ -9535,7 +11812,7 @@
             </p:txBody>
           </p:sp>
         </mc:Choice>
-        <mc:Fallback>
+        <mc:Fallback xmlns="">
           <p:sp>
             <p:nvSpPr>
               <p:cNvPr id="25" name="TextBox 24">
@@ -9625,8 +11902,8 @@
           </a:fontRef>
         </p:style>
       </p:cxnSp>
-      <mc:AlternateContent xmlns:mc="http://schemas.openxmlformats.org/markup-compatibility/2006">
-        <mc:Choice xmlns:a14="http://schemas.microsoft.com/office/drawing/2010/main" Requires="a14">
+      <mc:AlternateContent xmlns:mc="http://schemas.openxmlformats.org/markup-compatibility/2006" xmlns:a14="http://schemas.microsoft.com/office/drawing/2010/main">
+        <mc:Choice Requires="a14">
           <p:sp>
             <p:nvSpPr>
               <p:cNvPr id="29" name="TextBox 28">
@@ -9702,7 +11979,7 @@
             </p:txBody>
           </p:sp>
         </mc:Choice>
-        <mc:Fallback>
+        <mc:Fallback xmlns="">
           <p:sp>
             <p:nvSpPr>
               <p:cNvPr id="29" name="TextBox 28">
@@ -9851,8 +12128,8 @@
           </a:p>
         </p:txBody>
       </p:sp>
-      <mc:AlternateContent xmlns:mc="http://schemas.openxmlformats.org/markup-compatibility/2006">
-        <mc:Choice xmlns:a14="http://schemas.microsoft.com/office/drawing/2010/main" Requires="a14">
+      <mc:AlternateContent xmlns:mc="http://schemas.openxmlformats.org/markup-compatibility/2006" xmlns:a14="http://schemas.microsoft.com/office/drawing/2010/main">
+        <mc:Choice Requires="a14">
           <p:sp>
             <p:nvSpPr>
               <p:cNvPr id="35" name="TextBox 34">
@@ -10869,11 +13146,9 @@
                 <a:endParaRPr lang="en-IE" dirty="0"/>
               </a:p>
               <a:p>
-                <a:pPr/>
                 <a:endParaRPr lang="en-IE" dirty="0"/>
               </a:p>
               <a:p>
-                <a:pPr/>
                 <a:r>
                   <a:rPr lang="en-IE" dirty="0"/>
                   <a:t>where,</a:t>
@@ -11008,11 +13283,9 @@
                 <a:endParaRPr lang="en-IE" b="1" dirty="0"/>
               </a:p>
               <a:p>
-                <a:pPr/>
                 <a:endParaRPr lang="en-IE" dirty="0"/>
               </a:p>
               <a:p>
-                <a:pPr/>
                 <a:r>
                   <a:rPr lang="en-IE" dirty="0"/>
                   <a:t>The Screw angle, and axis can be found using</a:t>
@@ -11213,7 +13486,6 @@
                 <a:endParaRPr lang="en-IE" dirty="0"/>
               </a:p>
               <a:p>
-                <a:pPr/>
                 <a:endParaRPr lang="en-IE" dirty="0"/>
               </a:p>
               <a:p>
@@ -11388,11 +13660,9 @@
                 <a:endParaRPr lang="en-IE" dirty="0"/>
               </a:p>
               <a:p>
-                <a:pPr/>
                 <a:endParaRPr lang="en-IE" dirty="0"/>
               </a:p>
               <a:p>
-                <a:pPr/>
                 <a:r>
                   <a:rPr lang="en-IE" dirty="0"/>
                   <a:t>where 𝑖, 𝑗, 𝑘 = 1, 2, 3 𝑐𝑦𝑐𝑙𝑖𝑐𝑎𝑙𝑙𝑦 (Einstein notation)</a:t>
@@ -11401,7 +13671,7 @@
             </p:txBody>
           </p:sp>
         </mc:Choice>
-        <mc:Fallback>
+        <mc:Fallback xmlns="">
           <p:sp>
             <p:nvSpPr>
               <p:cNvPr id="35" name="TextBox 34">
@@ -11628,8 +13898,8 @@
             </a:fontRef>
           </p:style>
         </p:cxnSp>
-        <mc:AlternateContent xmlns:mc="http://schemas.openxmlformats.org/markup-compatibility/2006">
-          <mc:Choice xmlns:a14="http://schemas.microsoft.com/office/drawing/2010/main" Requires="a14">
+        <mc:AlternateContent xmlns:mc="http://schemas.openxmlformats.org/markup-compatibility/2006" xmlns:a14="http://schemas.microsoft.com/office/drawing/2010/main">
+          <mc:Choice Requires="a14">
             <p:sp>
               <p:nvSpPr>
                 <p:cNvPr id="12" name="TextBox 11">
@@ -11679,7 +13949,7 @@
               </p:txBody>
             </p:sp>
           </mc:Choice>
-          <mc:Fallback>
+          <mc:Fallback xmlns="">
             <p:sp>
               <p:nvSpPr>
                 <p:cNvPr id="12" name="TextBox 11">
@@ -11724,8 +13994,8 @@
             </p:sp>
           </mc:Fallback>
         </mc:AlternateContent>
-        <mc:AlternateContent xmlns:mc="http://schemas.openxmlformats.org/markup-compatibility/2006">
-          <mc:Choice xmlns:a14="http://schemas.microsoft.com/office/drawing/2010/main" Requires="a14">
+        <mc:AlternateContent xmlns:mc="http://schemas.openxmlformats.org/markup-compatibility/2006" xmlns:a14="http://schemas.microsoft.com/office/drawing/2010/main">
+          <mc:Choice Requires="a14">
             <p:sp>
               <p:nvSpPr>
                 <p:cNvPr id="13" name="TextBox 12">
@@ -11775,7 +14045,7 @@
               </p:txBody>
             </p:sp>
           </mc:Choice>
-          <mc:Fallback>
+          <mc:Fallback xmlns="">
             <p:sp>
               <p:nvSpPr>
                 <p:cNvPr id="13" name="TextBox 12">
@@ -11820,8 +14090,8 @@
             </p:sp>
           </mc:Fallback>
         </mc:AlternateContent>
-        <mc:AlternateContent xmlns:mc="http://schemas.openxmlformats.org/markup-compatibility/2006">
-          <mc:Choice xmlns:a14="http://schemas.microsoft.com/office/drawing/2010/main" Requires="a14">
+        <mc:AlternateContent xmlns:mc="http://schemas.openxmlformats.org/markup-compatibility/2006" xmlns:a14="http://schemas.microsoft.com/office/drawing/2010/main">
+          <mc:Choice Requires="a14">
             <p:sp>
               <p:nvSpPr>
                 <p:cNvPr id="14" name="TextBox 13">
@@ -11871,7 +14141,7 @@
               </p:txBody>
             </p:sp>
           </mc:Choice>
-          <mc:Fallback>
+          <mc:Fallback xmlns="">
             <p:sp>
               <p:nvSpPr>
                 <p:cNvPr id="14" name="TextBox 13">
@@ -11917,8 +14187,8 @@
           </mc:Fallback>
         </mc:AlternateContent>
       </p:grpSp>
-      <mc:AlternateContent xmlns:mc="http://schemas.openxmlformats.org/markup-compatibility/2006">
-        <mc:Choice xmlns:a14="http://schemas.microsoft.com/office/drawing/2010/main" Requires="a14">
+      <mc:AlternateContent xmlns:mc="http://schemas.openxmlformats.org/markup-compatibility/2006" xmlns:a14="http://schemas.microsoft.com/office/drawing/2010/main">
+        <mc:Choice Requires="a14">
           <p:sp>
             <p:nvSpPr>
               <p:cNvPr id="25" name="TextBox 24">
@@ -11995,7 +14265,7 @@
             </p:txBody>
           </p:sp>
         </mc:Choice>
-        <mc:Fallback>
+        <mc:Fallback xmlns="">
           <p:sp>
             <p:nvSpPr>
               <p:cNvPr id="25" name="TextBox 24">
@@ -12090,8 +14360,8 @@
           </a:p>
         </p:txBody>
       </p:sp>
-      <mc:AlternateContent xmlns:mc="http://schemas.openxmlformats.org/markup-compatibility/2006">
-        <mc:Choice xmlns:a14="http://schemas.microsoft.com/office/drawing/2010/main" Requires="a14">
+      <mc:AlternateContent xmlns:mc="http://schemas.openxmlformats.org/markup-compatibility/2006" xmlns:a14="http://schemas.microsoft.com/office/drawing/2010/main">
+        <mc:Choice Requires="a14">
           <p:sp>
             <p:nvSpPr>
               <p:cNvPr id="56" name="TextBox 55">
@@ -13502,7 +15772,7 @@
             </p:txBody>
           </p:sp>
         </mc:Choice>
-        <mc:Fallback>
+        <mc:Fallback xmlns="">
           <p:sp>
             <p:nvSpPr>
               <p:cNvPr id="56" name="TextBox 55">
@@ -13612,8 +15882,8 @@
             </a:fontRef>
           </p:style>
         </p:cxnSp>
-        <mc:AlternateContent xmlns:mc="http://schemas.openxmlformats.org/markup-compatibility/2006">
-          <mc:Choice xmlns:a14="http://schemas.microsoft.com/office/drawing/2010/main" Requires="a14">
+        <mc:AlternateContent xmlns:mc="http://schemas.openxmlformats.org/markup-compatibility/2006" xmlns:a14="http://schemas.microsoft.com/office/drawing/2010/main">
+          <mc:Choice Requires="a14">
             <p:sp>
               <p:nvSpPr>
                 <p:cNvPr id="60" name="TextBox 59">
@@ -13862,7 +16132,7 @@
               </p:txBody>
             </p:sp>
           </mc:Choice>
-          <mc:Fallback>
+          <mc:Fallback xmlns="">
             <p:sp>
               <p:nvSpPr>
                 <p:cNvPr id="60" name="TextBox 59">
@@ -14073,8 +16343,8 @@
               </a:fontRef>
             </p:style>
           </p:cxnSp>
-          <mc:AlternateContent xmlns:mc="http://schemas.openxmlformats.org/markup-compatibility/2006">
-            <mc:Choice xmlns:a14="http://schemas.microsoft.com/office/drawing/2010/main" Requires="a14">
+          <mc:AlternateContent xmlns:mc="http://schemas.openxmlformats.org/markup-compatibility/2006" xmlns:a14="http://schemas.microsoft.com/office/drawing/2010/main">
+            <mc:Choice Requires="a14">
               <p:sp>
                 <p:nvSpPr>
                   <p:cNvPr id="68" name="TextBox 67">
@@ -14140,7 +16410,7 @@
                 </p:txBody>
               </p:sp>
             </mc:Choice>
-            <mc:Fallback>
+            <mc:Fallback xmlns="">
               <p:sp>
                 <p:nvSpPr>
                   <p:cNvPr id="68" name="TextBox 67">
@@ -14185,8 +16455,8 @@
               </p:sp>
             </mc:Fallback>
           </mc:AlternateContent>
-          <mc:AlternateContent xmlns:mc="http://schemas.openxmlformats.org/markup-compatibility/2006">
-            <mc:Choice xmlns:a14="http://schemas.microsoft.com/office/drawing/2010/main" Requires="a14">
+          <mc:AlternateContent xmlns:mc="http://schemas.openxmlformats.org/markup-compatibility/2006" xmlns:a14="http://schemas.microsoft.com/office/drawing/2010/main">
+            <mc:Choice Requires="a14">
               <p:sp>
                 <p:nvSpPr>
                   <p:cNvPr id="69" name="TextBox 68">
@@ -14252,7 +16522,7 @@
                 </p:txBody>
               </p:sp>
             </mc:Choice>
-            <mc:Fallback>
+            <mc:Fallback xmlns="">
               <p:sp>
                 <p:nvSpPr>
                   <p:cNvPr id="69" name="TextBox 68">
@@ -14397,8 +16667,8 @@
             </a:p>
           </p:txBody>
         </p:sp>
-        <mc:AlternateContent xmlns:mc="http://schemas.openxmlformats.org/markup-compatibility/2006">
-          <mc:Choice xmlns:a14="http://schemas.microsoft.com/office/drawing/2010/main" Requires="a14">
+        <mc:AlternateContent xmlns:mc="http://schemas.openxmlformats.org/markup-compatibility/2006" xmlns:a14="http://schemas.microsoft.com/office/drawing/2010/main">
+          <mc:Choice Requires="a14">
             <p:sp>
               <p:nvSpPr>
                 <p:cNvPr id="65" name="TextBox 64">
@@ -14654,7 +16924,7 @@
               </p:txBody>
             </p:sp>
           </mc:Choice>
-          <mc:Fallback>
+          <mc:Fallback xmlns="">
             <p:sp>
               <p:nvSpPr>
                 <p:cNvPr id="65" name="TextBox 64">
@@ -14872,8 +17142,8 @@
           </a:p>
         </p:txBody>
       </p:sp>
-      <mc:AlternateContent xmlns:mc="http://schemas.openxmlformats.org/markup-compatibility/2006">
-        <mc:Choice xmlns:a14="http://schemas.microsoft.com/office/drawing/2010/main" Requires="a14">
+      <mc:AlternateContent xmlns:mc="http://schemas.openxmlformats.org/markup-compatibility/2006" xmlns:a14="http://schemas.microsoft.com/office/drawing/2010/main">
+        <mc:Choice Requires="a14">
           <p:sp>
             <p:nvSpPr>
               <p:cNvPr id="9" name="TextBox 8">
@@ -14932,7 +17202,7 @@
             </p:txBody>
           </p:sp>
         </mc:Choice>
-        <mc:Fallback>
+        <mc:Fallback xmlns="">
           <p:sp>
             <p:nvSpPr>
               <p:cNvPr id="9" name="TextBox 8">
@@ -14981,6 +17251,2686 @@
     <p:extLst>
       <p:ext uri="{BB962C8B-B14F-4D97-AF65-F5344CB8AC3E}">
         <p14:creationId xmlns:p14="http://schemas.microsoft.com/office/powerpoint/2010/main" val="1267047793"/>
+      </p:ext>
+    </p:extLst>
+  </p:cSld>
+  <p:clrMapOvr>
+    <a:masterClrMapping/>
+  </p:clrMapOvr>
+</p:sld>
+</file>
+
+<file path=ppt/slides/slide6.xml><?xml version="1.0" encoding="utf-8"?>
+<p:sld xmlns:a="http://schemas.openxmlformats.org/drawingml/2006/main" xmlns:r="http://schemas.openxmlformats.org/officeDocument/2006/relationships" xmlns:p="http://schemas.openxmlformats.org/presentationml/2006/main">
+  <p:cSld>
+    <p:spTree>
+      <p:nvGrpSpPr>
+        <p:cNvPr id="1" name=""/>
+        <p:cNvGrpSpPr/>
+        <p:nvPr/>
+      </p:nvGrpSpPr>
+      <p:grpSpPr>
+        <a:xfrm>
+          <a:off x="0" y="0"/>
+          <a:ext cx="0" cy="0"/>
+          <a:chOff x="0" y="0"/>
+          <a:chExt cx="0" cy="0"/>
+        </a:xfrm>
+      </p:grpSpPr>
+      <p:sp>
+        <p:nvSpPr>
+          <p:cNvPr id="32" name="Rectangle 31">
+            <a:extLst>
+              <a:ext uri="{FF2B5EF4-FFF2-40B4-BE49-F238E27FC236}">
+                <a16:creationId xmlns:a16="http://schemas.microsoft.com/office/drawing/2014/main" id="{1AA1ED43-FE0D-43E0-B559-B06F83EE4FAD}"/>
+              </a:ext>
+            </a:extLst>
+          </p:cNvPr>
+          <p:cNvSpPr/>
+          <p:nvPr/>
+        </p:nvSpPr>
+        <p:spPr>
+          <a:xfrm>
+            <a:off x="928914" y="420915"/>
+            <a:ext cx="9646870" cy="691605"/>
+          </a:xfrm>
+          <a:prstGeom prst="rect">
+            <a:avLst/>
+          </a:prstGeom>
+          <a:noFill/>
+          <a:ln>
+            <a:noFill/>
+          </a:ln>
+        </p:spPr>
+        <p:style>
+          <a:lnRef idx="2">
+            <a:schemeClr val="accent1">
+              <a:shade val="50000"/>
+            </a:schemeClr>
+          </a:lnRef>
+          <a:fillRef idx="1">
+            <a:schemeClr val="accent1"/>
+          </a:fillRef>
+          <a:effectRef idx="0">
+            <a:schemeClr val="accent1"/>
+          </a:effectRef>
+          <a:fontRef idx="minor">
+            <a:schemeClr val="lt1"/>
+          </a:fontRef>
+        </p:style>
+        <p:txBody>
+          <a:bodyPr rtlCol="0" anchor="t" anchorCtr="0"/>
+          <a:lstStyle/>
+          <a:p>
+            <a:endParaRPr lang="en-IE" dirty="0">
+              <a:solidFill>
+                <a:schemeClr val="tx1"/>
+              </a:solidFill>
+            </a:endParaRPr>
+          </a:p>
+        </p:txBody>
+      </p:sp>
+      <mc:AlternateContent xmlns:mc="http://schemas.openxmlformats.org/markup-compatibility/2006">
+        <mc:Choice xmlns:a14="http://schemas.microsoft.com/office/drawing/2010/main" Requires="a14">
+          <p:sp>
+            <p:nvSpPr>
+              <p:cNvPr id="56" name="TextBox 55">
+                <a:extLst>
+                  <a:ext uri="{FF2B5EF4-FFF2-40B4-BE49-F238E27FC236}">
+                    <a16:creationId xmlns:a16="http://schemas.microsoft.com/office/drawing/2014/main" id="{B42778CA-6679-4274-B851-3E47600D3E12}"/>
+                  </a:ext>
+                </a:extLst>
+              </p:cNvPr>
+              <p:cNvSpPr txBox="1"/>
+              <p:nvPr/>
+            </p:nvSpPr>
+            <p:spPr>
+              <a:xfrm>
+                <a:off x="928914" y="522070"/>
+                <a:ext cx="7414986" cy="577146"/>
+              </a:xfrm>
+              <a:prstGeom prst="rect">
+                <a:avLst/>
+              </a:prstGeom>
+              <a:noFill/>
+            </p:spPr>
+            <p:txBody>
+              <a:bodyPr wrap="square">
+                <a:spAutoFit/>
+              </a:bodyPr>
+              <a:lstStyle/>
+              <a:p>
+                <a:pPr/>
+                <a14:m>
+                  <m:oMath xmlns:m="http://schemas.openxmlformats.org/officeDocument/2006/math">
+                    <m:sSub>
+                      <m:sSubPr>
+                        <m:ctrlPr>
+                          <a:rPr lang="en-GB" i="1" smtClean="0">
+                            <a:latin typeface="Cambria Math" panose="02040503050406030204" pitchFamily="18" charset="0"/>
+                          </a:rPr>
+                        </m:ctrlPr>
+                      </m:sSubPr>
+                      <m:e>
+                        <m:r>
+                          <a:rPr lang="en-GB" b="0" i="1" smtClean="0">
+                            <a:latin typeface="Cambria Math" panose="02040503050406030204" pitchFamily="18" charset="0"/>
+                          </a:rPr>
+                          <m:t>𝑝</m:t>
+                        </m:r>
+                      </m:e>
+                      <m:sub>
+                        <m:r>
+                          <a:rPr lang="en-GB" b="0" i="1" smtClean="0">
+                            <a:latin typeface="Cambria Math" panose="02040503050406030204" pitchFamily="18" charset="0"/>
+                          </a:rPr>
+                          <m:t>1</m:t>
+                        </m:r>
+                      </m:sub>
+                    </m:sSub>
+                    <m:r>
+                      <a:rPr lang="en-GB" i="1">
+                        <a:latin typeface="Cambria Math" panose="02040503050406030204" pitchFamily="18" charset="0"/>
+                      </a:rPr>
+                      <m:t>=</m:t>
+                    </m:r>
+                    <m:d>
+                      <m:dPr>
+                        <m:begChr m:val="{"/>
+                        <m:endChr m:val="}"/>
+                        <m:ctrlPr>
+                          <a:rPr lang="en-GB" i="1" smtClean="0">
+                            <a:latin typeface="Cambria Math" panose="02040503050406030204" pitchFamily="18" charset="0"/>
+                          </a:rPr>
+                        </m:ctrlPr>
+                      </m:dPr>
+                      <m:e>
+                        <m:m>
+                          <m:mPr>
+                            <m:mcs>
+                              <m:mc>
+                                <m:mcPr>
+                                  <m:count m:val="3"/>
+                                  <m:mcJc m:val="center"/>
+                                </m:mcPr>
+                              </m:mc>
+                            </m:mcs>
+                            <m:ctrlPr>
+                              <a:rPr lang="en-GB" i="1" smtClean="0">
+                                <a:latin typeface="Cambria Math" panose="02040503050406030204" pitchFamily="18" charset="0"/>
+                              </a:rPr>
+                            </m:ctrlPr>
+                          </m:mPr>
+                          <m:mr>
+                            <m:e>
+                              <m:r>
+                                <m:rPr>
+                                  <m:brk m:alnAt="7"/>
+                                </m:rPr>
+                                <a:rPr lang="en-GB" b="0" i="1" smtClean="0">
+                                  <a:latin typeface="Cambria Math" panose="02040503050406030204" pitchFamily="18" charset="0"/>
+                                </a:rPr>
+                                <m:t>0</m:t>
+                              </m:r>
+                            </m:e>
+                            <m:e>
+                              <m:r>
+                                <a:rPr lang="en-GB" b="0" i="1" smtClean="0">
+                                  <a:latin typeface="Cambria Math" panose="02040503050406030204" pitchFamily="18" charset="0"/>
+                                </a:rPr>
+                                <m:t>0</m:t>
+                              </m:r>
+                            </m:e>
+                            <m:e>
+                              <m:r>
+                                <a:rPr lang="en-GB" b="0" i="1" smtClean="0">
+                                  <a:latin typeface="Cambria Math" panose="02040503050406030204" pitchFamily="18" charset="0"/>
+                                </a:rPr>
+                                <m:t>0</m:t>
+                              </m:r>
+                            </m:e>
+                          </m:mr>
+                        </m:m>
+                      </m:e>
+                    </m:d>
+                  </m:oMath>
+                </a14:m>
+                <a:r>
+                  <a:rPr lang="en-IE" dirty="0"/>
+                  <a:t>,    </a:t>
+                </a:r>
+                <a:r>
+                  <a:rPr lang="en-GB" dirty="0"/>
+                  <a:t> </a:t>
+                </a:r>
+                <a14:m>
+                  <m:oMath xmlns:m="http://schemas.openxmlformats.org/officeDocument/2006/math">
+                    <m:sSub>
+                      <m:sSubPr>
+                        <m:ctrlPr>
+                          <a:rPr lang="en-GB" i="1">
+                            <a:latin typeface="Cambria Math" panose="02040503050406030204" pitchFamily="18" charset="0"/>
+                          </a:rPr>
+                        </m:ctrlPr>
+                      </m:sSubPr>
+                      <m:e>
+                        <m:r>
+                          <a:rPr lang="en-GB" i="1">
+                            <a:latin typeface="Cambria Math" panose="02040503050406030204" pitchFamily="18" charset="0"/>
+                          </a:rPr>
+                          <m:t>𝑝</m:t>
+                        </m:r>
+                      </m:e>
+                      <m:sub>
+                        <m:r>
+                          <a:rPr lang="en-GB" b="0" i="1" smtClean="0">
+                            <a:latin typeface="Cambria Math" panose="02040503050406030204" pitchFamily="18" charset="0"/>
+                          </a:rPr>
+                          <m:t>2</m:t>
+                        </m:r>
+                      </m:sub>
+                    </m:sSub>
+                    <m:r>
+                      <a:rPr lang="en-GB" i="1">
+                        <a:latin typeface="Cambria Math" panose="02040503050406030204" pitchFamily="18" charset="0"/>
+                      </a:rPr>
+                      <m:t>=</m:t>
+                    </m:r>
+                    <m:f>
+                      <m:fPr>
+                        <m:ctrlPr>
+                          <a:rPr lang="en-GB" i="1">
+                            <a:latin typeface="Cambria Math" panose="02040503050406030204" pitchFamily="18" charset="0"/>
+                          </a:rPr>
+                        </m:ctrlPr>
+                      </m:fPr>
+                      <m:num>
+                        <m:acc>
+                          <m:accPr>
+                            <m:chr m:val="̂"/>
+                            <m:ctrlPr>
+                              <a:rPr lang="en-GB" i="1">
+                                <a:latin typeface="Cambria Math" panose="02040503050406030204" pitchFamily="18" charset="0"/>
+                              </a:rPr>
+                            </m:ctrlPr>
+                          </m:accPr>
+                          <m:e>
+                            <m:r>
+                              <a:rPr lang="en-GB" i="1">
+                                <a:latin typeface="Cambria Math" panose="02040503050406030204" pitchFamily="18" charset="0"/>
+                              </a:rPr>
+                              <m:t>𝑎</m:t>
+                            </m:r>
+                          </m:e>
+                        </m:acc>
+                        <m:r>
+                          <a:rPr lang="en-GB" i="1">
+                            <a:latin typeface="Cambria Math" panose="02040503050406030204" pitchFamily="18" charset="0"/>
+                          </a:rPr>
+                          <m:t>+</m:t>
+                        </m:r>
+                        <m:acc>
+                          <m:accPr>
+                            <m:chr m:val="̂"/>
+                            <m:ctrlPr>
+                              <a:rPr lang="en-GB" i="1">
+                                <a:latin typeface="Cambria Math" panose="02040503050406030204" pitchFamily="18" charset="0"/>
+                              </a:rPr>
+                            </m:ctrlPr>
+                          </m:accPr>
+                          <m:e>
+                            <m:r>
+                              <a:rPr lang="en-GB" i="1">
+                                <a:latin typeface="Cambria Math" panose="02040503050406030204" pitchFamily="18" charset="0"/>
+                              </a:rPr>
+                              <m:t>𝑏</m:t>
+                            </m:r>
+                          </m:e>
+                        </m:acc>
+                      </m:num>
+                      <m:den>
+                        <m:d>
+                          <m:dPr>
+                            <m:begChr m:val="‖"/>
+                            <m:endChr m:val="‖"/>
+                            <m:ctrlPr>
+                              <a:rPr lang="en-GB" i="1">
+                                <a:latin typeface="Cambria Math" panose="02040503050406030204" pitchFamily="18" charset="0"/>
+                              </a:rPr>
+                            </m:ctrlPr>
+                          </m:dPr>
+                          <m:e>
+                            <m:acc>
+                              <m:accPr>
+                                <m:chr m:val="̂"/>
+                                <m:ctrlPr>
+                                  <a:rPr lang="en-GB" i="1">
+                                    <a:latin typeface="Cambria Math" panose="02040503050406030204" pitchFamily="18" charset="0"/>
+                                  </a:rPr>
+                                </m:ctrlPr>
+                              </m:accPr>
+                              <m:e>
+                                <m:r>
+                                  <a:rPr lang="en-GB" i="1">
+                                    <a:latin typeface="Cambria Math" panose="02040503050406030204" pitchFamily="18" charset="0"/>
+                                  </a:rPr>
+                                  <m:t>𝑎</m:t>
+                                </m:r>
+                              </m:e>
+                            </m:acc>
+                            <m:r>
+                              <a:rPr lang="en-GB" i="1">
+                                <a:latin typeface="Cambria Math" panose="02040503050406030204" pitchFamily="18" charset="0"/>
+                              </a:rPr>
+                              <m:t>+</m:t>
+                            </m:r>
+                            <m:acc>
+                              <m:accPr>
+                                <m:chr m:val="̂"/>
+                                <m:ctrlPr>
+                                  <a:rPr lang="en-GB" i="1">
+                                    <a:latin typeface="Cambria Math" panose="02040503050406030204" pitchFamily="18" charset="0"/>
+                                  </a:rPr>
+                                </m:ctrlPr>
+                              </m:accPr>
+                              <m:e>
+                                <m:r>
+                                  <a:rPr lang="en-GB" i="1">
+                                    <a:latin typeface="Cambria Math" panose="02040503050406030204" pitchFamily="18" charset="0"/>
+                                  </a:rPr>
+                                  <m:t>𝑏</m:t>
+                                </m:r>
+                              </m:e>
+                            </m:acc>
+                          </m:e>
+                        </m:d>
+                      </m:den>
+                    </m:f>
+                  </m:oMath>
+                </a14:m>
+                <a:r>
+                  <a:rPr lang="en-IE" dirty="0"/>
+                  <a:t>,     </a:t>
+                </a:r>
+                <a14:m>
+                  <m:oMath xmlns:m="http://schemas.openxmlformats.org/officeDocument/2006/math">
+                    <m:sSub>
+                      <m:sSubPr>
+                        <m:ctrlPr>
+                          <a:rPr lang="en-GB" i="1">
+                            <a:latin typeface="Cambria Math" panose="02040503050406030204" pitchFamily="18" charset="0"/>
+                          </a:rPr>
+                        </m:ctrlPr>
+                      </m:sSubPr>
+                      <m:e>
+                        <m:r>
+                          <a:rPr lang="en-GB" i="1">
+                            <a:latin typeface="Cambria Math" panose="02040503050406030204" pitchFamily="18" charset="0"/>
+                          </a:rPr>
+                          <m:t>𝑝</m:t>
+                        </m:r>
+                      </m:e>
+                      <m:sub>
+                        <m:r>
+                          <a:rPr lang="en-GB" b="0" i="1" smtClean="0">
+                            <a:latin typeface="Cambria Math" panose="02040503050406030204" pitchFamily="18" charset="0"/>
+                          </a:rPr>
+                          <m:t>3</m:t>
+                        </m:r>
+                      </m:sub>
+                    </m:sSub>
+                    <m:r>
+                      <a:rPr lang="en-GB" i="1">
+                        <a:latin typeface="Cambria Math" panose="02040503050406030204" pitchFamily="18" charset="0"/>
+                      </a:rPr>
+                      <m:t>=</m:t>
+                    </m:r>
+                    <m:f>
+                      <m:fPr>
+                        <m:ctrlPr>
+                          <a:rPr lang="en-GB" i="1">
+                            <a:latin typeface="Cambria Math" panose="02040503050406030204" pitchFamily="18" charset="0"/>
+                          </a:rPr>
+                        </m:ctrlPr>
+                      </m:fPr>
+                      <m:num>
+                        <m:acc>
+                          <m:accPr>
+                            <m:chr m:val="̂"/>
+                            <m:ctrlPr>
+                              <a:rPr lang="en-GB" i="1">
+                                <a:latin typeface="Cambria Math" panose="02040503050406030204" pitchFamily="18" charset="0"/>
+                              </a:rPr>
+                            </m:ctrlPr>
+                          </m:accPr>
+                          <m:e>
+                            <m:r>
+                              <a:rPr lang="en-GB" i="1">
+                                <a:latin typeface="Cambria Math" panose="02040503050406030204" pitchFamily="18" charset="0"/>
+                              </a:rPr>
+                              <m:t>𝑎</m:t>
+                            </m:r>
+                          </m:e>
+                        </m:acc>
+                        <m:r>
+                          <a:rPr lang="en-GB" i="1" smtClean="0">
+                            <a:latin typeface="Cambria Math" panose="02040503050406030204" pitchFamily="18" charset="0"/>
+                            <a:ea typeface="Cambria Math" panose="02040503050406030204" pitchFamily="18" charset="0"/>
+                          </a:rPr>
+                          <m:t>×</m:t>
+                        </m:r>
+                        <m:acc>
+                          <m:accPr>
+                            <m:chr m:val="̂"/>
+                            <m:ctrlPr>
+                              <a:rPr lang="en-GB" i="1">
+                                <a:latin typeface="Cambria Math" panose="02040503050406030204" pitchFamily="18" charset="0"/>
+                              </a:rPr>
+                            </m:ctrlPr>
+                          </m:accPr>
+                          <m:e>
+                            <m:r>
+                              <a:rPr lang="en-GB" i="1">
+                                <a:latin typeface="Cambria Math" panose="02040503050406030204" pitchFamily="18" charset="0"/>
+                              </a:rPr>
+                              <m:t>𝑏</m:t>
+                            </m:r>
+                          </m:e>
+                        </m:acc>
+                      </m:num>
+                      <m:den>
+                        <m:d>
+                          <m:dPr>
+                            <m:begChr m:val="‖"/>
+                            <m:endChr m:val="‖"/>
+                            <m:ctrlPr>
+                              <a:rPr lang="en-GB" i="1">
+                                <a:latin typeface="Cambria Math" panose="02040503050406030204" pitchFamily="18" charset="0"/>
+                              </a:rPr>
+                            </m:ctrlPr>
+                          </m:dPr>
+                          <m:e>
+                            <m:acc>
+                              <m:accPr>
+                                <m:chr m:val="̂"/>
+                                <m:ctrlPr>
+                                  <a:rPr lang="en-GB" i="1">
+                                    <a:latin typeface="Cambria Math" panose="02040503050406030204" pitchFamily="18" charset="0"/>
+                                  </a:rPr>
+                                </m:ctrlPr>
+                              </m:accPr>
+                              <m:e>
+                                <m:r>
+                                  <a:rPr lang="en-GB" i="1">
+                                    <a:latin typeface="Cambria Math" panose="02040503050406030204" pitchFamily="18" charset="0"/>
+                                  </a:rPr>
+                                  <m:t>𝑎</m:t>
+                                </m:r>
+                              </m:e>
+                            </m:acc>
+                            <m:r>
+                              <a:rPr lang="en-GB" i="1">
+                                <a:latin typeface="Cambria Math" panose="02040503050406030204" pitchFamily="18" charset="0"/>
+                                <a:ea typeface="Cambria Math" panose="02040503050406030204" pitchFamily="18" charset="0"/>
+                              </a:rPr>
+                              <m:t>×</m:t>
+                            </m:r>
+                            <m:acc>
+                              <m:accPr>
+                                <m:chr m:val="̂"/>
+                                <m:ctrlPr>
+                                  <a:rPr lang="en-GB" i="1">
+                                    <a:latin typeface="Cambria Math" panose="02040503050406030204" pitchFamily="18" charset="0"/>
+                                  </a:rPr>
+                                </m:ctrlPr>
+                              </m:accPr>
+                              <m:e>
+                                <m:r>
+                                  <a:rPr lang="en-GB" i="1">
+                                    <a:latin typeface="Cambria Math" panose="02040503050406030204" pitchFamily="18" charset="0"/>
+                                  </a:rPr>
+                                  <m:t>𝑏</m:t>
+                                </m:r>
+                              </m:e>
+                            </m:acc>
+                          </m:e>
+                        </m:d>
+                      </m:den>
+                    </m:f>
+                  </m:oMath>
+                </a14:m>
+                <a:r>
+                  <a:rPr lang="en-IE" dirty="0"/>
+                  <a:t> </a:t>
+                </a:r>
+              </a:p>
+            </p:txBody>
+          </p:sp>
+        </mc:Choice>
+        <mc:Fallback>
+          <p:sp>
+            <p:nvSpPr>
+              <p:cNvPr id="56" name="TextBox 55">
+                <a:extLst>
+                  <a:ext uri="{FF2B5EF4-FFF2-40B4-BE49-F238E27FC236}">
+                    <a16:creationId xmlns:a16="http://schemas.microsoft.com/office/drawing/2014/main" id="{B42778CA-6679-4274-B851-3E47600D3E12}"/>
+                  </a:ext>
+                </a:extLst>
+              </p:cNvPr>
+              <p:cNvSpPr txBox="1">
+                <a:spLocks noRot="1" noChangeAspect="1" noMove="1" noResize="1" noEditPoints="1" noAdjustHandles="1" noChangeArrowheads="1" noChangeShapeType="1" noTextEdit="1"/>
+              </p:cNvSpPr>
+              <p:nvPr/>
+            </p:nvSpPr>
+            <p:spPr>
+              <a:xfrm>
+                <a:off x="928914" y="522070"/>
+                <a:ext cx="7414986" cy="577146"/>
+              </a:xfrm>
+              <a:prstGeom prst="rect">
+                <a:avLst/>
+              </a:prstGeom>
+              <a:blipFill>
+                <a:blip r:embed="rId2"/>
+                <a:stretch>
+                  <a:fillRect/>
+                </a:stretch>
+              </a:blipFill>
+            </p:spPr>
+            <p:txBody>
+              <a:bodyPr/>
+              <a:lstStyle/>
+              <a:p>
+                <a:r>
+                  <a:rPr lang="en-IE">
+                    <a:noFill/>
+                  </a:rPr>
+                  <a:t> </a:t>
+                </a:r>
+              </a:p>
+            </p:txBody>
+          </p:sp>
+        </mc:Fallback>
+      </mc:AlternateContent>
+    </p:spTree>
+    <p:extLst>
+      <p:ext uri="{BB962C8B-B14F-4D97-AF65-F5344CB8AC3E}">
+        <p14:creationId xmlns:p14="http://schemas.microsoft.com/office/powerpoint/2010/main" val="1954006169"/>
+      </p:ext>
+    </p:extLst>
+  </p:cSld>
+  <p:clrMapOvr>
+    <a:masterClrMapping/>
+  </p:clrMapOvr>
+</p:sld>
+</file>
+
+<file path=ppt/slides/slide7.xml><?xml version="1.0" encoding="utf-8"?>
+<p:sld xmlns:a="http://schemas.openxmlformats.org/drawingml/2006/main" xmlns:r="http://schemas.openxmlformats.org/officeDocument/2006/relationships" xmlns:p="http://schemas.openxmlformats.org/presentationml/2006/main">
+  <p:cSld>
+    <p:spTree>
+      <p:nvGrpSpPr>
+        <p:cNvPr id="1" name=""/>
+        <p:cNvGrpSpPr/>
+        <p:nvPr/>
+      </p:nvGrpSpPr>
+      <p:grpSpPr>
+        <a:xfrm>
+          <a:off x="0" y="0"/>
+          <a:ext cx="0" cy="0"/>
+          <a:chOff x="0" y="0"/>
+          <a:chExt cx="0" cy="0"/>
+        </a:xfrm>
+      </p:grpSpPr>
+      <p:sp>
+        <p:nvSpPr>
+          <p:cNvPr id="32" name="Rectangle 31">
+            <a:extLst>
+              <a:ext uri="{FF2B5EF4-FFF2-40B4-BE49-F238E27FC236}">
+                <a16:creationId xmlns:a16="http://schemas.microsoft.com/office/drawing/2014/main" id="{1AA1ED43-FE0D-43E0-B559-B06F83EE4FAD}"/>
+              </a:ext>
+            </a:extLst>
+          </p:cNvPr>
+          <p:cNvSpPr/>
+          <p:nvPr/>
+        </p:nvSpPr>
+        <p:spPr>
+          <a:xfrm>
+            <a:off x="928914" y="420914"/>
+            <a:ext cx="9646870" cy="1388835"/>
+          </a:xfrm>
+          <a:prstGeom prst="rect">
+            <a:avLst/>
+          </a:prstGeom>
+          <a:noFill/>
+          <a:ln>
+            <a:noFill/>
+          </a:ln>
+        </p:spPr>
+        <p:style>
+          <a:lnRef idx="2">
+            <a:schemeClr val="accent1">
+              <a:shade val="50000"/>
+            </a:schemeClr>
+          </a:lnRef>
+          <a:fillRef idx="1">
+            <a:schemeClr val="accent1"/>
+          </a:fillRef>
+          <a:effectRef idx="0">
+            <a:schemeClr val="accent1"/>
+          </a:effectRef>
+          <a:fontRef idx="minor">
+            <a:schemeClr val="lt1"/>
+          </a:fontRef>
+        </p:style>
+        <p:txBody>
+          <a:bodyPr rtlCol="0" anchor="t" anchorCtr="0"/>
+          <a:lstStyle/>
+          <a:p>
+            <a:endParaRPr lang="en-IE" dirty="0">
+              <a:solidFill>
+                <a:schemeClr val="tx1"/>
+              </a:solidFill>
+            </a:endParaRPr>
+          </a:p>
+        </p:txBody>
+      </p:sp>
+      <mc:AlternateContent xmlns:mc="http://schemas.openxmlformats.org/markup-compatibility/2006">
+        <mc:Choice xmlns:a14="http://schemas.microsoft.com/office/drawing/2010/main" Requires="a14">
+          <p:sp>
+            <p:nvSpPr>
+              <p:cNvPr id="56" name="TextBox 55">
+                <a:extLst>
+                  <a:ext uri="{FF2B5EF4-FFF2-40B4-BE49-F238E27FC236}">
+                    <a16:creationId xmlns:a16="http://schemas.microsoft.com/office/drawing/2014/main" id="{B42778CA-6679-4274-B851-3E47600D3E12}"/>
+                  </a:ext>
+                </a:extLst>
+              </p:cNvPr>
+              <p:cNvSpPr txBox="1"/>
+              <p:nvPr/>
+            </p:nvSpPr>
+            <p:spPr>
+              <a:xfrm>
+                <a:off x="928914" y="522070"/>
+                <a:ext cx="7414986" cy="1117998"/>
+              </a:xfrm>
+              <a:prstGeom prst="rect">
+                <a:avLst/>
+              </a:prstGeom>
+              <a:noFill/>
+            </p:spPr>
+            <p:txBody>
+              <a:bodyPr wrap="square">
+                <a:spAutoFit/>
+              </a:bodyPr>
+              <a:lstStyle/>
+              <a:p>
+                <a:pPr/>
+                <a14:m>
+                  <m:oMath xmlns:m="http://schemas.openxmlformats.org/officeDocument/2006/math">
+                    <m:sSub>
+                      <m:sSubPr>
+                        <m:ctrlPr>
+                          <a:rPr lang="en-GB" i="1" smtClean="0">
+                            <a:latin typeface="Cambria Math" panose="02040503050406030204" pitchFamily="18" charset="0"/>
+                          </a:rPr>
+                        </m:ctrlPr>
+                      </m:sSubPr>
+                      <m:e>
+                        <m:acc>
+                          <m:accPr>
+                            <m:chr m:val="⃗"/>
+                            <m:ctrlPr>
+                              <a:rPr lang="en-GB" i="1" smtClean="0">
+                                <a:latin typeface="Cambria Math" panose="02040503050406030204" pitchFamily="18" charset="0"/>
+                              </a:rPr>
+                            </m:ctrlPr>
+                          </m:accPr>
+                          <m:e>
+                            <m:r>
+                              <a:rPr lang="en-GB" b="0" i="1" smtClean="0">
+                                <a:latin typeface="Cambria Math" panose="02040503050406030204" pitchFamily="18" charset="0"/>
+                              </a:rPr>
+                              <m:t>𝑛</m:t>
+                            </m:r>
+                          </m:e>
+                        </m:acc>
+                      </m:e>
+                      <m:sub>
+                        <m:r>
+                          <a:rPr lang="en-GB" i="1" smtClean="0">
+                            <a:latin typeface="Cambria Math" panose="02040503050406030204" pitchFamily="18" charset="0"/>
+                            <a:ea typeface="Cambria Math" panose="02040503050406030204" pitchFamily="18" charset="0"/>
+                          </a:rPr>
+                          <m:t>𝛼</m:t>
+                        </m:r>
+                      </m:sub>
+                    </m:sSub>
+                    <m:r>
+                      <a:rPr lang="en-GB" i="1">
+                        <a:latin typeface="Cambria Math" panose="02040503050406030204" pitchFamily="18" charset="0"/>
+                      </a:rPr>
+                      <m:t>=</m:t>
+                    </m:r>
+                    <m:d>
+                      <m:dPr>
+                        <m:begChr m:val="{"/>
+                        <m:endChr m:val="}"/>
+                        <m:ctrlPr>
+                          <a:rPr lang="en-GB" i="1" smtClean="0">
+                            <a:latin typeface="Cambria Math" panose="02040503050406030204" pitchFamily="18" charset="0"/>
+                          </a:rPr>
+                        </m:ctrlPr>
+                      </m:dPr>
+                      <m:e>
+                        <m:m>
+                          <m:mPr>
+                            <m:mcs>
+                              <m:mc>
+                                <m:mcPr>
+                                  <m:count m:val="1"/>
+                                  <m:mcJc m:val="center"/>
+                                </m:mcPr>
+                              </m:mc>
+                            </m:mcs>
+                            <m:ctrlPr>
+                              <a:rPr lang="en-GB" i="1" smtClean="0">
+                                <a:latin typeface="Cambria Math" panose="02040503050406030204" pitchFamily="18" charset="0"/>
+                              </a:rPr>
+                            </m:ctrlPr>
+                          </m:mPr>
+                          <m:mr>
+                            <m:e>
+                              <m:sSub>
+                                <m:sSubPr>
+                                  <m:ctrlPr>
+                                    <a:rPr lang="en-GB" i="1">
+                                      <a:latin typeface="Cambria Math" panose="02040503050406030204" pitchFamily="18" charset="0"/>
+                                    </a:rPr>
+                                  </m:ctrlPr>
+                                </m:sSubPr>
+                                <m:e>
+                                  <m:r>
+                                    <a:rPr lang="en-GB" i="1">
+                                      <a:latin typeface="Cambria Math" panose="02040503050406030204" pitchFamily="18" charset="0"/>
+                                    </a:rPr>
+                                    <m:t>𝑝</m:t>
+                                  </m:r>
+                                </m:e>
+                                <m:sub>
+                                  <m:r>
+                                    <a:rPr lang="en-GB" i="1">
+                                      <a:latin typeface="Cambria Math" panose="02040503050406030204" pitchFamily="18" charset="0"/>
+                                    </a:rPr>
+                                    <m:t>1</m:t>
+                                  </m:r>
+                                  <m:r>
+                                    <a:rPr lang="en-GB" b="0" i="1" smtClean="0">
+                                      <a:latin typeface="Cambria Math" panose="02040503050406030204" pitchFamily="18" charset="0"/>
+                                    </a:rPr>
+                                    <m:t>,1</m:t>
+                                  </m:r>
+                                </m:sub>
+                              </m:sSub>
+                              <m:r>
+                                <a:rPr lang="en-GB" b="0" i="1" smtClean="0">
+                                  <a:latin typeface="Cambria Math" panose="02040503050406030204" pitchFamily="18" charset="0"/>
+                                </a:rPr>
+                                <m:t>+</m:t>
+                              </m:r>
+                              <m:func>
+                                <m:funcPr>
+                                  <m:ctrlPr>
+                                    <a:rPr lang="en-GB" b="0" i="1" smtClean="0">
+                                      <a:latin typeface="Cambria Math" panose="02040503050406030204" pitchFamily="18" charset="0"/>
+                                    </a:rPr>
+                                  </m:ctrlPr>
+                                </m:funcPr>
+                                <m:fName>
+                                  <m:r>
+                                    <m:rPr>
+                                      <m:sty m:val="p"/>
+                                    </m:rPr>
+                                    <a:rPr lang="en-GB" b="0" i="0" smtClean="0">
+                                      <a:latin typeface="Cambria Math" panose="02040503050406030204" pitchFamily="18" charset="0"/>
+                                    </a:rPr>
+                                    <m:t>cos</m:t>
+                                  </m:r>
+                                </m:fName>
+                                <m:e>
+                                  <m:d>
+                                    <m:dPr>
+                                      <m:ctrlPr>
+                                        <a:rPr lang="en-GB" b="0" i="1" smtClean="0">
+                                          <a:latin typeface="Cambria Math" panose="02040503050406030204" pitchFamily="18" charset="0"/>
+                                          <a:ea typeface="Cambria Math" panose="02040503050406030204" pitchFamily="18" charset="0"/>
+                                        </a:rPr>
+                                      </m:ctrlPr>
+                                    </m:dPr>
+                                    <m:e>
+                                      <m:r>
+                                        <a:rPr lang="en-GB" i="1">
+                                          <a:latin typeface="Cambria Math" panose="02040503050406030204" pitchFamily="18" charset="0"/>
+                                          <a:ea typeface="Cambria Math" panose="02040503050406030204" pitchFamily="18" charset="0"/>
+                                        </a:rPr>
+                                        <m:t>𝛼</m:t>
+                                      </m:r>
+                                    </m:e>
+                                  </m:d>
+                                </m:e>
+                              </m:func>
+                              <m:d>
+                                <m:dPr>
+                                  <m:ctrlPr>
+                                    <a:rPr lang="en-GB" i="1">
+                                      <a:latin typeface="Cambria Math" panose="02040503050406030204" pitchFamily="18" charset="0"/>
+                                      <a:ea typeface="Cambria Math" panose="02040503050406030204" pitchFamily="18" charset="0"/>
+                                    </a:rPr>
+                                  </m:ctrlPr>
+                                </m:dPr>
+                                <m:e>
+                                  <m:sSub>
+                                    <m:sSubPr>
+                                      <m:ctrlPr>
+                                        <a:rPr lang="en-GB" i="1">
+                                          <a:latin typeface="Cambria Math" panose="02040503050406030204" pitchFamily="18" charset="0"/>
+                                        </a:rPr>
+                                      </m:ctrlPr>
+                                    </m:sSubPr>
+                                    <m:e>
+                                      <m:r>
+                                        <a:rPr lang="en-GB" i="1">
+                                          <a:latin typeface="Cambria Math" panose="02040503050406030204" pitchFamily="18" charset="0"/>
+                                        </a:rPr>
+                                        <m:t>𝑝</m:t>
+                                      </m:r>
+                                    </m:e>
+                                    <m:sub>
+                                      <m:r>
+                                        <a:rPr lang="en-GB" b="0" i="1" smtClean="0">
+                                          <a:latin typeface="Cambria Math" panose="02040503050406030204" pitchFamily="18" charset="0"/>
+                                        </a:rPr>
+                                        <m:t>2</m:t>
+                                      </m:r>
+                                      <m:r>
+                                        <a:rPr lang="en-GB" i="1">
+                                          <a:latin typeface="Cambria Math" panose="02040503050406030204" pitchFamily="18" charset="0"/>
+                                        </a:rPr>
+                                        <m:t>,1</m:t>
+                                      </m:r>
+                                    </m:sub>
+                                  </m:sSub>
+                                  <m:r>
+                                    <a:rPr lang="en-GB" i="1">
+                                      <a:latin typeface="Cambria Math" panose="02040503050406030204" pitchFamily="18" charset="0"/>
+                                    </a:rPr>
+                                    <m:t>−</m:t>
+                                  </m:r>
+                                  <m:sSub>
+                                    <m:sSubPr>
+                                      <m:ctrlPr>
+                                        <a:rPr lang="en-GB" i="1">
+                                          <a:latin typeface="Cambria Math" panose="02040503050406030204" pitchFamily="18" charset="0"/>
+                                        </a:rPr>
+                                      </m:ctrlPr>
+                                    </m:sSubPr>
+                                    <m:e>
+                                      <m:r>
+                                        <a:rPr lang="en-GB" i="1">
+                                          <a:latin typeface="Cambria Math" panose="02040503050406030204" pitchFamily="18" charset="0"/>
+                                        </a:rPr>
+                                        <m:t>𝑝</m:t>
+                                      </m:r>
+                                    </m:e>
+                                    <m:sub>
+                                      <m:r>
+                                        <a:rPr lang="en-GB" i="1">
+                                          <a:latin typeface="Cambria Math" panose="02040503050406030204" pitchFamily="18" charset="0"/>
+                                        </a:rPr>
+                                        <m:t>1,1</m:t>
+                                      </m:r>
+                                    </m:sub>
+                                  </m:sSub>
+                                </m:e>
+                              </m:d>
+                              <m:r>
+                                <a:rPr lang="en-GB" i="1">
+                                  <a:latin typeface="Cambria Math" panose="02040503050406030204" pitchFamily="18" charset="0"/>
+                                </a:rPr>
+                                <m:t>+</m:t>
+                              </m:r>
+                              <m:func>
+                                <m:funcPr>
+                                  <m:ctrlPr>
+                                    <a:rPr lang="en-GB" i="1">
+                                      <a:latin typeface="Cambria Math" panose="02040503050406030204" pitchFamily="18" charset="0"/>
+                                    </a:rPr>
+                                  </m:ctrlPr>
+                                </m:funcPr>
+                                <m:fName>
+                                  <m:r>
+                                    <m:rPr>
+                                      <m:sty m:val="p"/>
+                                    </m:rPr>
+                                    <a:rPr lang="en-GB">
+                                      <a:latin typeface="Cambria Math" panose="02040503050406030204" pitchFamily="18" charset="0"/>
+                                    </a:rPr>
+                                    <m:t>sin</m:t>
+                                  </m:r>
+                                </m:fName>
+                                <m:e>
+                                  <m:d>
+                                    <m:dPr>
+                                      <m:ctrlPr>
+                                        <a:rPr lang="en-GB" i="1">
+                                          <a:latin typeface="Cambria Math" panose="02040503050406030204" pitchFamily="18" charset="0"/>
+                                          <a:ea typeface="Cambria Math" panose="02040503050406030204" pitchFamily="18" charset="0"/>
+                                        </a:rPr>
+                                      </m:ctrlPr>
+                                    </m:dPr>
+                                    <m:e>
+                                      <m:r>
+                                        <a:rPr lang="en-GB" i="1">
+                                          <a:latin typeface="Cambria Math" panose="02040503050406030204" pitchFamily="18" charset="0"/>
+                                          <a:ea typeface="Cambria Math" panose="02040503050406030204" pitchFamily="18" charset="0"/>
+                                        </a:rPr>
+                                        <m:t>𝛼</m:t>
+                                      </m:r>
+                                    </m:e>
+                                  </m:d>
+                                </m:e>
+                              </m:func>
+                              <m:d>
+                                <m:dPr>
+                                  <m:ctrlPr>
+                                    <a:rPr lang="en-GB" i="1">
+                                      <a:latin typeface="Cambria Math" panose="02040503050406030204" pitchFamily="18" charset="0"/>
+                                      <a:ea typeface="Cambria Math" panose="02040503050406030204" pitchFamily="18" charset="0"/>
+                                    </a:rPr>
+                                  </m:ctrlPr>
+                                </m:dPr>
+                                <m:e>
+                                  <m:sSub>
+                                    <m:sSubPr>
+                                      <m:ctrlPr>
+                                        <a:rPr lang="en-GB" i="1">
+                                          <a:latin typeface="Cambria Math" panose="02040503050406030204" pitchFamily="18" charset="0"/>
+                                        </a:rPr>
+                                      </m:ctrlPr>
+                                    </m:sSubPr>
+                                    <m:e>
+                                      <m:r>
+                                        <a:rPr lang="en-GB" i="1">
+                                          <a:latin typeface="Cambria Math" panose="02040503050406030204" pitchFamily="18" charset="0"/>
+                                        </a:rPr>
+                                        <m:t>𝑝</m:t>
+                                      </m:r>
+                                    </m:e>
+                                    <m:sub>
+                                      <m:r>
+                                        <a:rPr lang="en-GB" b="0" i="1" smtClean="0">
+                                          <a:latin typeface="Cambria Math" panose="02040503050406030204" pitchFamily="18" charset="0"/>
+                                        </a:rPr>
+                                        <m:t>3</m:t>
+                                      </m:r>
+                                      <m:r>
+                                        <a:rPr lang="en-GB" i="1">
+                                          <a:latin typeface="Cambria Math" panose="02040503050406030204" pitchFamily="18" charset="0"/>
+                                        </a:rPr>
+                                        <m:t>,1</m:t>
+                                      </m:r>
+                                    </m:sub>
+                                  </m:sSub>
+                                  <m:r>
+                                    <a:rPr lang="en-GB" i="1">
+                                      <a:latin typeface="Cambria Math" panose="02040503050406030204" pitchFamily="18" charset="0"/>
+                                    </a:rPr>
+                                    <m:t>−</m:t>
+                                  </m:r>
+                                  <m:sSub>
+                                    <m:sSubPr>
+                                      <m:ctrlPr>
+                                        <a:rPr lang="en-GB" i="1">
+                                          <a:latin typeface="Cambria Math" panose="02040503050406030204" pitchFamily="18" charset="0"/>
+                                        </a:rPr>
+                                      </m:ctrlPr>
+                                    </m:sSubPr>
+                                    <m:e>
+                                      <m:r>
+                                        <a:rPr lang="en-GB" i="1">
+                                          <a:latin typeface="Cambria Math" panose="02040503050406030204" pitchFamily="18" charset="0"/>
+                                        </a:rPr>
+                                        <m:t>𝑝</m:t>
+                                      </m:r>
+                                    </m:e>
+                                    <m:sub>
+                                      <m:r>
+                                        <a:rPr lang="en-GB" i="1">
+                                          <a:latin typeface="Cambria Math" panose="02040503050406030204" pitchFamily="18" charset="0"/>
+                                        </a:rPr>
+                                        <m:t>1,1</m:t>
+                                      </m:r>
+                                    </m:sub>
+                                  </m:sSub>
+                                </m:e>
+                              </m:d>
+                            </m:e>
+                          </m:mr>
+                          <m:mr>
+                            <m:e>
+                              <m:sSub>
+                                <m:sSubPr>
+                                  <m:ctrlPr>
+                                    <a:rPr lang="en-GB" i="1">
+                                      <a:latin typeface="Cambria Math" panose="02040503050406030204" pitchFamily="18" charset="0"/>
+                                    </a:rPr>
+                                  </m:ctrlPr>
+                                </m:sSubPr>
+                                <m:e>
+                                  <m:r>
+                                    <a:rPr lang="en-GB" i="1">
+                                      <a:latin typeface="Cambria Math" panose="02040503050406030204" pitchFamily="18" charset="0"/>
+                                    </a:rPr>
+                                    <m:t>𝑝</m:t>
+                                  </m:r>
+                                </m:e>
+                                <m:sub>
+                                  <m:r>
+                                    <a:rPr lang="en-GB" i="1">
+                                      <a:latin typeface="Cambria Math" panose="02040503050406030204" pitchFamily="18" charset="0"/>
+                                    </a:rPr>
+                                    <m:t>1</m:t>
+                                  </m:r>
+                                  <m:r>
+                                    <a:rPr lang="en-GB" i="1">
+                                      <a:latin typeface="Cambria Math" panose="02040503050406030204" pitchFamily="18" charset="0"/>
+                                    </a:rPr>
+                                    <m:t>,</m:t>
+                                  </m:r>
+                                  <m:r>
+                                    <a:rPr lang="en-GB" b="0" i="1" smtClean="0">
+                                      <a:latin typeface="Cambria Math" panose="02040503050406030204" pitchFamily="18" charset="0"/>
+                                    </a:rPr>
+                                    <m:t>2</m:t>
+                                  </m:r>
+                                </m:sub>
+                              </m:sSub>
+                              <m:r>
+                                <a:rPr lang="en-GB" i="1">
+                                  <a:latin typeface="Cambria Math" panose="02040503050406030204" pitchFamily="18" charset="0"/>
+                                </a:rPr>
+                                <m:t>+</m:t>
+                              </m:r>
+                              <m:func>
+                                <m:funcPr>
+                                  <m:ctrlPr>
+                                    <a:rPr lang="en-GB" i="1">
+                                      <a:latin typeface="Cambria Math" panose="02040503050406030204" pitchFamily="18" charset="0"/>
+                                    </a:rPr>
+                                  </m:ctrlPr>
+                                </m:funcPr>
+                                <m:fName>
+                                  <m:r>
+                                    <m:rPr>
+                                      <m:sty m:val="p"/>
+                                    </m:rPr>
+                                    <a:rPr lang="en-GB">
+                                      <a:latin typeface="Cambria Math" panose="02040503050406030204" pitchFamily="18" charset="0"/>
+                                    </a:rPr>
+                                    <m:t>cos</m:t>
+                                  </m:r>
+                                </m:fName>
+                                <m:e>
+                                  <m:d>
+                                    <m:dPr>
+                                      <m:ctrlPr>
+                                        <a:rPr lang="en-GB" i="1">
+                                          <a:latin typeface="Cambria Math" panose="02040503050406030204" pitchFamily="18" charset="0"/>
+                                          <a:ea typeface="Cambria Math" panose="02040503050406030204" pitchFamily="18" charset="0"/>
+                                        </a:rPr>
+                                      </m:ctrlPr>
+                                    </m:dPr>
+                                    <m:e>
+                                      <m:r>
+                                        <a:rPr lang="en-GB" i="1">
+                                          <a:latin typeface="Cambria Math" panose="02040503050406030204" pitchFamily="18" charset="0"/>
+                                          <a:ea typeface="Cambria Math" panose="02040503050406030204" pitchFamily="18" charset="0"/>
+                                        </a:rPr>
+                                        <m:t>𝛼</m:t>
+                                      </m:r>
+                                    </m:e>
+                                  </m:d>
+                                </m:e>
+                              </m:func>
+                              <m:d>
+                                <m:dPr>
+                                  <m:ctrlPr>
+                                    <a:rPr lang="en-GB" i="1">
+                                      <a:latin typeface="Cambria Math" panose="02040503050406030204" pitchFamily="18" charset="0"/>
+                                      <a:ea typeface="Cambria Math" panose="02040503050406030204" pitchFamily="18" charset="0"/>
+                                    </a:rPr>
+                                  </m:ctrlPr>
+                                </m:dPr>
+                                <m:e>
+                                  <m:sSub>
+                                    <m:sSubPr>
+                                      <m:ctrlPr>
+                                        <a:rPr lang="en-GB" i="1">
+                                          <a:latin typeface="Cambria Math" panose="02040503050406030204" pitchFamily="18" charset="0"/>
+                                        </a:rPr>
+                                      </m:ctrlPr>
+                                    </m:sSubPr>
+                                    <m:e>
+                                      <m:r>
+                                        <a:rPr lang="en-GB" i="1">
+                                          <a:latin typeface="Cambria Math" panose="02040503050406030204" pitchFamily="18" charset="0"/>
+                                        </a:rPr>
+                                        <m:t>𝑝</m:t>
+                                      </m:r>
+                                    </m:e>
+                                    <m:sub>
+                                      <m:r>
+                                        <a:rPr lang="en-GB" i="1">
+                                          <a:latin typeface="Cambria Math" panose="02040503050406030204" pitchFamily="18" charset="0"/>
+                                        </a:rPr>
+                                        <m:t>2</m:t>
+                                      </m:r>
+                                      <m:r>
+                                        <a:rPr lang="en-GB" i="1">
+                                          <a:latin typeface="Cambria Math" panose="02040503050406030204" pitchFamily="18" charset="0"/>
+                                        </a:rPr>
+                                        <m:t>,</m:t>
+                                      </m:r>
+                                      <m:r>
+                                        <a:rPr lang="en-GB" b="0" i="1" smtClean="0">
+                                          <a:latin typeface="Cambria Math" panose="02040503050406030204" pitchFamily="18" charset="0"/>
+                                        </a:rPr>
+                                        <m:t>2</m:t>
+                                      </m:r>
+                                    </m:sub>
+                                  </m:sSub>
+                                  <m:r>
+                                    <a:rPr lang="en-GB" i="1">
+                                      <a:latin typeface="Cambria Math" panose="02040503050406030204" pitchFamily="18" charset="0"/>
+                                    </a:rPr>
+                                    <m:t>−</m:t>
+                                  </m:r>
+                                  <m:sSub>
+                                    <m:sSubPr>
+                                      <m:ctrlPr>
+                                        <a:rPr lang="en-GB" i="1">
+                                          <a:latin typeface="Cambria Math" panose="02040503050406030204" pitchFamily="18" charset="0"/>
+                                        </a:rPr>
+                                      </m:ctrlPr>
+                                    </m:sSubPr>
+                                    <m:e>
+                                      <m:r>
+                                        <a:rPr lang="en-GB" i="1">
+                                          <a:latin typeface="Cambria Math" panose="02040503050406030204" pitchFamily="18" charset="0"/>
+                                        </a:rPr>
+                                        <m:t>𝑝</m:t>
+                                      </m:r>
+                                    </m:e>
+                                    <m:sub>
+                                      <m:r>
+                                        <a:rPr lang="en-GB" i="1">
+                                          <a:latin typeface="Cambria Math" panose="02040503050406030204" pitchFamily="18" charset="0"/>
+                                        </a:rPr>
+                                        <m:t>1,</m:t>
+                                      </m:r>
+                                      <m:r>
+                                        <a:rPr lang="en-GB" b="0" i="1" smtClean="0">
+                                          <a:latin typeface="Cambria Math" panose="02040503050406030204" pitchFamily="18" charset="0"/>
+                                        </a:rPr>
+                                        <m:t>2</m:t>
+                                      </m:r>
+                                    </m:sub>
+                                  </m:sSub>
+                                </m:e>
+                              </m:d>
+                              <m:r>
+                                <a:rPr lang="en-GB" i="1">
+                                  <a:latin typeface="Cambria Math" panose="02040503050406030204" pitchFamily="18" charset="0"/>
+                                </a:rPr>
+                                <m:t>+</m:t>
+                              </m:r>
+                              <m:func>
+                                <m:funcPr>
+                                  <m:ctrlPr>
+                                    <a:rPr lang="en-GB" i="1">
+                                      <a:latin typeface="Cambria Math" panose="02040503050406030204" pitchFamily="18" charset="0"/>
+                                    </a:rPr>
+                                  </m:ctrlPr>
+                                </m:funcPr>
+                                <m:fName>
+                                  <m:r>
+                                    <m:rPr>
+                                      <m:sty m:val="p"/>
+                                    </m:rPr>
+                                    <a:rPr lang="en-GB">
+                                      <a:latin typeface="Cambria Math" panose="02040503050406030204" pitchFamily="18" charset="0"/>
+                                    </a:rPr>
+                                    <m:t>sin</m:t>
+                                  </m:r>
+                                </m:fName>
+                                <m:e>
+                                  <m:d>
+                                    <m:dPr>
+                                      <m:ctrlPr>
+                                        <a:rPr lang="en-GB" i="1">
+                                          <a:latin typeface="Cambria Math" panose="02040503050406030204" pitchFamily="18" charset="0"/>
+                                          <a:ea typeface="Cambria Math" panose="02040503050406030204" pitchFamily="18" charset="0"/>
+                                        </a:rPr>
+                                      </m:ctrlPr>
+                                    </m:dPr>
+                                    <m:e>
+                                      <m:r>
+                                        <a:rPr lang="en-GB" i="1">
+                                          <a:latin typeface="Cambria Math" panose="02040503050406030204" pitchFamily="18" charset="0"/>
+                                          <a:ea typeface="Cambria Math" panose="02040503050406030204" pitchFamily="18" charset="0"/>
+                                        </a:rPr>
+                                        <m:t>𝛼</m:t>
+                                      </m:r>
+                                    </m:e>
+                                  </m:d>
+                                </m:e>
+                              </m:func>
+                              <m:d>
+                                <m:dPr>
+                                  <m:ctrlPr>
+                                    <a:rPr lang="en-GB" i="1">
+                                      <a:latin typeface="Cambria Math" panose="02040503050406030204" pitchFamily="18" charset="0"/>
+                                      <a:ea typeface="Cambria Math" panose="02040503050406030204" pitchFamily="18" charset="0"/>
+                                    </a:rPr>
+                                  </m:ctrlPr>
+                                </m:dPr>
+                                <m:e>
+                                  <m:sSub>
+                                    <m:sSubPr>
+                                      <m:ctrlPr>
+                                        <a:rPr lang="en-GB" i="1">
+                                          <a:latin typeface="Cambria Math" panose="02040503050406030204" pitchFamily="18" charset="0"/>
+                                        </a:rPr>
+                                      </m:ctrlPr>
+                                    </m:sSubPr>
+                                    <m:e>
+                                      <m:r>
+                                        <a:rPr lang="en-GB" i="1">
+                                          <a:latin typeface="Cambria Math" panose="02040503050406030204" pitchFamily="18" charset="0"/>
+                                        </a:rPr>
+                                        <m:t>𝑝</m:t>
+                                      </m:r>
+                                    </m:e>
+                                    <m:sub>
+                                      <m:r>
+                                        <a:rPr lang="en-GB" i="1">
+                                          <a:latin typeface="Cambria Math" panose="02040503050406030204" pitchFamily="18" charset="0"/>
+                                        </a:rPr>
+                                        <m:t>3</m:t>
+                                      </m:r>
+                                      <m:r>
+                                        <a:rPr lang="en-GB" i="1">
+                                          <a:latin typeface="Cambria Math" panose="02040503050406030204" pitchFamily="18" charset="0"/>
+                                        </a:rPr>
+                                        <m:t>,</m:t>
+                                      </m:r>
+                                      <m:r>
+                                        <a:rPr lang="en-GB" b="0" i="1" smtClean="0">
+                                          <a:latin typeface="Cambria Math" panose="02040503050406030204" pitchFamily="18" charset="0"/>
+                                        </a:rPr>
+                                        <m:t>2</m:t>
+                                      </m:r>
+                                    </m:sub>
+                                  </m:sSub>
+                                  <m:r>
+                                    <a:rPr lang="en-GB" i="1">
+                                      <a:latin typeface="Cambria Math" panose="02040503050406030204" pitchFamily="18" charset="0"/>
+                                    </a:rPr>
+                                    <m:t>−</m:t>
+                                  </m:r>
+                                  <m:sSub>
+                                    <m:sSubPr>
+                                      <m:ctrlPr>
+                                        <a:rPr lang="en-GB" i="1">
+                                          <a:latin typeface="Cambria Math" panose="02040503050406030204" pitchFamily="18" charset="0"/>
+                                        </a:rPr>
+                                      </m:ctrlPr>
+                                    </m:sSubPr>
+                                    <m:e>
+                                      <m:r>
+                                        <a:rPr lang="en-GB" i="1">
+                                          <a:latin typeface="Cambria Math" panose="02040503050406030204" pitchFamily="18" charset="0"/>
+                                        </a:rPr>
+                                        <m:t>𝑝</m:t>
+                                      </m:r>
+                                    </m:e>
+                                    <m:sub>
+                                      <m:r>
+                                        <a:rPr lang="en-GB" i="1">
+                                          <a:latin typeface="Cambria Math" panose="02040503050406030204" pitchFamily="18" charset="0"/>
+                                        </a:rPr>
+                                        <m:t>1,</m:t>
+                                      </m:r>
+                                      <m:r>
+                                        <a:rPr lang="en-GB" b="0" i="1" smtClean="0">
+                                          <a:latin typeface="Cambria Math" panose="02040503050406030204" pitchFamily="18" charset="0"/>
+                                        </a:rPr>
+                                        <m:t>2</m:t>
+                                      </m:r>
+                                    </m:sub>
+                                  </m:sSub>
+                                </m:e>
+                              </m:d>
+                            </m:e>
+                          </m:mr>
+                          <m:mr>
+                            <m:e>
+                              <m:sSub>
+                                <m:sSubPr>
+                                  <m:ctrlPr>
+                                    <a:rPr lang="en-GB" i="1">
+                                      <a:latin typeface="Cambria Math" panose="02040503050406030204" pitchFamily="18" charset="0"/>
+                                    </a:rPr>
+                                  </m:ctrlPr>
+                                </m:sSubPr>
+                                <m:e>
+                                  <m:r>
+                                    <a:rPr lang="en-GB" i="1">
+                                      <a:latin typeface="Cambria Math" panose="02040503050406030204" pitchFamily="18" charset="0"/>
+                                    </a:rPr>
+                                    <m:t>𝑝</m:t>
+                                  </m:r>
+                                </m:e>
+                                <m:sub>
+                                  <m:r>
+                                    <a:rPr lang="en-GB" i="1">
+                                      <a:latin typeface="Cambria Math" panose="02040503050406030204" pitchFamily="18" charset="0"/>
+                                    </a:rPr>
+                                    <m:t>1</m:t>
+                                  </m:r>
+                                  <m:r>
+                                    <a:rPr lang="en-GB" i="1">
+                                      <a:latin typeface="Cambria Math" panose="02040503050406030204" pitchFamily="18" charset="0"/>
+                                    </a:rPr>
+                                    <m:t>,</m:t>
+                                  </m:r>
+                                  <m:r>
+                                    <a:rPr lang="en-GB" b="0" i="1" smtClean="0">
+                                      <a:latin typeface="Cambria Math" panose="02040503050406030204" pitchFamily="18" charset="0"/>
+                                    </a:rPr>
+                                    <m:t>3</m:t>
+                                  </m:r>
+                                </m:sub>
+                              </m:sSub>
+                              <m:r>
+                                <a:rPr lang="en-GB" i="1">
+                                  <a:latin typeface="Cambria Math" panose="02040503050406030204" pitchFamily="18" charset="0"/>
+                                </a:rPr>
+                                <m:t>+</m:t>
+                              </m:r>
+                              <m:func>
+                                <m:funcPr>
+                                  <m:ctrlPr>
+                                    <a:rPr lang="en-GB" i="1">
+                                      <a:latin typeface="Cambria Math" panose="02040503050406030204" pitchFamily="18" charset="0"/>
+                                    </a:rPr>
+                                  </m:ctrlPr>
+                                </m:funcPr>
+                                <m:fName>
+                                  <m:r>
+                                    <m:rPr>
+                                      <m:sty m:val="p"/>
+                                    </m:rPr>
+                                    <a:rPr lang="en-GB">
+                                      <a:latin typeface="Cambria Math" panose="02040503050406030204" pitchFamily="18" charset="0"/>
+                                    </a:rPr>
+                                    <m:t>cos</m:t>
+                                  </m:r>
+                                </m:fName>
+                                <m:e>
+                                  <m:d>
+                                    <m:dPr>
+                                      <m:ctrlPr>
+                                        <a:rPr lang="en-GB" i="1">
+                                          <a:latin typeface="Cambria Math" panose="02040503050406030204" pitchFamily="18" charset="0"/>
+                                          <a:ea typeface="Cambria Math" panose="02040503050406030204" pitchFamily="18" charset="0"/>
+                                        </a:rPr>
+                                      </m:ctrlPr>
+                                    </m:dPr>
+                                    <m:e>
+                                      <m:r>
+                                        <a:rPr lang="en-GB" i="1">
+                                          <a:latin typeface="Cambria Math" panose="02040503050406030204" pitchFamily="18" charset="0"/>
+                                          <a:ea typeface="Cambria Math" panose="02040503050406030204" pitchFamily="18" charset="0"/>
+                                        </a:rPr>
+                                        <m:t>𝛼</m:t>
+                                      </m:r>
+                                    </m:e>
+                                  </m:d>
+                                </m:e>
+                              </m:func>
+                              <m:d>
+                                <m:dPr>
+                                  <m:ctrlPr>
+                                    <a:rPr lang="en-GB" i="1">
+                                      <a:latin typeface="Cambria Math" panose="02040503050406030204" pitchFamily="18" charset="0"/>
+                                      <a:ea typeface="Cambria Math" panose="02040503050406030204" pitchFamily="18" charset="0"/>
+                                    </a:rPr>
+                                  </m:ctrlPr>
+                                </m:dPr>
+                                <m:e>
+                                  <m:sSub>
+                                    <m:sSubPr>
+                                      <m:ctrlPr>
+                                        <a:rPr lang="en-GB" i="1">
+                                          <a:latin typeface="Cambria Math" panose="02040503050406030204" pitchFamily="18" charset="0"/>
+                                        </a:rPr>
+                                      </m:ctrlPr>
+                                    </m:sSubPr>
+                                    <m:e>
+                                      <m:r>
+                                        <a:rPr lang="en-GB" i="1">
+                                          <a:latin typeface="Cambria Math" panose="02040503050406030204" pitchFamily="18" charset="0"/>
+                                        </a:rPr>
+                                        <m:t>𝑝</m:t>
+                                      </m:r>
+                                    </m:e>
+                                    <m:sub>
+                                      <m:r>
+                                        <a:rPr lang="en-GB" i="1">
+                                          <a:latin typeface="Cambria Math" panose="02040503050406030204" pitchFamily="18" charset="0"/>
+                                        </a:rPr>
+                                        <m:t>2</m:t>
+                                      </m:r>
+                                      <m:r>
+                                        <a:rPr lang="en-GB" i="1">
+                                          <a:latin typeface="Cambria Math" panose="02040503050406030204" pitchFamily="18" charset="0"/>
+                                        </a:rPr>
+                                        <m:t>,</m:t>
+                                      </m:r>
+                                      <m:r>
+                                        <a:rPr lang="en-GB" b="0" i="1" smtClean="0">
+                                          <a:latin typeface="Cambria Math" panose="02040503050406030204" pitchFamily="18" charset="0"/>
+                                        </a:rPr>
+                                        <m:t>3</m:t>
+                                      </m:r>
+                                    </m:sub>
+                                  </m:sSub>
+                                  <m:r>
+                                    <a:rPr lang="en-GB" i="1">
+                                      <a:latin typeface="Cambria Math" panose="02040503050406030204" pitchFamily="18" charset="0"/>
+                                    </a:rPr>
+                                    <m:t>−</m:t>
+                                  </m:r>
+                                  <m:sSub>
+                                    <m:sSubPr>
+                                      <m:ctrlPr>
+                                        <a:rPr lang="en-GB" i="1">
+                                          <a:latin typeface="Cambria Math" panose="02040503050406030204" pitchFamily="18" charset="0"/>
+                                        </a:rPr>
+                                      </m:ctrlPr>
+                                    </m:sSubPr>
+                                    <m:e>
+                                      <m:r>
+                                        <a:rPr lang="en-GB" i="1">
+                                          <a:latin typeface="Cambria Math" panose="02040503050406030204" pitchFamily="18" charset="0"/>
+                                        </a:rPr>
+                                        <m:t>𝑝</m:t>
+                                      </m:r>
+                                    </m:e>
+                                    <m:sub>
+                                      <m:r>
+                                        <a:rPr lang="en-GB" i="1">
+                                          <a:latin typeface="Cambria Math" panose="02040503050406030204" pitchFamily="18" charset="0"/>
+                                        </a:rPr>
+                                        <m:t>1,</m:t>
+                                      </m:r>
+                                      <m:r>
+                                        <a:rPr lang="en-GB" b="0" i="1" smtClean="0">
+                                          <a:latin typeface="Cambria Math" panose="02040503050406030204" pitchFamily="18" charset="0"/>
+                                        </a:rPr>
+                                        <m:t>3</m:t>
+                                      </m:r>
+                                    </m:sub>
+                                  </m:sSub>
+                                </m:e>
+                              </m:d>
+                              <m:r>
+                                <a:rPr lang="en-GB" i="1">
+                                  <a:latin typeface="Cambria Math" panose="02040503050406030204" pitchFamily="18" charset="0"/>
+                                </a:rPr>
+                                <m:t>+</m:t>
+                              </m:r>
+                              <m:func>
+                                <m:funcPr>
+                                  <m:ctrlPr>
+                                    <a:rPr lang="en-GB" i="1">
+                                      <a:latin typeface="Cambria Math" panose="02040503050406030204" pitchFamily="18" charset="0"/>
+                                    </a:rPr>
+                                  </m:ctrlPr>
+                                </m:funcPr>
+                                <m:fName>
+                                  <m:r>
+                                    <m:rPr>
+                                      <m:sty m:val="p"/>
+                                    </m:rPr>
+                                    <a:rPr lang="en-GB">
+                                      <a:latin typeface="Cambria Math" panose="02040503050406030204" pitchFamily="18" charset="0"/>
+                                    </a:rPr>
+                                    <m:t>sin</m:t>
+                                  </m:r>
+                                </m:fName>
+                                <m:e>
+                                  <m:d>
+                                    <m:dPr>
+                                      <m:ctrlPr>
+                                        <a:rPr lang="en-GB" i="1">
+                                          <a:latin typeface="Cambria Math" panose="02040503050406030204" pitchFamily="18" charset="0"/>
+                                          <a:ea typeface="Cambria Math" panose="02040503050406030204" pitchFamily="18" charset="0"/>
+                                        </a:rPr>
+                                      </m:ctrlPr>
+                                    </m:dPr>
+                                    <m:e>
+                                      <m:r>
+                                        <a:rPr lang="en-GB" i="1">
+                                          <a:latin typeface="Cambria Math" panose="02040503050406030204" pitchFamily="18" charset="0"/>
+                                          <a:ea typeface="Cambria Math" panose="02040503050406030204" pitchFamily="18" charset="0"/>
+                                        </a:rPr>
+                                        <m:t>𝛼</m:t>
+                                      </m:r>
+                                    </m:e>
+                                  </m:d>
+                                </m:e>
+                              </m:func>
+                              <m:d>
+                                <m:dPr>
+                                  <m:ctrlPr>
+                                    <a:rPr lang="en-GB" i="1">
+                                      <a:latin typeface="Cambria Math" panose="02040503050406030204" pitchFamily="18" charset="0"/>
+                                      <a:ea typeface="Cambria Math" panose="02040503050406030204" pitchFamily="18" charset="0"/>
+                                    </a:rPr>
+                                  </m:ctrlPr>
+                                </m:dPr>
+                                <m:e>
+                                  <m:sSub>
+                                    <m:sSubPr>
+                                      <m:ctrlPr>
+                                        <a:rPr lang="en-GB" i="1">
+                                          <a:latin typeface="Cambria Math" panose="02040503050406030204" pitchFamily="18" charset="0"/>
+                                        </a:rPr>
+                                      </m:ctrlPr>
+                                    </m:sSubPr>
+                                    <m:e>
+                                      <m:r>
+                                        <a:rPr lang="en-GB" i="1">
+                                          <a:latin typeface="Cambria Math" panose="02040503050406030204" pitchFamily="18" charset="0"/>
+                                        </a:rPr>
+                                        <m:t>𝑝</m:t>
+                                      </m:r>
+                                    </m:e>
+                                    <m:sub>
+                                      <m:r>
+                                        <a:rPr lang="en-GB" i="1">
+                                          <a:latin typeface="Cambria Math" panose="02040503050406030204" pitchFamily="18" charset="0"/>
+                                        </a:rPr>
+                                        <m:t>3</m:t>
+                                      </m:r>
+                                      <m:r>
+                                        <a:rPr lang="en-GB" i="1">
+                                          <a:latin typeface="Cambria Math" panose="02040503050406030204" pitchFamily="18" charset="0"/>
+                                        </a:rPr>
+                                        <m:t>,</m:t>
+                                      </m:r>
+                                      <m:r>
+                                        <a:rPr lang="en-GB" b="0" i="1" smtClean="0">
+                                          <a:latin typeface="Cambria Math" panose="02040503050406030204" pitchFamily="18" charset="0"/>
+                                        </a:rPr>
+                                        <m:t>3</m:t>
+                                      </m:r>
+                                    </m:sub>
+                                  </m:sSub>
+                                  <m:r>
+                                    <a:rPr lang="en-GB" i="1">
+                                      <a:latin typeface="Cambria Math" panose="02040503050406030204" pitchFamily="18" charset="0"/>
+                                    </a:rPr>
+                                    <m:t>−</m:t>
+                                  </m:r>
+                                  <m:sSub>
+                                    <m:sSubPr>
+                                      <m:ctrlPr>
+                                        <a:rPr lang="en-GB" i="1">
+                                          <a:latin typeface="Cambria Math" panose="02040503050406030204" pitchFamily="18" charset="0"/>
+                                        </a:rPr>
+                                      </m:ctrlPr>
+                                    </m:sSubPr>
+                                    <m:e>
+                                      <m:r>
+                                        <a:rPr lang="en-GB" i="1">
+                                          <a:latin typeface="Cambria Math" panose="02040503050406030204" pitchFamily="18" charset="0"/>
+                                        </a:rPr>
+                                        <m:t>𝑝</m:t>
+                                      </m:r>
+                                    </m:e>
+                                    <m:sub>
+                                      <m:r>
+                                        <a:rPr lang="en-GB" i="1">
+                                          <a:latin typeface="Cambria Math" panose="02040503050406030204" pitchFamily="18" charset="0"/>
+                                        </a:rPr>
+                                        <m:t>1,</m:t>
+                                      </m:r>
+                                      <m:r>
+                                        <a:rPr lang="en-GB" b="0" i="1" smtClean="0">
+                                          <a:latin typeface="Cambria Math" panose="02040503050406030204" pitchFamily="18" charset="0"/>
+                                        </a:rPr>
+                                        <m:t>3</m:t>
+                                      </m:r>
+                                    </m:sub>
+                                  </m:sSub>
+                                </m:e>
+                              </m:d>
+                            </m:e>
+                          </m:mr>
+                        </m:m>
+                      </m:e>
+                    </m:d>
+                  </m:oMath>
+                </a14:m>
+                <a:r>
+                  <a:rPr lang="en-IE" dirty="0"/>
+                  <a:t>,       </a:t>
+                </a:r>
+                <a14:m>
+                  <m:oMath xmlns:m="http://schemas.openxmlformats.org/officeDocument/2006/math">
+                    <m:r>
+                      <m:rPr>
+                        <m:sty m:val="p"/>
+                      </m:rPr>
+                      <a:rPr lang="en-GB" b="0" i="0" smtClean="0">
+                        <a:latin typeface="Cambria Math" panose="02040503050406030204" pitchFamily="18" charset="0"/>
+                        <a:ea typeface="Cambria Math" panose="02040503050406030204" pitchFamily="18" charset="0"/>
+                      </a:rPr>
+                      <m:t>for</m:t>
+                    </m:r>
+                    <m:r>
+                      <a:rPr lang="en-GB" b="0" i="0" smtClean="0">
+                        <a:latin typeface="Cambria Math" panose="02040503050406030204" pitchFamily="18" charset="0"/>
+                        <a:ea typeface="Cambria Math" panose="02040503050406030204" pitchFamily="18" charset="0"/>
+                      </a:rPr>
+                      <m:t> </m:t>
+                    </m:r>
+                    <m:r>
+                      <a:rPr lang="en-GB" i="1">
+                        <a:latin typeface="Cambria Math" panose="02040503050406030204" pitchFamily="18" charset="0"/>
+                        <a:ea typeface="Cambria Math" panose="02040503050406030204" pitchFamily="18" charset="0"/>
+                      </a:rPr>
+                      <m:t>𝛼</m:t>
+                    </m:r>
+                    <m:r>
+                      <a:rPr lang="en-GB" b="0" i="1" smtClean="0">
+                        <a:latin typeface="Cambria Math" panose="02040503050406030204" pitchFamily="18" charset="0"/>
+                        <a:ea typeface="Cambria Math" panose="02040503050406030204" pitchFamily="18" charset="0"/>
+                      </a:rPr>
+                      <m:t>: </m:t>
+                    </m:r>
+                    <m:d>
+                      <m:dPr>
+                        <m:begChr m:val="["/>
+                        <m:endChr m:val="]"/>
+                        <m:ctrlPr>
+                          <a:rPr lang="en-GB" b="0" i="1" smtClean="0">
+                            <a:latin typeface="Cambria Math" panose="02040503050406030204" pitchFamily="18" charset="0"/>
+                            <a:ea typeface="Cambria Math" panose="02040503050406030204" pitchFamily="18" charset="0"/>
+                          </a:rPr>
+                        </m:ctrlPr>
+                      </m:dPr>
+                      <m:e>
+                        <m:r>
+                          <a:rPr lang="en-GB" b="0" i="1" smtClean="0">
+                            <a:latin typeface="Cambria Math" panose="02040503050406030204" pitchFamily="18" charset="0"/>
+                            <a:ea typeface="Cambria Math" panose="02040503050406030204" pitchFamily="18" charset="0"/>
+                          </a:rPr>
+                          <m:t>0,2</m:t>
+                        </m:r>
+                        <m:r>
+                          <a:rPr lang="en-GB" b="0" i="1" smtClean="0">
+                            <a:latin typeface="Cambria Math" panose="02040503050406030204" pitchFamily="18" charset="0"/>
+                            <a:ea typeface="Cambria Math" panose="02040503050406030204" pitchFamily="18" charset="0"/>
+                          </a:rPr>
+                          <m:t>𝜋</m:t>
+                        </m:r>
+                      </m:e>
+                    </m:d>
+                  </m:oMath>
+                </a14:m>
+                <a:r>
+                  <a:rPr lang="en-IE" dirty="0"/>
+                  <a:t>  </a:t>
+                </a:r>
+              </a:p>
+            </p:txBody>
+          </p:sp>
+        </mc:Choice>
+        <mc:Fallback>
+          <p:sp>
+            <p:nvSpPr>
+              <p:cNvPr id="56" name="TextBox 55">
+                <a:extLst>
+                  <a:ext uri="{FF2B5EF4-FFF2-40B4-BE49-F238E27FC236}">
+                    <a16:creationId xmlns:a16="http://schemas.microsoft.com/office/drawing/2014/main" id="{B42778CA-6679-4274-B851-3E47600D3E12}"/>
+                  </a:ext>
+                </a:extLst>
+              </p:cNvPr>
+              <p:cNvSpPr txBox="1">
+                <a:spLocks noRot="1" noChangeAspect="1" noMove="1" noResize="1" noEditPoints="1" noAdjustHandles="1" noChangeArrowheads="1" noChangeShapeType="1" noTextEdit="1"/>
+              </p:cNvSpPr>
+              <p:nvPr/>
+            </p:nvSpPr>
+            <p:spPr>
+              <a:xfrm>
+                <a:off x="928914" y="522070"/>
+                <a:ext cx="7414986" cy="1117998"/>
+              </a:xfrm>
+              <a:prstGeom prst="rect">
+                <a:avLst/>
+              </a:prstGeom>
+              <a:blipFill>
+                <a:blip r:embed="rId2"/>
+                <a:stretch>
+                  <a:fillRect/>
+                </a:stretch>
+              </a:blipFill>
+            </p:spPr>
+            <p:txBody>
+              <a:bodyPr/>
+              <a:lstStyle/>
+              <a:p>
+                <a:r>
+                  <a:rPr lang="en-IE">
+                    <a:noFill/>
+                  </a:rPr>
+                  <a:t> </a:t>
+                </a:r>
+              </a:p>
+            </p:txBody>
+          </p:sp>
+        </mc:Fallback>
+      </mc:AlternateContent>
+    </p:spTree>
+    <p:extLst>
+      <p:ext uri="{BB962C8B-B14F-4D97-AF65-F5344CB8AC3E}">
+        <p14:creationId xmlns:p14="http://schemas.microsoft.com/office/powerpoint/2010/main" val="2066701328"/>
+      </p:ext>
+    </p:extLst>
+  </p:cSld>
+  <p:clrMapOvr>
+    <a:masterClrMapping/>
+  </p:clrMapOvr>
+</p:sld>
+</file>
+
+<file path=ppt/slides/slide8.xml><?xml version="1.0" encoding="utf-8"?>
+<p:sld xmlns:a="http://schemas.openxmlformats.org/drawingml/2006/main" xmlns:r="http://schemas.openxmlformats.org/officeDocument/2006/relationships" xmlns:p="http://schemas.openxmlformats.org/presentationml/2006/main">
+  <p:cSld>
+    <p:spTree>
+      <p:nvGrpSpPr>
+        <p:cNvPr id="1" name=""/>
+        <p:cNvGrpSpPr/>
+        <p:nvPr/>
+      </p:nvGrpSpPr>
+      <p:grpSpPr>
+        <a:xfrm>
+          <a:off x="0" y="0"/>
+          <a:ext cx="0" cy="0"/>
+          <a:chOff x="0" y="0"/>
+          <a:chExt cx="0" cy="0"/>
+        </a:xfrm>
+      </p:grpSpPr>
+      <p:sp>
+        <p:nvSpPr>
+          <p:cNvPr id="32" name="Rectangle 31">
+            <a:extLst>
+              <a:ext uri="{FF2B5EF4-FFF2-40B4-BE49-F238E27FC236}">
+                <a16:creationId xmlns:a16="http://schemas.microsoft.com/office/drawing/2014/main" id="{1AA1ED43-FE0D-43E0-B559-B06F83EE4FAD}"/>
+              </a:ext>
+            </a:extLst>
+          </p:cNvPr>
+          <p:cNvSpPr/>
+          <p:nvPr/>
+        </p:nvSpPr>
+        <p:spPr>
+          <a:xfrm>
+            <a:off x="928914" y="420915"/>
+            <a:ext cx="9646870" cy="682171"/>
+          </a:xfrm>
+          <a:prstGeom prst="rect">
+            <a:avLst/>
+          </a:prstGeom>
+          <a:noFill/>
+          <a:ln>
+            <a:noFill/>
+          </a:ln>
+        </p:spPr>
+        <p:style>
+          <a:lnRef idx="2">
+            <a:schemeClr val="accent1">
+              <a:shade val="50000"/>
+            </a:schemeClr>
+          </a:lnRef>
+          <a:fillRef idx="1">
+            <a:schemeClr val="accent1"/>
+          </a:fillRef>
+          <a:effectRef idx="0">
+            <a:schemeClr val="accent1"/>
+          </a:effectRef>
+          <a:fontRef idx="minor">
+            <a:schemeClr val="lt1"/>
+          </a:fontRef>
+        </p:style>
+        <p:txBody>
+          <a:bodyPr rtlCol="0" anchor="t" anchorCtr="0"/>
+          <a:lstStyle/>
+          <a:p>
+            <a:endParaRPr lang="en-IE" dirty="0">
+              <a:solidFill>
+                <a:schemeClr val="tx1"/>
+              </a:solidFill>
+            </a:endParaRPr>
+          </a:p>
+        </p:txBody>
+      </p:sp>
+      <mc:AlternateContent xmlns:mc="http://schemas.openxmlformats.org/markup-compatibility/2006">
+        <mc:Choice xmlns:a14="http://schemas.microsoft.com/office/drawing/2010/main" Requires="a14">
+          <p:sp>
+            <p:nvSpPr>
+              <p:cNvPr id="56" name="TextBox 55">
+                <a:extLst>
+                  <a:ext uri="{FF2B5EF4-FFF2-40B4-BE49-F238E27FC236}">
+                    <a16:creationId xmlns:a16="http://schemas.microsoft.com/office/drawing/2014/main" id="{B42778CA-6679-4274-B851-3E47600D3E12}"/>
+                  </a:ext>
+                </a:extLst>
+              </p:cNvPr>
+              <p:cNvSpPr txBox="1"/>
+              <p:nvPr/>
+            </p:nvSpPr>
+            <p:spPr>
+              <a:xfrm>
+                <a:off x="928914" y="522070"/>
+                <a:ext cx="7414986" cy="577146"/>
+              </a:xfrm>
+              <a:prstGeom prst="rect">
+                <a:avLst/>
+              </a:prstGeom>
+              <a:noFill/>
+            </p:spPr>
+            <p:txBody>
+              <a:bodyPr wrap="square">
+                <a:spAutoFit/>
+              </a:bodyPr>
+              <a:lstStyle/>
+              <a:p>
+                <a14:m>
+                  <m:oMath xmlns:m="http://schemas.openxmlformats.org/officeDocument/2006/math">
+                    <m:sSub>
+                      <m:sSubPr>
+                        <m:ctrlPr>
+                          <a:rPr lang="en-GB" i="1" smtClean="0">
+                            <a:latin typeface="Cambria Math" panose="02040503050406030204" pitchFamily="18" charset="0"/>
+                          </a:rPr>
+                        </m:ctrlPr>
+                      </m:sSubPr>
+                      <m:e>
+                        <m:acc>
+                          <m:accPr>
+                            <m:chr m:val="̂"/>
+                            <m:ctrlPr>
+                              <a:rPr lang="en-GB" i="1" smtClean="0">
+                                <a:latin typeface="Cambria Math" panose="02040503050406030204" pitchFamily="18" charset="0"/>
+                              </a:rPr>
+                            </m:ctrlPr>
+                          </m:accPr>
+                          <m:e>
+                            <m:r>
+                              <a:rPr lang="en-GB" b="0" i="1" smtClean="0">
+                                <a:latin typeface="Cambria Math" panose="02040503050406030204" pitchFamily="18" charset="0"/>
+                              </a:rPr>
+                              <m:t>𝑎</m:t>
+                            </m:r>
+                          </m:e>
+                        </m:acc>
+                      </m:e>
+                      <m:sub>
+                        <m:r>
+                          <a:rPr lang="en-GB" i="1" smtClean="0">
+                            <a:latin typeface="Cambria Math" panose="02040503050406030204" pitchFamily="18" charset="0"/>
+                            <a:ea typeface="Cambria Math" panose="02040503050406030204" pitchFamily="18" charset="0"/>
+                          </a:rPr>
+                          <m:t>𝛼</m:t>
+                        </m:r>
+                      </m:sub>
+                    </m:sSub>
+                    <m:r>
+                      <a:rPr lang="en-GB" i="1">
+                        <a:latin typeface="Cambria Math" panose="02040503050406030204" pitchFamily="18" charset="0"/>
+                      </a:rPr>
+                      <m:t>=</m:t>
+                    </m:r>
+                    <m:f>
+                      <m:fPr>
+                        <m:ctrlPr>
+                          <a:rPr lang="en-GB" i="1">
+                            <a:latin typeface="Cambria Math" panose="02040503050406030204" pitchFamily="18" charset="0"/>
+                          </a:rPr>
+                        </m:ctrlPr>
+                      </m:fPr>
+                      <m:num>
+                        <m:acc>
+                          <m:accPr>
+                            <m:chr m:val="̂"/>
+                            <m:ctrlPr>
+                              <a:rPr lang="en-GB" i="1">
+                                <a:latin typeface="Cambria Math" panose="02040503050406030204" pitchFamily="18" charset="0"/>
+                              </a:rPr>
+                            </m:ctrlPr>
+                          </m:accPr>
+                          <m:e>
+                            <m:r>
+                              <a:rPr lang="en-GB" i="1">
+                                <a:latin typeface="Cambria Math" panose="02040503050406030204" pitchFamily="18" charset="0"/>
+                              </a:rPr>
+                              <m:t>𝑎</m:t>
+                            </m:r>
+                          </m:e>
+                        </m:acc>
+                        <m:r>
+                          <a:rPr lang="en-GB" i="1">
+                            <a:latin typeface="Cambria Math" panose="02040503050406030204" pitchFamily="18" charset="0"/>
+                            <a:ea typeface="Cambria Math" panose="02040503050406030204" pitchFamily="18" charset="0"/>
+                          </a:rPr>
+                          <m:t>×</m:t>
+                        </m:r>
+                        <m:sSub>
+                          <m:sSubPr>
+                            <m:ctrlPr>
+                              <a:rPr lang="en-GB" i="1">
+                                <a:latin typeface="Cambria Math" panose="02040503050406030204" pitchFamily="18" charset="0"/>
+                              </a:rPr>
+                            </m:ctrlPr>
+                          </m:sSubPr>
+                          <m:e>
+                            <m:acc>
+                              <m:accPr>
+                                <m:chr m:val="⃗"/>
+                                <m:ctrlPr>
+                                  <a:rPr lang="en-GB" i="1">
+                                    <a:latin typeface="Cambria Math" panose="02040503050406030204" pitchFamily="18" charset="0"/>
+                                  </a:rPr>
+                                </m:ctrlPr>
+                              </m:accPr>
+                              <m:e>
+                                <m:r>
+                                  <a:rPr lang="en-GB" i="1">
+                                    <a:latin typeface="Cambria Math" panose="02040503050406030204" pitchFamily="18" charset="0"/>
+                                  </a:rPr>
+                                  <m:t>𝑛</m:t>
+                                </m:r>
+                              </m:e>
+                            </m:acc>
+                          </m:e>
+                          <m:sub>
+                            <m:r>
+                              <a:rPr lang="en-GB" i="1">
+                                <a:latin typeface="Cambria Math" panose="02040503050406030204" pitchFamily="18" charset="0"/>
+                                <a:ea typeface="Cambria Math" panose="02040503050406030204" pitchFamily="18" charset="0"/>
+                              </a:rPr>
+                              <m:t>𝛼</m:t>
+                            </m:r>
+                          </m:sub>
+                        </m:sSub>
+                      </m:num>
+                      <m:den>
+                        <m:d>
+                          <m:dPr>
+                            <m:begChr m:val="‖"/>
+                            <m:endChr m:val="‖"/>
+                            <m:ctrlPr>
+                              <a:rPr lang="en-GB" i="1">
+                                <a:latin typeface="Cambria Math" panose="02040503050406030204" pitchFamily="18" charset="0"/>
+                              </a:rPr>
+                            </m:ctrlPr>
+                          </m:dPr>
+                          <m:e>
+                            <m:acc>
+                              <m:accPr>
+                                <m:chr m:val="̂"/>
+                                <m:ctrlPr>
+                                  <a:rPr lang="en-GB" i="1">
+                                    <a:latin typeface="Cambria Math" panose="02040503050406030204" pitchFamily="18" charset="0"/>
+                                  </a:rPr>
+                                </m:ctrlPr>
+                              </m:accPr>
+                              <m:e>
+                                <m:r>
+                                  <a:rPr lang="en-GB" i="1">
+                                    <a:latin typeface="Cambria Math" panose="02040503050406030204" pitchFamily="18" charset="0"/>
+                                  </a:rPr>
+                                  <m:t>𝑎</m:t>
+                                </m:r>
+                              </m:e>
+                            </m:acc>
+                            <m:r>
+                              <a:rPr lang="en-GB" i="1">
+                                <a:latin typeface="Cambria Math" panose="02040503050406030204" pitchFamily="18" charset="0"/>
+                                <a:ea typeface="Cambria Math" panose="02040503050406030204" pitchFamily="18" charset="0"/>
+                              </a:rPr>
+                              <m:t>×</m:t>
+                            </m:r>
+                            <m:sSub>
+                              <m:sSubPr>
+                                <m:ctrlPr>
+                                  <a:rPr lang="en-GB" i="1">
+                                    <a:latin typeface="Cambria Math" panose="02040503050406030204" pitchFamily="18" charset="0"/>
+                                  </a:rPr>
+                                </m:ctrlPr>
+                              </m:sSubPr>
+                              <m:e>
+                                <m:acc>
+                                  <m:accPr>
+                                    <m:chr m:val="⃗"/>
+                                    <m:ctrlPr>
+                                      <a:rPr lang="en-GB" i="1">
+                                        <a:latin typeface="Cambria Math" panose="02040503050406030204" pitchFamily="18" charset="0"/>
+                                      </a:rPr>
+                                    </m:ctrlPr>
+                                  </m:accPr>
+                                  <m:e>
+                                    <m:r>
+                                      <a:rPr lang="en-GB" i="1">
+                                        <a:latin typeface="Cambria Math" panose="02040503050406030204" pitchFamily="18" charset="0"/>
+                                      </a:rPr>
+                                      <m:t>𝑛</m:t>
+                                    </m:r>
+                                  </m:e>
+                                </m:acc>
+                              </m:e>
+                              <m:sub>
+                                <m:r>
+                                  <a:rPr lang="en-GB" i="1">
+                                    <a:latin typeface="Cambria Math" panose="02040503050406030204" pitchFamily="18" charset="0"/>
+                                    <a:ea typeface="Cambria Math" panose="02040503050406030204" pitchFamily="18" charset="0"/>
+                                  </a:rPr>
+                                  <m:t>𝛼</m:t>
+                                </m:r>
+                              </m:sub>
+                            </m:sSub>
+                          </m:e>
+                        </m:d>
+                      </m:den>
+                    </m:f>
+                  </m:oMath>
+                </a14:m>
+                <a:r>
+                  <a:rPr lang="en-IE" dirty="0"/>
+                  <a:t>,       </a:t>
+                </a:r>
+                <a14:m>
+                  <m:oMath xmlns:m="http://schemas.openxmlformats.org/officeDocument/2006/math">
+                    <m:sSub>
+                      <m:sSubPr>
+                        <m:ctrlPr>
+                          <a:rPr lang="en-GB" i="1">
+                            <a:latin typeface="Cambria Math" panose="02040503050406030204" pitchFamily="18" charset="0"/>
+                          </a:rPr>
+                        </m:ctrlPr>
+                      </m:sSubPr>
+                      <m:e>
+                        <m:acc>
+                          <m:accPr>
+                            <m:chr m:val="̂"/>
+                            <m:ctrlPr>
+                              <a:rPr lang="en-GB" i="1">
+                                <a:latin typeface="Cambria Math" panose="02040503050406030204" pitchFamily="18" charset="0"/>
+                              </a:rPr>
+                            </m:ctrlPr>
+                          </m:accPr>
+                          <m:e>
+                            <m:r>
+                              <a:rPr lang="en-GB" b="0" i="1" smtClean="0">
+                                <a:latin typeface="Cambria Math" panose="02040503050406030204" pitchFamily="18" charset="0"/>
+                              </a:rPr>
+                              <m:t>𝑏</m:t>
+                            </m:r>
+                          </m:e>
+                        </m:acc>
+                      </m:e>
+                      <m:sub>
+                        <m:r>
+                          <a:rPr lang="en-GB" i="1">
+                            <a:latin typeface="Cambria Math" panose="02040503050406030204" pitchFamily="18" charset="0"/>
+                            <a:ea typeface="Cambria Math" panose="02040503050406030204" pitchFamily="18" charset="0"/>
+                          </a:rPr>
+                          <m:t>𝛼</m:t>
+                        </m:r>
+                      </m:sub>
+                    </m:sSub>
+                    <m:r>
+                      <a:rPr lang="en-GB" i="1">
+                        <a:latin typeface="Cambria Math" panose="02040503050406030204" pitchFamily="18" charset="0"/>
+                      </a:rPr>
+                      <m:t>=</m:t>
+                    </m:r>
+                    <m:f>
+                      <m:fPr>
+                        <m:ctrlPr>
+                          <a:rPr lang="en-GB" i="1">
+                            <a:latin typeface="Cambria Math" panose="02040503050406030204" pitchFamily="18" charset="0"/>
+                          </a:rPr>
+                        </m:ctrlPr>
+                      </m:fPr>
+                      <m:num>
+                        <m:acc>
+                          <m:accPr>
+                            <m:chr m:val="̂"/>
+                            <m:ctrlPr>
+                              <a:rPr lang="en-GB" i="1">
+                                <a:latin typeface="Cambria Math" panose="02040503050406030204" pitchFamily="18" charset="0"/>
+                              </a:rPr>
+                            </m:ctrlPr>
+                          </m:accPr>
+                          <m:e>
+                            <m:r>
+                              <a:rPr lang="en-GB" b="0" i="1" smtClean="0">
+                                <a:latin typeface="Cambria Math" panose="02040503050406030204" pitchFamily="18" charset="0"/>
+                              </a:rPr>
+                              <m:t>𝑏</m:t>
+                            </m:r>
+                          </m:e>
+                        </m:acc>
+                        <m:r>
+                          <a:rPr lang="en-GB" i="1">
+                            <a:latin typeface="Cambria Math" panose="02040503050406030204" pitchFamily="18" charset="0"/>
+                            <a:ea typeface="Cambria Math" panose="02040503050406030204" pitchFamily="18" charset="0"/>
+                          </a:rPr>
+                          <m:t>×</m:t>
+                        </m:r>
+                        <m:sSub>
+                          <m:sSubPr>
+                            <m:ctrlPr>
+                              <a:rPr lang="en-GB" i="1">
+                                <a:latin typeface="Cambria Math" panose="02040503050406030204" pitchFamily="18" charset="0"/>
+                              </a:rPr>
+                            </m:ctrlPr>
+                          </m:sSubPr>
+                          <m:e>
+                            <m:acc>
+                              <m:accPr>
+                                <m:chr m:val="⃗"/>
+                                <m:ctrlPr>
+                                  <a:rPr lang="en-GB" i="1">
+                                    <a:latin typeface="Cambria Math" panose="02040503050406030204" pitchFamily="18" charset="0"/>
+                                  </a:rPr>
+                                </m:ctrlPr>
+                              </m:accPr>
+                              <m:e>
+                                <m:r>
+                                  <a:rPr lang="en-GB" i="1">
+                                    <a:latin typeface="Cambria Math" panose="02040503050406030204" pitchFamily="18" charset="0"/>
+                                  </a:rPr>
+                                  <m:t>𝑛</m:t>
+                                </m:r>
+                              </m:e>
+                            </m:acc>
+                          </m:e>
+                          <m:sub>
+                            <m:r>
+                              <a:rPr lang="en-GB" i="1">
+                                <a:latin typeface="Cambria Math" panose="02040503050406030204" pitchFamily="18" charset="0"/>
+                                <a:ea typeface="Cambria Math" panose="02040503050406030204" pitchFamily="18" charset="0"/>
+                              </a:rPr>
+                              <m:t>𝛼</m:t>
+                            </m:r>
+                          </m:sub>
+                        </m:sSub>
+                      </m:num>
+                      <m:den>
+                        <m:d>
+                          <m:dPr>
+                            <m:begChr m:val="‖"/>
+                            <m:endChr m:val="‖"/>
+                            <m:ctrlPr>
+                              <a:rPr lang="en-GB" i="1">
+                                <a:latin typeface="Cambria Math" panose="02040503050406030204" pitchFamily="18" charset="0"/>
+                              </a:rPr>
+                            </m:ctrlPr>
+                          </m:dPr>
+                          <m:e>
+                            <m:acc>
+                              <m:accPr>
+                                <m:chr m:val="̂"/>
+                                <m:ctrlPr>
+                                  <a:rPr lang="en-GB" i="1">
+                                    <a:latin typeface="Cambria Math" panose="02040503050406030204" pitchFamily="18" charset="0"/>
+                                  </a:rPr>
+                                </m:ctrlPr>
+                              </m:accPr>
+                              <m:e>
+                                <m:r>
+                                  <a:rPr lang="en-GB" b="0" i="1" smtClean="0">
+                                    <a:latin typeface="Cambria Math" panose="02040503050406030204" pitchFamily="18" charset="0"/>
+                                  </a:rPr>
+                                  <m:t>𝑏</m:t>
+                                </m:r>
+                              </m:e>
+                            </m:acc>
+                            <m:r>
+                              <a:rPr lang="en-GB" i="1">
+                                <a:latin typeface="Cambria Math" panose="02040503050406030204" pitchFamily="18" charset="0"/>
+                                <a:ea typeface="Cambria Math" panose="02040503050406030204" pitchFamily="18" charset="0"/>
+                              </a:rPr>
+                              <m:t>×</m:t>
+                            </m:r>
+                            <m:sSub>
+                              <m:sSubPr>
+                                <m:ctrlPr>
+                                  <a:rPr lang="en-GB" i="1">
+                                    <a:latin typeface="Cambria Math" panose="02040503050406030204" pitchFamily="18" charset="0"/>
+                                  </a:rPr>
+                                </m:ctrlPr>
+                              </m:sSubPr>
+                              <m:e>
+                                <m:acc>
+                                  <m:accPr>
+                                    <m:chr m:val="⃗"/>
+                                    <m:ctrlPr>
+                                      <a:rPr lang="en-GB" i="1">
+                                        <a:latin typeface="Cambria Math" panose="02040503050406030204" pitchFamily="18" charset="0"/>
+                                      </a:rPr>
+                                    </m:ctrlPr>
+                                  </m:accPr>
+                                  <m:e>
+                                    <m:r>
+                                      <a:rPr lang="en-GB" i="1">
+                                        <a:latin typeface="Cambria Math" panose="02040503050406030204" pitchFamily="18" charset="0"/>
+                                      </a:rPr>
+                                      <m:t>𝑛</m:t>
+                                    </m:r>
+                                  </m:e>
+                                </m:acc>
+                              </m:e>
+                              <m:sub>
+                                <m:r>
+                                  <a:rPr lang="en-GB" i="1">
+                                    <a:latin typeface="Cambria Math" panose="02040503050406030204" pitchFamily="18" charset="0"/>
+                                    <a:ea typeface="Cambria Math" panose="02040503050406030204" pitchFamily="18" charset="0"/>
+                                  </a:rPr>
+                                  <m:t>𝛼</m:t>
+                                </m:r>
+                              </m:sub>
+                            </m:sSub>
+                          </m:e>
+                        </m:d>
+                      </m:den>
+                    </m:f>
+                  </m:oMath>
+                </a14:m>
+                <a:r>
+                  <a:rPr lang="en-IE" dirty="0"/>
+                  <a:t> </a:t>
+                </a:r>
+              </a:p>
+            </p:txBody>
+          </p:sp>
+        </mc:Choice>
+        <mc:Fallback>
+          <p:sp>
+            <p:nvSpPr>
+              <p:cNvPr id="56" name="TextBox 55">
+                <a:extLst>
+                  <a:ext uri="{FF2B5EF4-FFF2-40B4-BE49-F238E27FC236}">
+                    <a16:creationId xmlns:a16="http://schemas.microsoft.com/office/drawing/2014/main" id="{B42778CA-6679-4274-B851-3E47600D3E12}"/>
+                  </a:ext>
+                </a:extLst>
+              </p:cNvPr>
+              <p:cNvSpPr txBox="1">
+                <a:spLocks noRot="1" noChangeAspect="1" noMove="1" noResize="1" noEditPoints="1" noAdjustHandles="1" noChangeArrowheads="1" noChangeShapeType="1" noTextEdit="1"/>
+              </p:cNvSpPr>
+              <p:nvPr/>
+            </p:nvSpPr>
+            <p:spPr>
+              <a:xfrm>
+                <a:off x="928914" y="522070"/>
+                <a:ext cx="7414986" cy="577146"/>
+              </a:xfrm>
+              <a:prstGeom prst="rect">
+                <a:avLst/>
+              </a:prstGeom>
+              <a:blipFill>
+                <a:blip r:embed="rId2"/>
+                <a:stretch>
+                  <a:fillRect/>
+                </a:stretch>
+              </a:blipFill>
+            </p:spPr>
+            <p:txBody>
+              <a:bodyPr/>
+              <a:lstStyle/>
+              <a:p>
+                <a:r>
+                  <a:rPr lang="en-IE">
+                    <a:noFill/>
+                  </a:rPr>
+                  <a:t> </a:t>
+                </a:r>
+              </a:p>
+            </p:txBody>
+          </p:sp>
+        </mc:Fallback>
+      </mc:AlternateContent>
+    </p:spTree>
+    <p:extLst>
+      <p:ext uri="{BB962C8B-B14F-4D97-AF65-F5344CB8AC3E}">
+        <p14:creationId xmlns:p14="http://schemas.microsoft.com/office/powerpoint/2010/main" val="1564228190"/>
+      </p:ext>
+    </p:extLst>
+  </p:cSld>
+  <p:clrMapOvr>
+    <a:masterClrMapping/>
+  </p:clrMapOvr>
+</p:sld>
+</file>
+
+<file path=ppt/slides/slide9.xml><?xml version="1.0" encoding="utf-8"?>
+<p:sld xmlns:a="http://schemas.openxmlformats.org/drawingml/2006/main" xmlns:r="http://schemas.openxmlformats.org/officeDocument/2006/relationships" xmlns:p="http://schemas.openxmlformats.org/presentationml/2006/main">
+  <p:cSld>
+    <p:spTree>
+      <p:nvGrpSpPr>
+        <p:cNvPr id="1" name=""/>
+        <p:cNvGrpSpPr/>
+        <p:nvPr/>
+      </p:nvGrpSpPr>
+      <p:grpSpPr>
+        <a:xfrm>
+          <a:off x="0" y="0"/>
+          <a:ext cx="0" cy="0"/>
+          <a:chOff x="0" y="0"/>
+          <a:chExt cx="0" cy="0"/>
+        </a:xfrm>
+      </p:grpSpPr>
+      <p:sp>
+        <p:nvSpPr>
+          <p:cNvPr id="32" name="Rectangle 31">
+            <a:extLst>
+              <a:ext uri="{FF2B5EF4-FFF2-40B4-BE49-F238E27FC236}">
+                <a16:creationId xmlns:a16="http://schemas.microsoft.com/office/drawing/2014/main" id="{1AA1ED43-FE0D-43E0-B559-B06F83EE4FAD}"/>
+              </a:ext>
+            </a:extLst>
+          </p:cNvPr>
+          <p:cNvSpPr/>
+          <p:nvPr/>
+        </p:nvSpPr>
+        <p:spPr>
+          <a:xfrm>
+            <a:off x="928914" y="420915"/>
+            <a:ext cx="9646870" cy="682171"/>
+          </a:xfrm>
+          <a:prstGeom prst="rect">
+            <a:avLst/>
+          </a:prstGeom>
+          <a:noFill/>
+          <a:ln>
+            <a:noFill/>
+          </a:ln>
+        </p:spPr>
+        <p:style>
+          <a:lnRef idx="2">
+            <a:schemeClr val="accent1">
+              <a:shade val="50000"/>
+            </a:schemeClr>
+          </a:lnRef>
+          <a:fillRef idx="1">
+            <a:schemeClr val="accent1"/>
+          </a:fillRef>
+          <a:effectRef idx="0">
+            <a:schemeClr val="accent1"/>
+          </a:effectRef>
+          <a:fontRef idx="minor">
+            <a:schemeClr val="lt1"/>
+          </a:fontRef>
+        </p:style>
+        <p:txBody>
+          <a:bodyPr rtlCol="0" anchor="t" anchorCtr="0"/>
+          <a:lstStyle/>
+          <a:p>
+            <a:endParaRPr lang="en-IE" dirty="0">
+              <a:solidFill>
+                <a:schemeClr val="tx1"/>
+              </a:solidFill>
+            </a:endParaRPr>
+          </a:p>
+        </p:txBody>
+      </p:sp>
+      <mc:AlternateContent xmlns:mc="http://schemas.openxmlformats.org/markup-compatibility/2006">
+        <mc:Choice xmlns:a14="http://schemas.microsoft.com/office/drawing/2010/main" Requires="a14">
+          <p:sp>
+            <p:nvSpPr>
+              <p:cNvPr id="56" name="TextBox 55">
+                <a:extLst>
+                  <a:ext uri="{FF2B5EF4-FFF2-40B4-BE49-F238E27FC236}">
+                    <a16:creationId xmlns:a16="http://schemas.microsoft.com/office/drawing/2014/main" id="{B42778CA-6679-4274-B851-3E47600D3E12}"/>
+                  </a:ext>
+                </a:extLst>
+              </p:cNvPr>
+              <p:cNvSpPr txBox="1"/>
+              <p:nvPr/>
+            </p:nvSpPr>
+            <p:spPr>
+              <a:xfrm>
+                <a:off x="928914" y="522070"/>
+                <a:ext cx="7414986" cy="384144"/>
+              </a:xfrm>
+              <a:prstGeom prst="rect">
+                <a:avLst/>
+              </a:prstGeom>
+              <a:noFill/>
+            </p:spPr>
+            <p:txBody>
+              <a:bodyPr wrap="square">
+                <a:spAutoFit/>
+              </a:bodyPr>
+              <a:lstStyle/>
+              <a:p>
+                <a:pPr/>
+                <a14:m>
+                  <m:oMathPara xmlns:m="http://schemas.openxmlformats.org/officeDocument/2006/math">
+                    <m:oMathParaPr>
+                      <m:jc m:val="left"/>
+                    </m:oMathParaPr>
+                    <m:oMath xmlns:m="http://schemas.openxmlformats.org/officeDocument/2006/math">
+                      <m:sSub>
+                        <m:sSubPr>
+                          <m:ctrlPr>
+                            <a:rPr lang="en-GB" i="1" smtClean="0">
+                              <a:latin typeface="Cambria Math" panose="02040503050406030204" pitchFamily="18" charset="0"/>
+                            </a:rPr>
+                          </m:ctrlPr>
+                        </m:sSubPr>
+                        <m:e>
+                          <m:r>
+                            <a:rPr lang="en-GB" i="1" smtClean="0">
+                              <a:latin typeface="Cambria Math" panose="02040503050406030204" pitchFamily="18" charset="0"/>
+                              <a:ea typeface="Cambria Math" panose="02040503050406030204" pitchFamily="18" charset="0"/>
+                            </a:rPr>
+                            <m:t>𝜃</m:t>
+                          </m:r>
+                        </m:e>
+                        <m:sub>
+                          <m:r>
+                            <a:rPr lang="en-GB" i="1" smtClean="0">
+                              <a:latin typeface="Cambria Math" panose="02040503050406030204" pitchFamily="18" charset="0"/>
+                              <a:ea typeface="Cambria Math" panose="02040503050406030204" pitchFamily="18" charset="0"/>
+                            </a:rPr>
+                            <m:t>𝛼</m:t>
+                          </m:r>
+                        </m:sub>
+                      </m:sSub>
+                      <m:r>
+                        <a:rPr lang="en-GB" i="1">
+                          <a:latin typeface="Cambria Math" panose="02040503050406030204" pitchFamily="18" charset="0"/>
+                        </a:rPr>
+                        <m:t>=</m:t>
+                      </m:r>
+                      <m:func>
+                        <m:funcPr>
+                          <m:ctrlPr>
+                            <a:rPr lang="en-GB" i="1" smtClean="0">
+                              <a:latin typeface="Cambria Math" panose="02040503050406030204" pitchFamily="18" charset="0"/>
+                            </a:rPr>
+                          </m:ctrlPr>
+                        </m:funcPr>
+                        <m:fName>
+                          <m:sSup>
+                            <m:sSupPr>
+                              <m:ctrlPr>
+                                <a:rPr lang="en-GB" i="1" smtClean="0">
+                                  <a:latin typeface="Cambria Math" panose="02040503050406030204" pitchFamily="18" charset="0"/>
+                                </a:rPr>
+                              </m:ctrlPr>
+                            </m:sSupPr>
+                            <m:e>
+                              <m:r>
+                                <m:rPr>
+                                  <m:sty m:val="p"/>
+                                </m:rPr>
+                                <a:rPr lang="en-GB" i="0" smtClean="0">
+                                  <a:latin typeface="Cambria Math" panose="02040503050406030204" pitchFamily="18" charset="0"/>
+                                </a:rPr>
+                                <m:t>cos</m:t>
+                              </m:r>
+                            </m:e>
+                            <m:sup>
+                              <m:r>
+                                <a:rPr lang="en-GB" i="1" smtClean="0">
+                                  <a:latin typeface="Cambria Math" panose="02040503050406030204" pitchFamily="18" charset="0"/>
+                                </a:rPr>
+                                <m:t>−1</m:t>
+                              </m:r>
+                            </m:sup>
+                          </m:sSup>
+                        </m:fName>
+                        <m:e>
+                          <m:r>
+                            <a:rPr lang="en-GB" b="0" i="1" smtClean="0">
+                              <a:latin typeface="Cambria Math" panose="02040503050406030204" pitchFamily="18" charset="0"/>
+                            </a:rPr>
+                            <m:t>(</m:t>
+                          </m:r>
+                          <m:sSub>
+                            <m:sSubPr>
+                              <m:ctrlPr>
+                                <a:rPr lang="en-GB" i="1">
+                                  <a:latin typeface="Cambria Math" panose="02040503050406030204" pitchFamily="18" charset="0"/>
+                                </a:rPr>
+                              </m:ctrlPr>
+                            </m:sSubPr>
+                            <m:e>
+                              <m:acc>
+                                <m:accPr>
+                                  <m:chr m:val="̂"/>
+                                  <m:ctrlPr>
+                                    <a:rPr lang="en-GB" i="1">
+                                      <a:latin typeface="Cambria Math" panose="02040503050406030204" pitchFamily="18" charset="0"/>
+                                    </a:rPr>
+                                  </m:ctrlPr>
+                                </m:accPr>
+                                <m:e>
+                                  <m:r>
+                                    <a:rPr lang="en-GB" i="1">
+                                      <a:latin typeface="Cambria Math" panose="02040503050406030204" pitchFamily="18" charset="0"/>
+                                    </a:rPr>
+                                    <m:t>𝑎</m:t>
+                                  </m:r>
+                                </m:e>
+                              </m:acc>
+                            </m:e>
+                            <m:sub>
+                              <m:r>
+                                <a:rPr lang="en-GB" i="1">
+                                  <a:latin typeface="Cambria Math" panose="02040503050406030204" pitchFamily="18" charset="0"/>
+                                  <a:ea typeface="Cambria Math" panose="02040503050406030204" pitchFamily="18" charset="0"/>
+                                </a:rPr>
+                                <m:t>𝛼</m:t>
+                              </m:r>
+                            </m:sub>
+                          </m:sSub>
+                          <m:r>
+                            <a:rPr lang="en-GB" i="1" smtClean="0">
+                              <a:latin typeface="Cambria Math" panose="02040503050406030204" pitchFamily="18" charset="0"/>
+                              <a:ea typeface="Cambria Math" panose="02040503050406030204" pitchFamily="18" charset="0"/>
+                            </a:rPr>
+                            <m:t>∙</m:t>
+                          </m:r>
+                          <m:sSub>
+                            <m:sSubPr>
+                              <m:ctrlPr>
+                                <a:rPr lang="en-GB" i="1">
+                                  <a:latin typeface="Cambria Math" panose="02040503050406030204" pitchFamily="18" charset="0"/>
+                                </a:rPr>
+                              </m:ctrlPr>
+                            </m:sSubPr>
+                            <m:e>
+                              <m:acc>
+                                <m:accPr>
+                                  <m:chr m:val="̂"/>
+                                  <m:ctrlPr>
+                                    <a:rPr lang="en-GB" i="1">
+                                      <a:latin typeface="Cambria Math" panose="02040503050406030204" pitchFamily="18" charset="0"/>
+                                    </a:rPr>
+                                  </m:ctrlPr>
+                                </m:accPr>
+                                <m:e>
+                                  <m:r>
+                                    <a:rPr lang="en-GB" i="1">
+                                      <a:latin typeface="Cambria Math" panose="02040503050406030204" pitchFamily="18" charset="0"/>
+                                    </a:rPr>
+                                    <m:t>𝑏</m:t>
+                                  </m:r>
+                                </m:e>
+                              </m:acc>
+                            </m:e>
+                            <m:sub>
+                              <m:r>
+                                <a:rPr lang="en-GB" i="1">
+                                  <a:latin typeface="Cambria Math" panose="02040503050406030204" pitchFamily="18" charset="0"/>
+                                  <a:ea typeface="Cambria Math" panose="02040503050406030204" pitchFamily="18" charset="0"/>
+                                </a:rPr>
+                                <m:t>𝛼</m:t>
+                              </m:r>
+                            </m:sub>
+                          </m:sSub>
+                          <m:r>
+                            <a:rPr lang="en-GB" b="0" i="1" smtClean="0">
+                              <a:latin typeface="Cambria Math" panose="02040503050406030204" pitchFamily="18" charset="0"/>
+                            </a:rPr>
+                            <m:t>)</m:t>
+                          </m:r>
+                        </m:e>
+                      </m:func>
+                    </m:oMath>
+                  </m:oMathPara>
+                </a14:m>
+                <a:endParaRPr lang="en-IE" dirty="0"/>
+              </a:p>
+            </p:txBody>
+          </p:sp>
+        </mc:Choice>
+        <mc:Fallback>
+          <p:sp>
+            <p:nvSpPr>
+              <p:cNvPr id="56" name="TextBox 55">
+                <a:extLst>
+                  <a:ext uri="{FF2B5EF4-FFF2-40B4-BE49-F238E27FC236}">
+                    <a16:creationId xmlns:a16="http://schemas.microsoft.com/office/drawing/2014/main" id="{B42778CA-6679-4274-B851-3E47600D3E12}"/>
+                  </a:ext>
+                </a:extLst>
+              </p:cNvPr>
+              <p:cNvSpPr txBox="1">
+                <a:spLocks noRot="1" noChangeAspect="1" noMove="1" noResize="1" noEditPoints="1" noAdjustHandles="1" noChangeArrowheads="1" noChangeShapeType="1" noTextEdit="1"/>
+              </p:cNvSpPr>
+              <p:nvPr/>
+            </p:nvSpPr>
+            <p:spPr>
+              <a:xfrm>
+                <a:off x="928914" y="522070"/>
+                <a:ext cx="7414986" cy="384144"/>
+              </a:xfrm>
+              <a:prstGeom prst="rect">
+                <a:avLst/>
+              </a:prstGeom>
+              <a:blipFill>
+                <a:blip r:embed="rId2"/>
+                <a:stretch>
+                  <a:fillRect t="-1587" b="-12698"/>
+                </a:stretch>
+              </a:blipFill>
+            </p:spPr>
+            <p:txBody>
+              <a:bodyPr/>
+              <a:lstStyle/>
+              <a:p>
+                <a:r>
+                  <a:rPr lang="en-IE">
+                    <a:noFill/>
+                  </a:rPr>
+                  <a:t> </a:t>
+                </a:r>
+              </a:p>
+            </p:txBody>
+          </p:sp>
+        </mc:Fallback>
+      </mc:AlternateContent>
+    </p:spTree>
+    <p:extLst>
+      <p:ext uri="{BB962C8B-B14F-4D97-AF65-F5344CB8AC3E}">
+        <p14:creationId xmlns:p14="http://schemas.microsoft.com/office/powerpoint/2010/main" val="2387261342"/>
       </p:ext>
     </p:extLst>
   </p:cSld>
